--- a/study/图解.pptx
+++ b/study/图解.pptx
@@ -104,6 +104,11 @@
       </a:defRPr>
     </a:lvl9pPr>
   </p:defaultTextStyle>
+  <p:extLst>
+    <p:ext uri="{EFAFB233-063F-42B5-8137-9DF3F51BA10A}">
+      <p15:sldGuideLst xmlns:p15="http://schemas.microsoft.com/office/powerpoint/2012/main"/>
+    </p:ext>
+  </p:extLst>
 </p:presentation>
 </file>
 
@@ -2980,7 +2985,7 @@
         </p:blipFill>
         <p:spPr>
           <a:xfrm>
-            <a:off x="843220" y="875064"/>
+            <a:off x="1549803" y="1190948"/>
             <a:ext cx="8181950" cy="4421083"/>
           </a:xfrm>
           <a:prstGeom prst="rect">
@@ -2996,14 +3001,14 @@
         </p:nvSpPr>
         <p:spPr>
           <a:xfrm>
-            <a:off x="2328614" y="1141966"/>
+            <a:off x="3035197" y="1457850"/>
             <a:ext cx="1082098" cy="183915"/>
           </a:xfrm>
           <a:prstGeom prst="rect">
             <a:avLst/>
           </a:prstGeom>
           <a:noFill/>
-          <a:ln w="12700">
+          <a:ln w="9525">
             <a:solidFill>
               <a:srgbClr val="FF0000"/>
             </a:solidFill>
@@ -3042,14 +3047,14 @@
         </p:nvSpPr>
         <p:spPr>
           <a:xfrm>
-            <a:off x="5819557" y="1141965"/>
+            <a:off x="6526140" y="1457849"/>
             <a:ext cx="1091242" cy="183915"/>
           </a:xfrm>
           <a:prstGeom prst="rect">
             <a:avLst/>
           </a:prstGeom>
           <a:noFill/>
-          <a:ln w="12700">
+          <a:ln w="9525">
             <a:solidFill>
               <a:srgbClr val="FF0000"/>
             </a:solidFill>
@@ -3088,14 +3093,14 @@
         </p:nvSpPr>
         <p:spPr>
           <a:xfrm>
-            <a:off x="3464471" y="1141966"/>
+            <a:off x="4171054" y="1457850"/>
             <a:ext cx="1091242" cy="183915"/>
           </a:xfrm>
           <a:prstGeom prst="rect">
             <a:avLst/>
           </a:prstGeom>
           <a:noFill/>
-          <a:ln w="12700">
+          <a:ln w="9525">
             <a:solidFill>
               <a:srgbClr val="FF0000"/>
             </a:solidFill>
@@ -3134,14 +3139,14 @@
         </p:nvSpPr>
         <p:spPr>
           <a:xfrm>
-            <a:off x="4677575" y="1141966"/>
+            <a:off x="5384158" y="1457850"/>
             <a:ext cx="1091242" cy="183915"/>
           </a:xfrm>
           <a:prstGeom prst="rect">
             <a:avLst/>
           </a:prstGeom>
           <a:noFill/>
-          <a:ln w="12700">
+          <a:ln w="9525">
             <a:solidFill>
               <a:srgbClr val="FF0000"/>
             </a:solidFill>
@@ -3180,16 +3185,16 @@
         </p:nvSpPr>
         <p:spPr>
           <a:xfrm>
-            <a:off x="1000638" y="6158974"/>
-            <a:ext cx="1082098" cy="183915"/>
+            <a:off x="4754203" y="1869127"/>
+            <a:ext cx="508092" cy="170159"/>
           </a:xfrm>
           <a:prstGeom prst="rect">
             <a:avLst/>
           </a:prstGeom>
           <a:noFill/>
-          <a:ln w="12700">
+          <a:ln w="9525">
             <a:solidFill>
-              <a:srgbClr val="FF0000"/>
+              <a:srgbClr val="0070C0"/>
             </a:solidFill>
           </a:ln>
         </p:spPr>
@@ -3226,16 +3231,16 @@
         </p:nvSpPr>
         <p:spPr>
           <a:xfrm>
-            <a:off x="4491581" y="6158973"/>
-            <a:ext cx="1091242" cy="183915"/>
+            <a:off x="5384158" y="2062452"/>
+            <a:ext cx="2233224" cy="178238"/>
           </a:xfrm>
           <a:prstGeom prst="rect">
             <a:avLst/>
           </a:prstGeom>
           <a:noFill/>
-          <a:ln w="12700">
+          <a:ln w="9525">
             <a:solidFill>
-              <a:srgbClr val="FF0000"/>
+              <a:srgbClr val="0070C0"/>
             </a:solidFill>
           </a:ln>
         </p:spPr>
@@ -3272,16 +3277,16 @@
         </p:nvSpPr>
         <p:spPr>
           <a:xfrm>
-            <a:off x="2136495" y="6158974"/>
-            <a:ext cx="1091242" cy="183915"/>
+            <a:off x="5384158" y="1868613"/>
+            <a:ext cx="545621" cy="170673"/>
           </a:xfrm>
           <a:prstGeom prst="rect">
             <a:avLst/>
           </a:prstGeom>
           <a:noFill/>
-          <a:ln w="12700">
+          <a:ln w="9525">
             <a:solidFill>
-              <a:srgbClr val="FF0000"/>
+              <a:srgbClr val="0070C0"/>
             </a:solidFill>
           </a:ln>
         </p:spPr>
@@ -3318,14 +3323,14 @@
         </p:nvSpPr>
         <p:spPr>
           <a:xfrm>
-            <a:off x="3349599" y="6158974"/>
-            <a:ext cx="1091242" cy="183915"/>
+            <a:off x="3625433" y="1873505"/>
+            <a:ext cx="1021383" cy="165781"/>
           </a:xfrm>
           <a:prstGeom prst="rect">
             <a:avLst/>
           </a:prstGeom>
           <a:noFill/>
-          <a:ln w="12700">
+          <a:ln w="9525">
             <a:solidFill>
               <a:srgbClr val="FF0000"/>
             </a:solidFill>
@@ -3358,20 +3363,20 @@
       </p:sp>
       <p:sp>
         <p:nvSpPr>
-          <p:cNvPr id="22" name="矩形 21"/>
+          <p:cNvPr id="26" name="矩形 25"/>
           <p:cNvSpPr/>
           <p:nvPr/>
         </p:nvSpPr>
         <p:spPr>
           <a:xfrm>
-            <a:off x="1153038" y="6311374"/>
-            <a:ext cx="1082098" cy="183915"/>
+            <a:off x="3035196" y="1669344"/>
+            <a:ext cx="2227099" cy="166762"/>
           </a:xfrm>
           <a:prstGeom prst="rect">
             <a:avLst/>
           </a:prstGeom>
           <a:noFill/>
-          <a:ln w="12700">
+          <a:ln w="9525">
             <a:solidFill>
               <a:srgbClr val="FF0000"/>
             </a:solidFill>
@@ -3404,20 +3409,20 @@
       </p:sp>
       <p:sp>
         <p:nvSpPr>
-          <p:cNvPr id="23" name="矩形 22"/>
+          <p:cNvPr id="27" name="矩形 26"/>
           <p:cNvSpPr/>
           <p:nvPr/>
         </p:nvSpPr>
         <p:spPr>
           <a:xfrm>
-            <a:off x="4643981" y="6311373"/>
-            <a:ext cx="1091242" cy="183915"/>
+            <a:off x="3030625" y="1870743"/>
+            <a:ext cx="545621" cy="168543"/>
           </a:xfrm>
           <a:prstGeom prst="rect">
             <a:avLst/>
           </a:prstGeom>
           <a:noFill/>
-          <a:ln w="12700">
+          <a:ln w="9525">
             <a:solidFill>
               <a:srgbClr val="FF0000"/>
             </a:solidFill>
@@ -3450,20 +3455,20 @@
       </p:sp>
       <p:sp>
         <p:nvSpPr>
-          <p:cNvPr id="24" name="矩形 23"/>
+          <p:cNvPr id="28" name="矩形 27"/>
           <p:cNvSpPr/>
           <p:nvPr/>
         </p:nvSpPr>
         <p:spPr>
           <a:xfrm>
-            <a:off x="2288895" y="6311374"/>
-            <a:ext cx="1091242" cy="183915"/>
+            <a:off x="5384158" y="1669345"/>
+            <a:ext cx="545621" cy="166762"/>
           </a:xfrm>
           <a:prstGeom prst="rect">
             <a:avLst/>
           </a:prstGeom>
           <a:noFill/>
-          <a:ln w="12700">
+          <a:ln w="9525">
             <a:solidFill>
               <a:srgbClr val="FF0000"/>
             </a:solidFill>
@@ -3496,20 +3501,20 @@
       </p:sp>
       <p:sp>
         <p:nvSpPr>
-          <p:cNvPr id="25" name="矩形 24"/>
+          <p:cNvPr id="29" name="矩形 28"/>
           <p:cNvSpPr/>
           <p:nvPr/>
         </p:nvSpPr>
         <p:spPr>
           <a:xfrm>
-            <a:off x="3501999" y="6311374"/>
-            <a:ext cx="1091242" cy="183915"/>
+            <a:off x="5975440" y="1669345"/>
+            <a:ext cx="1641942" cy="166761"/>
           </a:xfrm>
           <a:prstGeom prst="rect">
             <a:avLst/>
           </a:prstGeom>
           <a:noFill/>
-          <a:ln w="12700">
+          <a:ln w="9525">
             <a:solidFill>
               <a:srgbClr val="FF0000"/>
             </a:solidFill>
@@ -3540,202 +3545,19 @@
           </a:p>
         </p:txBody>
       </p:sp>
-      <p:sp>
-        <p:nvSpPr>
-          <p:cNvPr id="26" name="矩形 25"/>
-          <p:cNvSpPr/>
-          <p:nvPr/>
-        </p:nvSpPr>
-        <p:spPr>
-          <a:xfrm>
-            <a:off x="2328614" y="1345146"/>
-            <a:ext cx="1082098" cy="183915"/>
-          </a:xfrm>
-          <a:prstGeom prst="rect">
-            <a:avLst/>
-          </a:prstGeom>
-          <a:noFill/>
-          <a:ln w="12700">
-            <a:solidFill>
-              <a:srgbClr val="FF0000"/>
-            </a:solidFill>
-          </a:ln>
-        </p:spPr>
-        <p:style>
-          <a:lnRef idx="2">
-            <a:schemeClr val="accent1">
-              <a:shade val="50000"/>
-            </a:schemeClr>
-          </a:lnRef>
-          <a:fillRef idx="1">
-            <a:schemeClr val="accent1"/>
-          </a:fillRef>
-          <a:effectRef idx="0">
-            <a:schemeClr val="accent1"/>
-          </a:effectRef>
-          <a:fontRef idx="minor">
-            <a:schemeClr val="lt1"/>
-          </a:fontRef>
-        </p:style>
-        <p:txBody>
-          <a:bodyPr rtlCol="0" anchor="ctr"/>
-          <a:lstStyle/>
-          <a:p>
-            <a:pPr algn="ctr"/>
-            <a:endParaRPr lang="zh-CN" altLang="en-US"/>
-          </a:p>
-        </p:txBody>
-      </p:sp>
-      <p:sp>
-        <p:nvSpPr>
-          <p:cNvPr id="27" name="矩形 26"/>
-          <p:cNvSpPr/>
-          <p:nvPr/>
-        </p:nvSpPr>
-        <p:spPr>
-          <a:xfrm>
-            <a:off x="8875677" y="174714"/>
-            <a:ext cx="1091242" cy="183915"/>
-          </a:xfrm>
-          <a:prstGeom prst="rect">
-            <a:avLst/>
-          </a:prstGeom>
-          <a:noFill/>
-          <a:ln w="12700">
-            <a:solidFill>
-              <a:srgbClr val="FF0000"/>
-            </a:solidFill>
-          </a:ln>
-        </p:spPr>
-        <p:style>
-          <a:lnRef idx="2">
-            <a:schemeClr val="accent1">
-              <a:shade val="50000"/>
-            </a:schemeClr>
-          </a:lnRef>
-          <a:fillRef idx="1">
-            <a:schemeClr val="accent1"/>
-          </a:fillRef>
-          <a:effectRef idx="0">
-            <a:schemeClr val="accent1"/>
-          </a:effectRef>
-          <a:fontRef idx="minor">
-            <a:schemeClr val="lt1"/>
-          </a:fontRef>
-        </p:style>
-        <p:txBody>
-          <a:bodyPr rtlCol="0" anchor="ctr"/>
-          <a:lstStyle/>
-          <a:p>
-            <a:pPr algn="ctr"/>
-            <a:endParaRPr lang="zh-CN" altLang="en-US"/>
-          </a:p>
-        </p:txBody>
-      </p:sp>
-      <p:sp>
-        <p:nvSpPr>
-          <p:cNvPr id="28" name="矩形 27"/>
-          <p:cNvSpPr/>
-          <p:nvPr/>
-        </p:nvSpPr>
-        <p:spPr>
-          <a:xfrm>
-            <a:off x="6520591" y="174715"/>
-            <a:ext cx="1091242" cy="183915"/>
-          </a:xfrm>
-          <a:prstGeom prst="rect">
-            <a:avLst/>
-          </a:prstGeom>
-          <a:noFill/>
-          <a:ln w="12700">
-            <a:solidFill>
-              <a:srgbClr val="FF0000"/>
-            </a:solidFill>
-          </a:ln>
-        </p:spPr>
-        <p:style>
-          <a:lnRef idx="2">
-            <a:schemeClr val="accent1">
-              <a:shade val="50000"/>
-            </a:schemeClr>
-          </a:lnRef>
-          <a:fillRef idx="1">
-            <a:schemeClr val="accent1"/>
-          </a:fillRef>
-          <a:effectRef idx="0">
-            <a:schemeClr val="accent1"/>
-          </a:effectRef>
-          <a:fontRef idx="minor">
-            <a:schemeClr val="lt1"/>
-          </a:fontRef>
-        </p:style>
-        <p:txBody>
-          <a:bodyPr rtlCol="0" anchor="ctr"/>
-          <a:lstStyle/>
-          <a:p>
-            <a:pPr algn="ctr"/>
-            <a:endParaRPr lang="zh-CN" altLang="en-US"/>
-          </a:p>
-        </p:txBody>
-      </p:sp>
-      <p:sp>
-        <p:nvSpPr>
-          <p:cNvPr id="29" name="矩形 28"/>
-          <p:cNvSpPr/>
-          <p:nvPr/>
-        </p:nvSpPr>
-        <p:spPr>
-          <a:xfrm>
-            <a:off x="7733695" y="174715"/>
-            <a:ext cx="1091242" cy="183915"/>
-          </a:xfrm>
-          <a:prstGeom prst="rect">
-            <a:avLst/>
-          </a:prstGeom>
-          <a:noFill/>
-          <a:ln w="12700">
-            <a:solidFill>
-              <a:srgbClr val="FF0000"/>
-            </a:solidFill>
-          </a:ln>
-        </p:spPr>
-        <p:style>
-          <a:lnRef idx="2">
-            <a:schemeClr val="accent1">
-              <a:shade val="50000"/>
-            </a:schemeClr>
-          </a:lnRef>
-          <a:fillRef idx="1">
-            <a:schemeClr val="accent1"/>
-          </a:fillRef>
-          <a:effectRef idx="0">
-            <a:schemeClr val="accent1"/>
-          </a:effectRef>
-          <a:fontRef idx="minor">
-            <a:schemeClr val="lt1"/>
-          </a:fontRef>
-        </p:style>
-        <p:txBody>
-          <a:bodyPr rtlCol="0" anchor="ctr"/>
-          <a:lstStyle/>
-          <a:p>
-            <a:pPr algn="ctr"/>
-            <a:endParaRPr lang="zh-CN" altLang="en-US"/>
-          </a:p>
-        </p:txBody>
-      </p:sp>
       <p:cxnSp>
         <p:nvCxnSpPr>
           <p:cNvPr id="31" name="直接箭头连接符 30"/>
           <p:cNvCxnSpPr>
+            <a:stCxn id="11" idx="0"/>
             <a:endCxn id="65" idx="2"/>
           </p:cNvCxnSpPr>
           <p:nvPr/>
         </p:nvCxnSpPr>
         <p:spPr>
-          <a:xfrm flipV="1">
-            <a:off x="3997717" y="528130"/>
-            <a:ext cx="263672" cy="693772"/>
+          <a:xfrm flipH="1" flipV="1">
+            <a:off x="3064046" y="1022965"/>
+            <a:ext cx="1652629" cy="434885"/>
           </a:xfrm>
           <a:prstGeom prst="straightConnector1">
             <a:avLst/>
@@ -3765,13 +3587,16 @@
       <p:cxnSp>
         <p:nvCxnSpPr>
           <p:cNvPr id="38" name="直接箭头连接符 37"/>
-          <p:cNvCxnSpPr/>
+          <p:cNvCxnSpPr>
+            <a:stCxn id="12" idx="0"/>
+            <a:endCxn id="64" idx="2"/>
+          </p:cNvCxnSpPr>
           <p:nvPr/>
         </p:nvCxnSpPr>
         <p:spPr>
-          <a:xfrm flipV="1">
-            <a:off x="5703759" y="327114"/>
-            <a:ext cx="31464" cy="649886"/>
+          <a:xfrm flipH="1" flipV="1">
+            <a:off x="5850217" y="1020275"/>
+            <a:ext cx="79562" cy="437575"/>
           </a:xfrm>
           <a:prstGeom prst="straightConnector1">
             <a:avLst/>
@@ -3801,13 +3626,16 @@
       <p:cxnSp>
         <p:nvCxnSpPr>
           <p:cNvPr id="39" name="直接箭头连接符 38"/>
-          <p:cNvCxnSpPr/>
+          <p:cNvCxnSpPr>
+            <a:stCxn id="10" idx="0"/>
+            <a:endCxn id="66" idx="2"/>
+          </p:cNvCxnSpPr>
           <p:nvPr/>
         </p:nvCxnSpPr>
         <p:spPr>
           <a:xfrm flipV="1">
-            <a:off x="5856159" y="479514"/>
-            <a:ext cx="31464" cy="649886"/>
+            <a:off x="7071761" y="1017770"/>
+            <a:ext cx="74139" cy="440079"/>
           </a:xfrm>
           <a:prstGeom prst="straightConnector1">
             <a:avLst/>
@@ -3837,13 +3665,16 @@
       <p:cxnSp>
         <p:nvCxnSpPr>
           <p:cNvPr id="40" name="直接箭头连接符 39"/>
-          <p:cNvCxnSpPr/>
+          <p:cNvCxnSpPr>
+            <a:stCxn id="27" idx="1"/>
+            <a:endCxn id="89" idx="3"/>
+          </p:cNvCxnSpPr>
           <p:nvPr/>
         </p:nvCxnSpPr>
         <p:spPr>
-          <a:xfrm flipV="1">
-            <a:off x="6008559" y="631914"/>
-            <a:ext cx="31464" cy="649886"/>
+          <a:xfrm flipH="1">
+            <a:off x="1859621" y="1955015"/>
+            <a:ext cx="1171004" cy="169782"/>
           </a:xfrm>
           <a:prstGeom prst="straightConnector1">
             <a:avLst/>
@@ -3873,13 +3704,16 @@
       <p:cxnSp>
         <p:nvCxnSpPr>
           <p:cNvPr id="41" name="直接箭头连接符 40"/>
-          <p:cNvCxnSpPr/>
+          <p:cNvCxnSpPr>
+            <a:stCxn id="26" idx="1"/>
+            <a:endCxn id="92" idx="3"/>
+          </p:cNvCxnSpPr>
           <p:nvPr/>
         </p:nvCxnSpPr>
         <p:spPr>
-          <a:xfrm flipV="1">
-            <a:off x="6160959" y="784314"/>
-            <a:ext cx="31464" cy="649886"/>
+          <a:xfrm flipH="1" flipV="1">
+            <a:off x="1707222" y="1540201"/>
+            <a:ext cx="1327974" cy="212524"/>
           </a:xfrm>
           <a:prstGeom prst="straightConnector1">
             <a:avLst/>
@@ -3909,20 +3743,23 @@
       <p:cxnSp>
         <p:nvCxnSpPr>
           <p:cNvPr id="42" name="直接箭头连接符 41"/>
-          <p:cNvCxnSpPr/>
+          <p:cNvCxnSpPr>
+            <a:stCxn id="20" idx="0"/>
+            <a:endCxn id="86" idx="2"/>
+          </p:cNvCxnSpPr>
           <p:nvPr/>
         </p:nvCxnSpPr>
         <p:spPr>
-          <a:xfrm flipV="1">
-            <a:off x="6313359" y="936714"/>
-            <a:ext cx="31464" cy="649886"/>
+          <a:xfrm flipH="1" flipV="1">
+            <a:off x="5168336" y="621727"/>
+            <a:ext cx="488633" cy="1246886"/>
           </a:xfrm>
           <a:prstGeom prst="straightConnector1">
             <a:avLst/>
           </a:prstGeom>
           <a:ln>
             <a:solidFill>
-              <a:srgbClr val="FF0000"/>
+              <a:srgbClr val="0070C0"/>
             </a:solidFill>
             <a:tailEnd type="triangle"/>
           </a:ln>
@@ -3945,13 +3782,16 @@
       <p:cxnSp>
         <p:nvCxnSpPr>
           <p:cNvPr id="43" name="直接箭头连接符 42"/>
-          <p:cNvCxnSpPr/>
+          <p:cNvCxnSpPr>
+            <a:stCxn id="28" idx="0"/>
+            <a:endCxn id="91" idx="2"/>
+          </p:cNvCxnSpPr>
           <p:nvPr/>
         </p:nvCxnSpPr>
         <p:spPr>
-          <a:xfrm flipV="1">
-            <a:off x="6465759" y="1089114"/>
-            <a:ext cx="31464" cy="649886"/>
+          <a:xfrm flipH="1" flipV="1">
+            <a:off x="4606042" y="1022965"/>
+            <a:ext cx="1050927" cy="646380"/>
           </a:xfrm>
           <a:prstGeom prst="straightConnector1">
             <a:avLst/>
@@ -3981,13 +3821,16 @@
       <p:cxnSp>
         <p:nvCxnSpPr>
           <p:cNvPr id="44" name="直接箭头连接符 43"/>
-          <p:cNvCxnSpPr/>
+          <p:cNvCxnSpPr>
+            <a:stCxn id="21" idx="2"/>
+            <a:endCxn id="90" idx="0"/>
+          </p:cNvCxnSpPr>
           <p:nvPr/>
         </p:nvCxnSpPr>
         <p:spPr>
-          <a:xfrm flipV="1">
-            <a:off x="6618159" y="1241514"/>
-            <a:ext cx="31464" cy="649886"/>
+          <a:xfrm flipH="1">
+            <a:off x="1274862" y="2039286"/>
+            <a:ext cx="2861263" cy="553576"/>
           </a:xfrm>
           <a:prstGeom prst="straightConnector1">
             <a:avLst/>
@@ -4022,7 +3865,7 @@
         </p:nvCxnSpPr>
         <p:spPr>
           <a:xfrm flipV="1">
-            <a:off x="6770559" y="1393914"/>
+            <a:off x="10115319" y="4324005"/>
             <a:ext cx="31464" cy="649886"/>
           </a:xfrm>
           <a:prstGeom prst="straightConnector1">
@@ -4061,8 +3904,8 @@
         </p:nvCxnSpPr>
         <p:spPr>
           <a:xfrm flipH="1" flipV="1">
-            <a:off x="2326489" y="683644"/>
-            <a:ext cx="543174" cy="458322"/>
+            <a:off x="1509728" y="1044491"/>
+            <a:ext cx="2066518" cy="413359"/>
           </a:xfrm>
           <a:prstGeom prst="straightConnector1">
             <a:avLst/>
@@ -4097,8 +3940,8 @@
         </p:nvSpPr>
         <p:spPr>
           <a:xfrm>
-            <a:off x="1643449" y="375867"/>
-            <a:ext cx="1366080" cy="307777"/>
+            <a:off x="946112" y="767492"/>
+            <a:ext cx="1127232" cy="276999"/>
           </a:xfrm>
           <a:prstGeom prst="rect">
             <a:avLst/>
@@ -4112,13 +3955,29 @@
           <a:lstStyle/>
           <a:p>
             <a:r>
-              <a:rPr lang="en-US" altLang="zh-CN" sz="1400" b="1" smtClean="0">
+              <a:rPr lang="en-US" altLang="zh-CN" sz="1100" b="1" smtClean="0">
+                <a:solidFill>
+                  <a:srgbClr val="FF0000"/>
+                </a:solidFill>
                 <a:latin typeface="Courier New" panose="02070309020205020404" pitchFamily="49" charset="0"/>
                 <a:cs typeface="Courier New" panose="02070309020205020404" pitchFamily="49" charset="0"/>
               </a:rPr>
-              <a:t>checksum(4)</a:t>
-            </a:r>
-            <a:endParaRPr lang="zh-CN" altLang="en-US" sz="1400" b="1">
+              <a:t>checksum(4</a:t>
+            </a:r>
+            <a:r>
+              <a:rPr lang="en-US" altLang="zh-CN" sz="1200" b="1" smtClean="0">
+                <a:solidFill>
+                  <a:srgbClr val="FF0000"/>
+                </a:solidFill>
+                <a:latin typeface="Courier New" panose="02070309020205020404" pitchFamily="49" charset="0"/>
+                <a:cs typeface="Courier New" panose="02070309020205020404" pitchFamily="49" charset="0"/>
+              </a:rPr>
+              <a:t>)</a:t>
+            </a:r>
+            <a:endParaRPr lang="zh-CN" altLang="en-US" sz="1200" b="1">
+              <a:solidFill>
+                <a:srgbClr val="FF0000"/>
+              </a:solidFill>
               <a:latin typeface="Courier New" panose="02070309020205020404" pitchFamily="49" charset="0"/>
               <a:cs typeface="Courier New" panose="02070309020205020404" pitchFamily="49" charset="0"/>
             </a:endParaRPr>
@@ -4133,8 +3992,8 @@
         </p:nvSpPr>
         <p:spPr>
           <a:xfrm>
-            <a:off x="9965846" y="2508251"/>
-            <a:ext cx="1043876" cy="307777"/>
+            <a:off x="5277784" y="758665"/>
+            <a:ext cx="1144865" cy="261610"/>
           </a:xfrm>
           <a:prstGeom prst="rect">
             <a:avLst/>
@@ -4148,14 +4007,33 @@
           <a:lstStyle/>
           <a:p>
             <a:r>
-              <a:rPr lang="en-US" altLang="zh-CN" sz="1400" b="1" smtClean="0">
+              <a:rPr lang="zh-CN" altLang="en-US" sz="1100" b="1" smtClean="0">
+                <a:solidFill>
+                  <a:srgbClr val="FF0000"/>
+                </a:solidFill>
                 <a:latin typeface="Courier New" panose="02070309020205020404" pitchFamily="49" charset="0"/>
+                <a:ea typeface="微软雅黑" panose="020B0503020204020204" pitchFamily="34" charset="-122"/>
                 <a:cs typeface="Courier New" panose="02070309020205020404" pitchFamily="49" charset="0"/>
               </a:rPr>
-              <a:t>checksum</a:t>
-            </a:r>
-            <a:endParaRPr lang="zh-CN" altLang="en-US" sz="1400" b="1">
+              <a:t>上一页地址</a:t>
+            </a:r>
+            <a:r>
+              <a:rPr lang="en-US" altLang="zh-CN" sz="1100" b="1" smtClean="0">
+                <a:solidFill>
+                  <a:srgbClr val="FF0000"/>
+                </a:solidFill>
+                <a:latin typeface="Courier New" panose="02070309020205020404" pitchFamily="49" charset="0"/>
+                <a:ea typeface="微软雅黑" panose="020B0503020204020204" pitchFamily="34" charset="-122"/>
+                <a:cs typeface="Courier New" panose="02070309020205020404" pitchFamily="49" charset="0"/>
+              </a:rPr>
+              <a:t>(4)</a:t>
+            </a:r>
+            <a:endParaRPr lang="zh-CN" altLang="en-US" sz="1100" b="1">
+              <a:solidFill>
+                <a:srgbClr val="FF0000"/>
+              </a:solidFill>
               <a:latin typeface="Courier New" panose="02070309020205020404" pitchFamily="49" charset="0"/>
+              <a:ea typeface="微软雅黑" panose="020B0503020204020204" pitchFamily="34" charset="-122"/>
               <a:cs typeface="Courier New" panose="02070309020205020404" pitchFamily="49" charset="0"/>
             </a:endParaRPr>
           </a:p>
@@ -4169,8 +4047,8 @@
         </p:nvSpPr>
         <p:spPr>
           <a:xfrm>
-            <a:off x="3200040" y="220353"/>
-            <a:ext cx="2122697" cy="307777"/>
+            <a:off x="2209485" y="761355"/>
+            <a:ext cx="1709122" cy="261610"/>
           </a:xfrm>
           <a:prstGeom prst="rect">
             <a:avLst/>
@@ -4184,7 +4062,10 @@
           <a:lstStyle/>
           <a:p>
             <a:r>
-              <a:rPr lang="zh-CN" altLang="en-US" sz="1400" b="1">
+              <a:rPr lang="zh-CN" altLang="en-US" sz="1100" b="1">
+                <a:solidFill>
+                  <a:srgbClr val="FF0000"/>
+                </a:solidFill>
                 <a:latin typeface="Courier New" panose="02070309020205020404" pitchFamily="49" charset="0"/>
                 <a:ea typeface="微软雅黑" panose="020B0503020204020204" pitchFamily="34" charset="-122"/>
                 <a:cs typeface="Courier New" panose="02070309020205020404" pitchFamily="49" charset="0"/>
@@ -4192,7 +4073,10 @@
               <a:t>表</a:t>
             </a:r>
             <a:r>
-              <a:rPr lang="zh-CN" altLang="en-US" sz="1400" b="1" smtClean="0">
+              <a:rPr lang="zh-CN" altLang="en-US" sz="1100" b="1" smtClean="0">
+                <a:solidFill>
+                  <a:srgbClr val="FF0000"/>
+                </a:solidFill>
                 <a:latin typeface="Courier New" panose="02070309020205020404" pitchFamily="49" charset="0"/>
                 <a:ea typeface="微软雅黑" panose="020B0503020204020204" pitchFamily="34" charset="-122"/>
                 <a:cs typeface="Courier New" panose="02070309020205020404" pitchFamily="49" charset="0"/>
@@ -4200,14 +4084,20 @@
               <a:t>空间中页的偏移量</a:t>
             </a:r>
             <a:r>
-              <a:rPr lang="en-US" altLang="zh-CN" sz="1400" b="1" smtClean="0">
+              <a:rPr lang="en-US" altLang="zh-CN" sz="1100" b="1" smtClean="0">
+                <a:solidFill>
+                  <a:srgbClr val="FF0000"/>
+                </a:solidFill>
                 <a:latin typeface="Courier New" panose="02070309020205020404" pitchFamily="49" charset="0"/>
                 <a:ea typeface="微软雅黑" panose="020B0503020204020204" pitchFamily="34" charset="-122"/>
                 <a:cs typeface="Courier New" panose="02070309020205020404" pitchFamily="49" charset="0"/>
               </a:rPr>
               <a:t>(4)</a:t>
             </a:r>
-            <a:endParaRPr lang="zh-CN" altLang="en-US" sz="1400" b="1">
+            <a:endParaRPr lang="zh-CN" altLang="en-US" sz="1100" b="1">
+              <a:solidFill>
+                <a:srgbClr val="FF0000"/>
+              </a:solidFill>
               <a:latin typeface="Courier New" panose="02070309020205020404" pitchFamily="49" charset="0"/>
               <a:ea typeface="微软雅黑" panose="020B0503020204020204" pitchFamily="34" charset="-122"/>
               <a:cs typeface="Courier New" panose="02070309020205020404" pitchFamily="49" charset="0"/>
@@ -4223,8 +4113,8 @@
         </p:nvSpPr>
         <p:spPr>
           <a:xfrm>
-            <a:off x="10270646" y="2813051"/>
-            <a:ext cx="1043876" cy="307777"/>
+            <a:off x="6573467" y="756160"/>
+            <a:ext cx="1144865" cy="261610"/>
           </a:xfrm>
           <a:prstGeom prst="rect">
             <a:avLst/>
@@ -4238,14 +4128,33 @@
           <a:lstStyle/>
           <a:p>
             <a:r>
-              <a:rPr lang="en-US" altLang="zh-CN" sz="1400" b="1" smtClean="0">
+              <a:rPr lang="zh-CN" altLang="en-US" sz="1100" b="1" smtClean="0">
+                <a:solidFill>
+                  <a:srgbClr val="FF0000"/>
+                </a:solidFill>
                 <a:latin typeface="Courier New" panose="02070309020205020404" pitchFamily="49" charset="0"/>
+                <a:ea typeface="微软雅黑" panose="020B0503020204020204" pitchFamily="34" charset="-122"/>
                 <a:cs typeface="Courier New" panose="02070309020205020404" pitchFamily="49" charset="0"/>
               </a:rPr>
-              <a:t>checksum</a:t>
-            </a:r>
-            <a:endParaRPr lang="zh-CN" altLang="en-US" sz="1400" b="1">
+              <a:t>下一页地址</a:t>
+            </a:r>
+            <a:r>
+              <a:rPr lang="en-US" altLang="zh-CN" sz="1100" b="1" smtClean="0">
+                <a:solidFill>
+                  <a:srgbClr val="FF0000"/>
+                </a:solidFill>
+                <a:latin typeface="Courier New" panose="02070309020205020404" pitchFamily="49" charset="0"/>
+                <a:ea typeface="微软雅黑" panose="020B0503020204020204" pitchFamily="34" charset="-122"/>
+                <a:cs typeface="Courier New" panose="02070309020205020404" pitchFamily="49" charset="0"/>
+              </a:rPr>
+              <a:t>(4)</a:t>
+            </a:r>
+            <a:endParaRPr lang="zh-CN" altLang="en-US" sz="1100" b="1">
+              <a:solidFill>
+                <a:srgbClr val="FF0000"/>
+              </a:solidFill>
               <a:latin typeface="Courier New" panose="02070309020205020404" pitchFamily="49" charset="0"/>
+              <a:ea typeface="微软雅黑" panose="020B0503020204020204" pitchFamily="34" charset="-122"/>
               <a:cs typeface="Courier New" panose="02070309020205020404" pitchFamily="49" charset="0"/>
             </a:endParaRPr>
           </a:p>
@@ -4259,8 +4168,8 @@
         </p:nvSpPr>
         <p:spPr>
           <a:xfrm>
-            <a:off x="9661046" y="771940"/>
-            <a:ext cx="1043876" cy="307777"/>
+            <a:off x="7017166" y="310635"/>
+            <a:ext cx="1991251" cy="261610"/>
           </a:xfrm>
           <a:prstGeom prst="rect">
             <a:avLst/>
@@ -4274,14 +4183,44 @@
           <a:lstStyle/>
           <a:p>
             <a:r>
-              <a:rPr lang="en-US" altLang="zh-CN" sz="1400" b="1" smtClean="0">
+              <a:rPr lang="zh-CN" altLang="en-US" sz="1100" b="1">
+                <a:solidFill>
+                  <a:srgbClr val="0070C0"/>
+                </a:solidFill>
                 <a:latin typeface="Courier New" panose="02070309020205020404" pitchFamily="49" charset="0"/>
+                <a:ea typeface="微软雅黑" panose="020B0503020204020204" pitchFamily="34" charset="-122"/>
                 <a:cs typeface="Courier New" panose="02070309020205020404" pitchFamily="49" charset="0"/>
               </a:rPr>
-              <a:t>checksum</a:t>
-            </a:r>
-            <a:endParaRPr lang="zh-CN" altLang="en-US" sz="1400" b="1">
+              <a:t>可</a:t>
+            </a:r>
+            <a:r>
+              <a:rPr lang="zh-CN" altLang="en-US" sz="1100" b="1" smtClean="0">
+                <a:solidFill>
+                  <a:srgbClr val="0070C0"/>
+                </a:solidFill>
+                <a:latin typeface="Courier New" panose="02070309020205020404" pitchFamily="49" charset="0"/>
+                <a:ea typeface="微软雅黑" panose="020B0503020204020204" pitchFamily="34" charset="-122"/>
+                <a:cs typeface="Courier New" panose="02070309020205020404" pitchFamily="49" charset="0"/>
+              </a:rPr>
+              <a:t>重用空间的首地址指针</a:t>
+            </a:r>
+            <a:r>
+              <a:rPr lang="en-US" altLang="zh-CN" sz="1100" b="1" smtClean="0">
+                <a:solidFill>
+                  <a:srgbClr val="0070C0"/>
+                </a:solidFill>
+                <a:latin typeface="Courier New" panose="02070309020205020404" pitchFamily="49" charset="0"/>
+                <a:ea typeface="微软雅黑" panose="020B0503020204020204" pitchFamily="34" charset="-122"/>
+                <a:cs typeface="Courier New" panose="02070309020205020404" pitchFamily="49" charset="0"/>
+              </a:rPr>
+              <a:t>(2)</a:t>
+            </a:r>
+            <a:endParaRPr lang="zh-CN" altLang="en-US" sz="1100" b="1">
+              <a:solidFill>
+                <a:srgbClr val="0070C0"/>
+              </a:solidFill>
               <a:latin typeface="Courier New" panose="02070309020205020404" pitchFamily="49" charset="0"/>
+              <a:ea typeface="微软雅黑" panose="020B0503020204020204" pitchFamily="34" charset="-122"/>
               <a:cs typeface="Courier New" panose="02070309020205020404" pitchFamily="49" charset="0"/>
             </a:endParaRPr>
           </a:p>
@@ -4289,14 +4228,80 @@
       </p:sp>
       <p:sp>
         <p:nvSpPr>
-          <p:cNvPr id="68" name="文本框 67"/>
+          <p:cNvPr id="86" name="文本框 85"/>
           <p:cNvSpPr txBox="1"/>
           <p:nvPr/>
         </p:nvSpPr>
         <p:spPr>
           <a:xfrm>
-            <a:off x="9813446" y="924340"/>
-            <a:ext cx="1043876" cy="307777"/>
+            <a:off x="4515872" y="190840"/>
+            <a:ext cx="1304927" cy="430887"/>
+          </a:xfrm>
+          <a:prstGeom prst="rect">
+            <a:avLst/>
+          </a:prstGeom>
+          <a:noFill/>
+        </p:spPr>
+        <p:txBody>
+          <a:bodyPr wrap="square" rtlCol="0">
+            <a:spAutoFit/>
+          </a:bodyPr>
+          <a:lstStyle/>
+          <a:p>
+            <a:r>
+              <a:rPr lang="zh-CN" altLang="en-US" sz="1100" b="1">
+                <a:solidFill>
+                  <a:srgbClr val="0070C0"/>
+                </a:solidFill>
+                <a:latin typeface="Courier New" panose="02070309020205020404" pitchFamily="49" charset="0"/>
+                <a:ea typeface="微软雅黑" panose="020B0503020204020204" pitchFamily="34" charset="-122"/>
+                <a:cs typeface="Courier New" panose="02070309020205020404" pitchFamily="49" charset="0"/>
+              </a:rPr>
+              <a:t>堆</a:t>
+            </a:r>
+            <a:r>
+              <a:rPr lang="zh-CN" altLang="en-US" sz="1100" b="1" smtClean="0">
+                <a:solidFill>
+                  <a:srgbClr val="0070C0"/>
+                </a:solidFill>
+                <a:latin typeface="Courier New" panose="02070309020205020404" pitchFamily="49" charset="0"/>
+                <a:ea typeface="微软雅黑" panose="020B0503020204020204" pitchFamily="34" charset="-122"/>
+                <a:cs typeface="Courier New" panose="02070309020205020404" pitchFamily="49" charset="0"/>
+              </a:rPr>
+              <a:t>中第一个空闲空间开始指针</a:t>
+            </a:r>
+            <a:r>
+              <a:rPr lang="en-US" altLang="zh-CN" sz="1100" b="1" smtClean="0">
+                <a:solidFill>
+                  <a:srgbClr val="0070C0"/>
+                </a:solidFill>
+                <a:latin typeface="Courier New" panose="02070309020205020404" pitchFamily="49" charset="0"/>
+                <a:ea typeface="微软雅黑" panose="020B0503020204020204" pitchFamily="34" charset="-122"/>
+                <a:cs typeface="Courier New" panose="02070309020205020404" pitchFamily="49" charset="0"/>
+              </a:rPr>
+              <a:t>(2)</a:t>
+            </a:r>
+            <a:endParaRPr lang="zh-CN" altLang="en-US" sz="1100" b="1">
+              <a:solidFill>
+                <a:srgbClr val="0070C0"/>
+              </a:solidFill>
+              <a:latin typeface="Courier New" panose="02070309020205020404" pitchFamily="49" charset="0"/>
+              <a:ea typeface="微软雅黑" panose="020B0503020204020204" pitchFamily="34" charset="-122"/>
+              <a:cs typeface="Courier New" panose="02070309020205020404" pitchFamily="49" charset="0"/>
+            </a:endParaRPr>
+          </a:p>
+        </p:txBody>
+      </p:sp>
+      <p:sp>
+        <p:nvSpPr>
+          <p:cNvPr id="88" name="文本框 87"/>
+          <p:cNvSpPr txBox="1"/>
+          <p:nvPr/>
+        </p:nvSpPr>
+        <p:spPr>
+          <a:xfrm>
+            <a:off x="3234195" y="317985"/>
+            <a:ext cx="1343638" cy="261610"/>
           </a:xfrm>
           <a:prstGeom prst="rect">
             <a:avLst/>
@@ -4310,14 +4315,66 @@
           <a:lstStyle/>
           <a:p>
             <a:r>
-              <a:rPr lang="en-US" altLang="zh-CN" sz="1400" b="1" smtClean="0">
+              <a:rPr lang="zh-CN" altLang="en-US" sz="1100" b="1">
+                <a:solidFill>
+                  <a:srgbClr val="0070C0"/>
+                </a:solidFill>
                 <a:latin typeface="Courier New" panose="02070309020205020404" pitchFamily="49" charset="0"/>
+                <a:ea typeface="微软雅黑" panose="020B0503020204020204" pitchFamily="34" charset="-122"/>
                 <a:cs typeface="Courier New" panose="02070309020205020404" pitchFamily="49" charset="0"/>
               </a:rPr>
-              <a:t>checksum</a:t>
-            </a:r>
-            <a:endParaRPr lang="zh-CN" altLang="en-US" sz="1400" b="1">
+              <a:t>页</a:t>
+            </a:r>
+            <a:r>
+              <a:rPr lang="zh-CN" altLang="en-US" sz="1100" b="1" smtClean="0">
+                <a:solidFill>
+                  <a:srgbClr val="0070C0"/>
+                </a:solidFill>
+                <a:latin typeface="Courier New" panose="02070309020205020404" pitchFamily="49" charset="0"/>
+                <a:ea typeface="微软雅黑" panose="020B0503020204020204" pitchFamily="34" charset="-122"/>
+                <a:cs typeface="Courier New" panose="02070309020205020404" pitchFamily="49" charset="0"/>
+              </a:rPr>
+              <a:t>目录</a:t>
+            </a:r>
+            <a:r>
+              <a:rPr lang="en-US" altLang="zh-CN" sz="1100" b="1" smtClean="0">
+                <a:solidFill>
+                  <a:srgbClr val="0070C0"/>
+                </a:solidFill>
+                <a:latin typeface="Courier New" panose="02070309020205020404" pitchFamily="49" charset="0"/>
+                <a:ea typeface="微软雅黑" panose="020B0503020204020204" pitchFamily="34" charset="-122"/>
+                <a:cs typeface="Courier New" panose="02070309020205020404" pitchFamily="49" charset="0"/>
+              </a:rPr>
+              <a:t>Slot</a:t>
+            </a:r>
+            <a:r>
+              <a:rPr lang="zh-CN" altLang="en-US" sz="1100" b="1" smtClean="0">
+                <a:solidFill>
+                  <a:srgbClr val="0070C0"/>
+                </a:solidFill>
+                <a:latin typeface="Courier New" panose="02070309020205020404" pitchFamily="49" charset="0"/>
+                <a:ea typeface="微软雅黑" panose="020B0503020204020204" pitchFamily="34" charset="-122"/>
+                <a:cs typeface="Courier New" panose="02070309020205020404" pitchFamily="49" charset="0"/>
+              </a:rPr>
+              <a:t>数</a:t>
+            </a:r>
+            <a:r>
+              <a:rPr lang="en-US" altLang="zh-CN" sz="1100" b="1" smtClean="0">
+                <a:solidFill>
+                  <a:srgbClr val="0070C0"/>
+                </a:solidFill>
+                <a:latin typeface="Courier New" panose="02070309020205020404" pitchFamily="49" charset="0"/>
+                <a:ea typeface="微软雅黑" panose="020B0503020204020204" pitchFamily="34" charset="-122"/>
+                <a:cs typeface="Courier New" panose="02070309020205020404" pitchFamily="49" charset="0"/>
+              </a:rPr>
+              <a:t>(2)</a:t>
+            </a:r>
+            <a:endParaRPr lang="zh-CN" altLang="en-US" sz="1100" b="1">
+              <a:solidFill>
+                <a:srgbClr val="0070C0"/>
+              </a:solidFill>
               <a:latin typeface="Courier New" panose="02070309020205020404" pitchFamily="49" charset="0"/>
+              <a:ea typeface="微软雅黑" panose="020B0503020204020204" pitchFamily="34" charset="-122"/>
               <a:cs typeface="Courier New" panose="02070309020205020404" pitchFamily="49" charset="0"/>
             </a:endParaRPr>
           </a:p>
@@ -4325,14 +4382,124 @@
       </p:sp>
       <p:sp>
         <p:nvSpPr>
-          <p:cNvPr id="69" name="文本框 68"/>
+          <p:cNvPr id="89" name="文本框 88"/>
           <p:cNvSpPr txBox="1"/>
           <p:nvPr/>
         </p:nvSpPr>
         <p:spPr>
           <a:xfrm>
-            <a:off x="9965846" y="1076740"/>
-            <a:ext cx="1043876" cy="307777"/>
+            <a:off x="827724" y="1824715"/>
+            <a:ext cx="1031897" cy="600164"/>
+          </a:xfrm>
+          <a:prstGeom prst="rect">
+            <a:avLst/>
+          </a:prstGeom>
+          <a:noFill/>
+        </p:spPr>
+        <p:txBody>
+          <a:bodyPr wrap="square" rtlCol="0">
+            <a:spAutoFit/>
+          </a:bodyPr>
+          <a:lstStyle/>
+          <a:p>
+            <a:r>
+              <a:rPr lang="zh-CN" altLang="en-US" sz="1100" b="1" smtClean="0">
+                <a:solidFill>
+                  <a:srgbClr val="FF0000"/>
+                </a:solidFill>
+                <a:latin typeface="Courier New" panose="02070309020205020404" pitchFamily="49" charset="0"/>
+                <a:ea typeface="微软雅黑" panose="020B0503020204020204" pitchFamily="34" charset="-122"/>
+                <a:cs typeface="Courier New" panose="02070309020205020404" pitchFamily="49" charset="0"/>
+              </a:rPr>
+              <a:t>系统表空间中定义，独立表空间都为</a:t>
+            </a:r>
+            <a:r>
+              <a:rPr lang="en-US" altLang="zh-CN" sz="1100" b="1" smtClean="0">
+                <a:solidFill>
+                  <a:srgbClr val="FF0000"/>
+                </a:solidFill>
+                <a:latin typeface="Courier New" panose="02070309020205020404" pitchFamily="49" charset="0"/>
+                <a:ea typeface="微软雅黑" panose="020B0503020204020204" pitchFamily="34" charset="-122"/>
+                <a:cs typeface="Courier New" panose="02070309020205020404" pitchFamily="49" charset="0"/>
+              </a:rPr>
+              <a:t>0(8)</a:t>
+            </a:r>
+            <a:endParaRPr lang="zh-CN" altLang="en-US" sz="1100" b="1">
+              <a:solidFill>
+                <a:srgbClr val="FF0000"/>
+              </a:solidFill>
+              <a:latin typeface="Courier New" panose="02070309020205020404" pitchFamily="49" charset="0"/>
+              <a:ea typeface="微软雅黑" panose="020B0503020204020204" pitchFamily="34" charset="-122"/>
+              <a:cs typeface="Courier New" panose="02070309020205020404" pitchFamily="49" charset="0"/>
+            </a:endParaRPr>
+          </a:p>
+        </p:txBody>
+      </p:sp>
+      <p:sp>
+        <p:nvSpPr>
+          <p:cNvPr id="90" name="文本框 89"/>
+          <p:cNvSpPr txBox="1"/>
+          <p:nvPr/>
+        </p:nvSpPr>
+        <p:spPr>
+          <a:xfrm>
+            <a:off x="835113" y="2592862"/>
+            <a:ext cx="879498" cy="430887"/>
+          </a:xfrm>
+          <a:prstGeom prst="rect">
+            <a:avLst/>
+          </a:prstGeom>
+          <a:noFill/>
+        </p:spPr>
+        <p:txBody>
+          <a:bodyPr wrap="square" rtlCol="0">
+            <a:spAutoFit/>
+          </a:bodyPr>
+          <a:lstStyle/>
+          <a:p>
+            <a:r>
+              <a:rPr lang="zh-CN" altLang="en-US" sz="1100" b="1" smtClean="0">
+                <a:solidFill>
+                  <a:srgbClr val="FF0000"/>
+                </a:solidFill>
+                <a:latin typeface="微软雅黑" panose="020B0503020204020204" pitchFamily="34" charset="-122"/>
+                <a:ea typeface="微软雅黑" panose="020B0503020204020204" pitchFamily="34" charset="-122"/>
+                <a:cs typeface="Courier New" panose="02070309020205020404" pitchFamily="49" charset="0"/>
+              </a:rPr>
+              <a:t>所属表空间</a:t>
+            </a:r>
+            <a:r>
+              <a:rPr lang="en-US" altLang="zh-CN" sz="1100" b="1" smtClean="0">
+                <a:solidFill>
+                  <a:srgbClr val="FF0000"/>
+                </a:solidFill>
+                <a:latin typeface="微软雅黑" panose="020B0503020204020204" pitchFamily="34" charset="-122"/>
+                <a:ea typeface="微软雅黑" panose="020B0503020204020204" pitchFamily="34" charset="-122"/>
+                <a:cs typeface="Courier New" panose="02070309020205020404" pitchFamily="49" charset="0"/>
+              </a:rPr>
+              <a:t>ID(4)</a:t>
+            </a:r>
+            <a:endParaRPr lang="zh-CN" altLang="en-US" sz="1100" b="1">
+              <a:solidFill>
+                <a:srgbClr val="FF0000"/>
+              </a:solidFill>
+              <a:latin typeface="微软雅黑" panose="020B0503020204020204" pitchFamily="34" charset="-122"/>
+              <a:ea typeface="微软雅黑" panose="020B0503020204020204" pitchFamily="34" charset="-122"/>
+              <a:cs typeface="Courier New" panose="02070309020205020404" pitchFamily="49" charset="0"/>
+            </a:endParaRPr>
+          </a:p>
+        </p:txBody>
+      </p:sp>
+      <p:sp>
+        <p:nvSpPr>
+          <p:cNvPr id="91" name="文本框 90"/>
+          <p:cNvSpPr txBox="1"/>
+          <p:nvPr/>
+        </p:nvSpPr>
+        <p:spPr>
+          <a:xfrm>
+            <a:off x="4174673" y="761355"/>
+            <a:ext cx="862737" cy="261610"/>
           </a:xfrm>
           <a:prstGeom prst="rect">
             <a:avLst/>
@@ -4346,14 +4513,33 @@
           <a:lstStyle/>
           <a:p>
             <a:r>
-              <a:rPr lang="en-US" altLang="zh-CN" sz="1400" b="1" smtClean="0">
+              <a:rPr lang="zh-CN" altLang="en-US" sz="1100" b="1" smtClean="0">
+                <a:solidFill>
+                  <a:srgbClr val="FF0000"/>
+                </a:solidFill>
                 <a:latin typeface="Courier New" panose="02070309020205020404" pitchFamily="49" charset="0"/>
+                <a:ea typeface="微软雅黑" panose="020B0503020204020204" pitchFamily="34" charset="-122"/>
                 <a:cs typeface="Courier New" panose="02070309020205020404" pitchFamily="49" charset="0"/>
               </a:rPr>
-              <a:t>checksum</a:t>
-            </a:r>
-            <a:endParaRPr lang="zh-CN" altLang="en-US" sz="1400" b="1">
+              <a:t>页类型</a:t>
+            </a:r>
+            <a:r>
+              <a:rPr lang="en-US" altLang="zh-CN" sz="1100" b="1" smtClean="0">
+                <a:solidFill>
+                  <a:srgbClr val="FF0000"/>
+                </a:solidFill>
+                <a:latin typeface="Courier New" panose="02070309020205020404" pitchFamily="49" charset="0"/>
+                <a:ea typeface="微软雅黑" panose="020B0503020204020204" pitchFamily="34" charset="-122"/>
+                <a:cs typeface="Courier New" panose="02070309020205020404" pitchFamily="49" charset="0"/>
+              </a:rPr>
+              <a:t>(2)</a:t>
+            </a:r>
+            <a:endParaRPr lang="zh-CN" altLang="en-US" sz="1100" b="1">
+              <a:solidFill>
+                <a:srgbClr val="FF0000"/>
+              </a:solidFill>
               <a:latin typeface="Courier New" panose="02070309020205020404" pitchFamily="49" charset="0"/>
+              <a:ea typeface="微软雅黑" panose="020B0503020204020204" pitchFamily="34" charset="-122"/>
               <a:cs typeface="Courier New" panose="02070309020205020404" pitchFamily="49" charset="0"/>
             </a:endParaRPr>
           </a:p>
@@ -4361,14 +4547,439 @@
       </p:sp>
       <p:sp>
         <p:nvSpPr>
-          <p:cNvPr id="70" name="文本框 69"/>
+          <p:cNvPr id="92" name="文本框 91"/>
           <p:cNvSpPr txBox="1"/>
           <p:nvPr/>
         </p:nvSpPr>
         <p:spPr>
           <a:xfrm>
-            <a:off x="9813446" y="924340"/>
-            <a:ext cx="1043876" cy="307777"/>
+            <a:off x="802276" y="1240119"/>
+            <a:ext cx="904946" cy="600164"/>
+          </a:xfrm>
+          <a:prstGeom prst="rect">
+            <a:avLst/>
+          </a:prstGeom>
+          <a:noFill/>
+        </p:spPr>
+        <p:txBody>
+          <a:bodyPr wrap="square" rtlCol="0">
+            <a:spAutoFit/>
+          </a:bodyPr>
+          <a:lstStyle/>
+          <a:p>
+            <a:r>
+              <a:rPr lang="zh-CN" altLang="en-US" sz="1100" b="1" smtClean="0">
+                <a:solidFill>
+                  <a:srgbClr val="FF0000"/>
+                </a:solidFill>
+                <a:latin typeface="Courier New" panose="02070309020205020404" pitchFamily="49" charset="0"/>
+                <a:ea typeface="微软雅黑" panose="020B0503020204020204" pitchFamily="34" charset="-122"/>
+                <a:cs typeface="Courier New" panose="02070309020205020404" pitchFamily="49" charset="0"/>
+              </a:rPr>
+              <a:t>最后被修改的</a:t>
+            </a:r>
+            <a:r>
+              <a:rPr lang="en-US" altLang="zh-CN" sz="1100" b="1" smtClean="0">
+                <a:solidFill>
+                  <a:srgbClr val="FF0000"/>
+                </a:solidFill>
+                <a:latin typeface="Courier New" panose="02070309020205020404" pitchFamily="49" charset="0"/>
+                <a:ea typeface="微软雅黑" panose="020B0503020204020204" pitchFamily="34" charset="-122"/>
+                <a:cs typeface="Courier New" panose="02070309020205020404" pitchFamily="49" charset="0"/>
+              </a:rPr>
+              <a:t>LSN</a:t>
+            </a:r>
+            <a:r>
+              <a:rPr lang="zh-CN" altLang="en-US" sz="1100" b="1" smtClean="0">
+                <a:solidFill>
+                  <a:srgbClr val="FF0000"/>
+                </a:solidFill>
+                <a:latin typeface="Courier New" panose="02070309020205020404" pitchFamily="49" charset="0"/>
+                <a:ea typeface="微软雅黑" panose="020B0503020204020204" pitchFamily="34" charset="-122"/>
+                <a:cs typeface="Courier New" panose="02070309020205020404" pitchFamily="49" charset="0"/>
+              </a:rPr>
+              <a:t>位置</a:t>
+            </a:r>
+            <a:r>
+              <a:rPr lang="en-US" altLang="zh-CN" sz="1100" b="1" smtClean="0">
+                <a:solidFill>
+                  <a:srgbClr val="FF0000"/>
+                </a:solidFill>
+                <a:latin typeface="Courier New" panose="02070309020205020404" pitchFamily="49" charset="0"/>
+                <a:ea typeface="微软雅黑" panose="020B0503020204020204" pitchFamily="34" charset="-122"/>
+                <a:cs typeface="Courier New" panose="02070309020205020404" pitchFamily="49" charset="0"/>
+              </a:rPr>
+              <a:t>(8)</a:t>
+            </a:r>
+            <a:endParaRPr lang="zh-CN" altLang="en-US" sz="1100" b="1">
+              <a:solidFill>
+                <a:srgbClr val="FF0000"/>
+              </a:solidFill>
+              <a:latin typeface="Courier New" panose="02070309020205020404" pitchFamily="49" charset="0"/>
+              <a:ea typeface="微软雅黑" panose="020B0503020204020204" pitchFamily="34" charset="-122"/>
+              <a:cs typeface="Courier New" panose="02070309020205020404" pitchFamily="49" charset="0"/>
+            </a:endParaRPr>
+          </a:p>
+        </p:txBody>
+      </p:sp>
+      <p:cxnSp>
+        <p:nvCxnSpPr>
+          <p:cNvPr id="98" name="直接箭头连接符 97"/>
+          <p:cNvCxnSpPr>
+            <a:stCxn id="128" idx="0"/>
+            <a:endCxn id="112" idx="2"/>
+          </p:cNvCxnSpPr>
+          <p:nvPr/>
+        </p:nvCxnSpPr>
+        <p:spPr>
+          <a:xfrm flipV="1">
+            <a:off x="6229887" y="588830"/>
+            <a:ext cx="150104" cy="1277897"/>
+          </a:xfrm>
+          <a:prstGeom prst="straightConnector1">
+            <a:avLst/>
+          </a:prstGeom>
+          <a:ln>
+            <a:solidFill>
+              <a:srgbClr val="0070C0"/>
+            </a:solidFill>
+            <a:tailEnd type="triangle"/>
+          </a:ln>
+        </p:spPr>
+        <p:style>
+          <a:lnRef idx="1">
+            <a:schemeClr val="accent1"/>
+          </a:lnRef>
+          <a:fillRef idx="0">
+            <a:schemeClr val="accent1"/>
+          </a:fillRef>
+          <a:effectRef idx="0">
+            <a:schemeClr val="accent1"/>
+          </a:effectRef>
+          <a:fontRef idx="minor">
+            <a:schemeClr val="tx1"/>
+          </a:fontRef>
+        </p:style>
+      </p:cxnSp>
+      <p:cxnSp>
+        <p:nvCxnSpPr>
+          <p:cNvPr id="99" name="直接箭头连接符 98"/>
+          <p:cNvCxnSpPr>
+            <a:stCxn id="141" idx="3"/>
+            <a:endCxn id="67" idx="2"/>
+          </p:cNvCxnSpPr>
+          <p:nvPr/>
+        </p:nvCxnSpPr>
+        <p:spPr>
+          <a:xfrm flipV="1">
+            <a:off x="7017166" y="572245"/>
+            <a:ext cx="995626" cy="1377721"/>
+          </a:xfrm>
+          <a:prstGeom prst="straightConnector1">
+            <a:avLst/>
+          </a:prstGeom>
+          <a:ln>
+            <a:solidFill>
+              <a:srgbClr val="0070C0"/>
+            </a:solidFill>
+            <a:tailEnd type="triangle"/>
+          </a:ln>
+        </p:spPr>
+        <p:style>
+          <a:lnRef idx="1">
+            <a:schemeClr val="accent1"/>
+          </a:lnRef>
+          <a:fillRef idx="0">
+            <a:schemeClr val="accent1"/>
+          </a:fillRef>
+          <a:effectRef idx="0">
+            <a:schemeClr val="accent1"/>
+          </a:effectRef>
+          <a:fontRef idx="minor">
+            <a:schemeClr val="tx1"/>
+          </a:fontRef>
+        </p:style>
+      </p:cxnSp>
+      <p:cxnSp>
+        <p:nvCxnSpPr>
+          <p:cNvPr id="100" name="直接箭头连接符 99"/>
+          <p:cNvCxnSpPr>
+            <a:stCxn id="142" idx="3"/>
+            <a:endCxn id="113" idx="2"/>
+          </p:cNvCxnSpPr>
+          <p:nvPr/>
+        </p:nvCxnSpPr>
+        <p:spPr>
+          <a:xfrm flipV="1">
+            <a:off x="7618544" y="1190948"/>
+            <a:ext cx="1217860" cy="758005"/>
+          </a:xfrm>
+          <a:prstGeom prst="straightConnector1">
+            <a:avLst/>
+          </a:prstGeom>
+          <a:ln>
+            <a:solidFill>
+              <a:srgbClr val="0070C0"/>
+            </a:solidFill>
+            <a:tailEnd type="triangle"/>
+          </a:ln>
+        </p:spPr>
+        <p:style>
+          <a:lnRef idx="1">
+            <a:schemeClr val="accent1"/>
+          </a:lnRef>
+          <a:fillRef idx="0">
+            <a:schemeClr val="accent1"/>
+          </a:fillRef>
+          <a:effectRef idx="0">
+            <a:schemeClr val="accent1"/>
+          </a:effectRef>
+          <a:fontRef idx="minor">
+            <a:schemeClr val="tx1"/>
+          </a:fontRef>
+        </p:style>
+      </p:cxnSp>
+      <p:cxnSp>
+        <p:nvCxnSpPr>
+          <p:cNvPr id="101" name="直接箭头连接符 100"/>
+          <p:cNvCxnSpPr>
+            <a:stCxn id="18" idx="0"/>
+            <a:endCxn id="88" idx="2"/>
+          </p:cNvCxnSpPr>
+          <p:nvPr/>
+        </p:nvCxnSpPr>
+        <p:spPr>
+          <a:xfrm flipH="1" flipV="1">
+            <a:off x="3906014" y="579595"/>
+            <a:ext cx="1102235" cy="1289532"/>
+          </a:xfrm>
+          <a:prstGeom prst="straightConnector1">
+            <a:avLst/>
+          </a:prstGeom>
+          <a:ln>
+            <a:solidFill>
+              <a:srgbClr val="0070C0"/>
+            </a:solidFill>
+            <a:tailEnd type="triangle"/>
+          </a:ln>
+        </p:spPr>
+        <p:style>
+          <a:lnRef idx="1">
+            <a:schemeClr val="accent1"/>
+          </a:lnRef>
+          <a:fillRef idx="0">
+            <a:schemeClr val="accent1"/>
+          </a:fillRef>
+          <a:effectRef idx="0">
+            <a:schemeClr val="accent1"/>
+          </a:effectRef>
+          <a:fontRef idx="minor">
+            <a:schemeClr val="tx1"/>
+          </a:fontRef>
+        </p:style>
+      </p:cxnSp>
+      <p:cxnSp>
+        <p:nvCxnSpPr>
+          <p:cNvPr id="102" name="直接箭头连接符 101"/>
+          <p:cNvCxnSpPr>
+            <a:stCxn id="153" idx="2"/>
+            <a:endCxn id="156" idx="3"/>
+          </p:cNvCxnSpPr>
+          <p:nvPr/>
+        </p:nvCxnSpPr>
+        <p:spPr>
+          <a:xfrm flipH="1">
+            <a:off x="1799653" y="2246482"/>
+            <a:ext cx="1476485" cy="1052927"/>
+          </a:xfrm>
+          <a:prstGeom prst="straightConnector1">
+            <a:avLst/>
+          </a:prstGeom>
+          <a:ln>
+            <a:solidFill>
+              <a:srgbClr val="0070C0"/>
+            </a:solidFill>
+            <a:tailEnd type="triangle"/>
+          </a:ln>
+        </p:spPr>
+        <p:style>
+          <a:lnRef idx="1">
+            <a:schemeClr val="accent1"/>
+          </a:lnRef>
+          <a:fillRef idx="0">
+            <a:schemeClr val="accent1"/>
+          </a:fillRef>
+          <a:effectRef idx="0">
+            <a:schemeClr val="accent1"/>
+          </a:effectRef>
+          <a:fontRef idx="minor">
+            <a:schemeClr val="tx1"/>
+          </a:fontRef>
+        </p:style>
+      </p:cxnSp>
+      <p:cxnSp>
+        <p:nvCxnSpPr>
+          <p:cNvPr id="103" name="直接箭头连接符 102"/>
+          <p:cNvCxnSpPr>
+            <a:stCxn id="163" idx="2"/>
+            <a:endCxn id="155" idx="3"/>
+          </p:cNvCxnSpPr>
+          <p:nvPr/>
+        </p:nvCxnSpPr>
+        <p:spPr>
+          <a:xfrm flipH="1">
+            <a:off x="1824129" y="2240689"/>
+            <a:ext cx="2046817" cy="1508834"/>
+          </a:xfrm>
+          <a:prstGeom prst="straightConnector1">
+            <a:avLst/>
+          </a:prstGeom>
+          <a:ln>
+            <a:solidFill>
+              <a:srgbClr val="0070C0"/>
+            </a:solidFill>
+            <a:tailEnd type="triangle"/>
+          </a:ln>
+        </p:spPr>
+        <p:style>
+          <a:lnRef idx="1">
+            <a:schemeClr val="accent1"/>
+          </a:lnRef>
+          <a:fillRef idx="0">
+            <a:schemeClr val="accent1"/>
+          </a:fillRef>
+          <a:effectRef idx="0">
+            <a:schemeClr val="accent1"/>
+          </a:effectRef>
+          <a:fontRef idx="minor">
+            <a:schemeClr val="tx1"/>
+          </a:fontRef>
+        </p:style>
+      </p:cxnSp>
+      <p:cxnSp>
+        <p:nvCxnSpPr>
+          <p:cNvPr id="104" name="直接箭头连接符 103"/>
+          <p:cNvCxnSpPr>
+            <a:stCxn id="165" idx="2"/>
+            <a:endCxn id="114" idx="3"/>
+          </p:cNvCxnSpPr>
+          <p:nvPr/>
+        </p:nvCxnSpPr>
+        <p:spPr>
+          <a:xfrm flipH="1">
+            <a:off x="1847101" y="2240689"/>
+            <a:ext cx="2579681" cy="2170816"/>
+          </a:xfrm>
+          <a:prstGeom prst="straightConnector1">
+            <a:avLst/>
+          </a:prstGeom>
+          <a:ln>
+            <a:solidFill>
+              <a:srgbClr val="0070C0"/>
+            </a:solidFill>
+            <a:tailEnd type="triangle"/>
+          </a:ln>
+        </p:spPr>
+        <p:style>
+          <a:lnRef idx="1">
+            <a:schemeClr val="accent1"/>
+          </a:lnRef>
+          <a:fillRef idx="0">
+            <a:schemeClr val="accent1"/>
+          </a:fillRef>
+          <a:effectRef idx="0">
+            <a:schemeClr val="accent1"/>
+          </a:effectRef>
+          <a:fontRef idx="minor">
+            <a:schemeClr val="tx1"/>
+          </a:fontRef>
+        </p:style>
+      </p:cxnSp>
+      <p:cxnSp>
+        <p:nvCxnSpPr>
+          <p:cNvPr id="105" name="直接箭头连接符 104"/>
+          <p:cNvCxnSpPr>
+            <a:stCxn id="164" idx="2"/>
+            <a:endCxn id="154" idx="3"/>
+          </p:cNvCxnSpPr>
+          <p:nvPr/>
+        </p:nvCxnSpPr>
+        <p:spPr>
+          <a:xfrm flipH="1">
+            <a:off x="1799654" y="2243765"/>
+            <a:ext cx="3200062" cy="2786443"/>
+          </a:xfrm>
+          <a:prstGeom prst="straightConnector1">
+            <a:avLst/>
+          </a:prstGeom>
+          <a:ln>
+            <a:solidFill>
+              <a:srgbClr val="0070C0"/>
+            </a:solidFill>
+            <a:tailEnd type="triangle"/>
+          </a:ln>
+        </p:spPr>
+        <p:style>
+          <a:lnRef idx="1">
+            <a:schemeClr val="accent1"/>
+          </a:lnRef>
+          <a:fillRef idx="0">
+            <a:schemeClr val="accent1"/>
+          </a:fillRef>
+          <a:effectRef idx="0">
+            <a:schemeClr val="accent1"/>
+          </a:effectRef>
+          <a:fontRef idx="minor">
+            <a:schemeClr val="tx1"/>
+          </a:fontRef>
+        </p:style>
+      </p:cxnSp>
+      <p:cxnSp>
+        <p:nvCxnSpPr>
+          <p:cNvPr id="106" name="直接箭头连接符 105"/>
+          <p:cNvCxnSpPr/>
+          <p:nvPr/>
+        </p:nvCxnSpPr>
+        <p:spPr>
+          <a:xfrm flipV="1">
+            <a:off x="11300279" y="3948895"/>
+            <a:ext cx="31464" cy="649886"/>
+          </a:xfrm>
+          <a:prstGeom prst="straightConnector1">
+            <a:avLst/>
+          </a:prstGeom>
+          <a:ln>
+            <a:solidFill>
+              <a:srgbClr val="0070C0"/>
+            </a:solidFill>
+            <a:tailEnd type="triangle"/>
+          </a:ln>
+        </p:spPr>
+        <p:style>
+          <a:lnRef idx="1">
+            <a:schemeClr val="accent1"/>
+          </a:lnRef>
+          <a:fillRef idx="0">
+            <a:schemeClr val="accent1"/>
+          </a:fillRef>
+          <a:effectRef idx="0">
+            <a:schemeClr val="accent1"/>
+          </a:effectRef>
+          <a:fontRef idx="minor">
+            <a:schemeClr val="tx1"/>
+          </a:fontRef>
+        </p:style>
+      </p:cxnSp>
+      <p:sp>
+        <p:nvSpPr>
+          <p:cNvPr id="112" name="文本框 111"/>
+          <p:cNvSpPr txBox="1"/>
+          <p:nvPr/>
+        </p:nvSpPr>
+        <p:spPr>
+          <a:xfrm>
+            <a:off x="5807558" y="327220"/>
+            <a:ext cx="1144865" cy="261610"/>
           </a:xfrm>
           <a:prstGeom prst="rect">
             <a:avLst/>
@@ -4382,14 +4993,33 @@
           <a:lstStyle/>
           <a:p>
             <a:r>
-              <a:rPr lang="en-US" altLang="zh-CN" sz="1400" b="1" smtClean="0">
+              <a:rPr lang="zh-CN" altLang="en-US" sz="1100" b="1" smtClean="0">
+                <a:solidFill>
+                  <a:srgbClr val="0070C0"/>
+                </a:solidFill>
                 <a:latin typeface="Courier New" panose="02070309020205020404" pitchFamily="49" charset="0"/>
+                <a:ea typeface="微软雅黑" panose="020B0503020204020204" pitchFamily="34" charset="-122"/>
                 <a:cs typeface="Courier New" panose="02070309020205020404" pitchFamily="49" charset="0"/>
               </a:rPr>
-              <a:t>checksum</a:t>
-            </a:r>
-            <a:endParaRPr lang="zh-CN" altLang="en-US" sz="1400" b="1">
+              <a:t>堆中记录数</a:t>
+            </a:r>
+            <a:r>
+              <a:rPr lang="en-US" altLang="zh-CN" sz="1100" b="1" smtClean="0">
+                <a:solidFill>
+                  <a:srgbClr val="0070C0"/>
+                </a:solidFill>
+                <a:latin typeface="Courier New" panose="02070309020205020404" pitchFamily="49" charset="0"/>
+                <a:ea typeface="微软雅黑" panose="020B0503020204020204" pitchFamily="34" charset="-122"/>
+                <a:cs typeface="Courier New" panose="02070309020205020404" pitchFamily="49" charset="0"/>
+              </a:rPr>
+              <a:t>(2)</a:t>
+            </a:r>
+            <a:endParaRPr lang="zh-CN" altLang="en-US" sz="1100" b="1">
+              <a:solidFill>
+                <a:srgbClr val="0070C0"/>
+              </a:solidFill>
               <a:latin typeface="Courier New" panose="02070309020205020404" pitchFamily="49" charset="0"/>
+              <a:ea typeface="微软雅黑" panose="020B0503020204020204" pitchFamily="34" charset="-122"/>
               <a:cs typeface="Courier New" panose="02070309020205020404" pitchFamily="49" charset="0"/>
             </a:endParaRPr>
           </a:p>
@@ -4397,14 +5027,14 @@
       </p:sp>
       <p:sp>
         <p:nvSpPr>
-          <p:cNvPr id="71" name="文本框 70"/>
+          <p:cNvPr id="113" name="文本框 112"/>
           <p:cNvSpPr txBox="1"/>
           <p:nvPr/>
         </p:nvSpPr>
         <p:spPr>
           <a:xfrm>
-            <a:off x="9965846" y="1076740"/>
-            <a:ext cx="1043876" cy="307777"/>
+            <a:off x="8122907" y="929338"/>
+            <a:ext cx="1426994" cy="261610"/>
           </a:xfrm>
           <a:prstGeom prst="rect">
             <a:avLst/>
@@ -4418,14 +5048,33 @@
           <a:lstStyle/>
           <a:p>
             <a:r>
-              <a:rPr lang="en-US" altLang="zh-CN" sz="1400" b="1" smtClean="0">
+              <a:rPr lang="zh-CN" altLang="en-US" sz="1100" b="1" smtClean="0">
+                <a:solidFill>
+                  <a:srgbClr val="0070C0"/>
+                </a:solidFill>
                 <a:latin typeface="Courier New" panose="02070309020205020404" pitchFamily="49" charset="0"/>
+                <a:ea typeface="微软雅黑" panose="020B0503020204020204" pitchFamily="34" charset="-122"/>
                 <a:cs typeface="Courier New" panose="02070309020205020404" pitchFamily="49" charset="0"/>
               </a:rPr>
-              <a:t>checksum</a:t>
-            </a:r>
-            <a:endParaRPr lang="zh-CN" altLang="en-US" sz="1400" b="1">
+              <a:t>删除记录字节数</a:t>
+            </a:r>
+            <a:r>
+              <a:rPr lang="en-US" altLang="zh-CN" sz="1100" b="1" smtClean="0">
+                <a:solidFill>
+                  <a:srgbClr val="0070C0"/>
+                </a:solidFill>
+                <a:latin typeface="Courier New" panose="02070309020205020404" pitchFamily="49" charset="0"/>
+                <a:ea typeface="微软雅黑" panose="020B0503020204020204" pitchFamily="34" charset="-122"/>
+                <a:cs typeface="Courier New" panose="02070309020205020404" pitchFamily="49" charset="0"/>
+              </a:rPr>
+              <a:t>(2)</a:t>
+            </a:r>
+            <a:endParaRPr lang="zh-CN" altLang="en-US" sz="1100" b="1">
+              <a:solidFill>
+                <a:srgbClr val="0070C0"/>
+              </a:solidFill>
               <a:latin typeface="Courier New" panose="02070309020205020404" pitchFamily="49" charset="0"/>
+              <a:ea typeface="微软雅黑" panose="020B0503020204020204" pitchFamily="34" charset="-122"/>
               <a:cs typeface="Courier New" panose="02070309020205020404" pitchFamily="49" charset="0"/>
             </a:endParaRPr>
           </a:p>
@@ -4433,14 +5082,694 @@
       </p:sp>
       <p:sp>
         <p:nvSpPr>
-          <p:cNvPr id="72" name="文本框 71"/>
+          <p:cNvPr id="114" name="文本框 113"/>
           <p:cNvSpPr txBox="1"/>
           <p:nvPr/>
         </p:nvSpPr>
         <p:spPr>
           <a:xfrm>
-            <a:off x="10118246" y="1229140"/>
-            <a:ext cx="1043876" cy="307777"/>
+            <a:off x="893820" y="4111423"/>
+            <a:ext cx="953281" cy="600164"/>
+          </a:xfrm>
+          <a:prstGeom prst="rect">
+            <a:avLst/>
+          </a:prstGeom>
+          <a:noFill/>
+        </p:spPr>
+        <p:txBody>
+          <a:bodyPr wrap="square" rtlCol="0">
+            <a:spAutoFit/>
+          </a:bodyPr>
+          <a:lstStyle/>
+          <a:p>
+            <a:r>
+              <a:rPr lang="zh-CN" altLang="en-US" sz="1100" b="1" smtClean="0">
+                <a:solidFill>
+                  <a:srgbClr val="0070C0"/>
+                </a:solidFill>
+                <a:latin typeface="Courier New" panose="02070309020205020404" pitchFamily="49" charset="0"/>
+                <a:ea typeface="微软雅黑" panose="020B0503020204020204" pitchFamily="34" charset="-122"/>
+                <a:cs typeface="Courier New" panose="02070309020205020404" pitchFamily="49" charset="0"/>
+              </a:rPr>
+              <a:t>一个方向连续插入记录数</a:t>
+            </a:r>
+            <a:r>
+              <a:rPr lang="en-US" altLang="zh-CN" sz="1100" b="1" smtClean="0">
+                <a:solidFill>
+                  <a:srgbClr val="0070C0"/>
+                </a:solidFill>
+                <a:latin typeface="Courier New" panose="02070309020205020404" pitchFamily="49" charset="0"/>
+                <a:ea typeface="微软雅黑" panose="020B0503020204020204" pitchFamily="34" charset="-122"/>
+                <a:cs typeface="Courier New" panose="02070309020205020404" pitchFamily="49" charset="0"/>
+              </a:rPr>
+              <a:t>(2)</a:t>
+            </a:r>
+            <a:endParaRPr lang="zh-CN" altLang="en-US" sz="1100" b="1">
+              <a:solidFill>
+                <a:srgbClr val="0070C0"/>
+              </a:solidFill>
+              <a:latin typeface="Courier New" panose="02070309020205020404" pitchFamily="49" charset="0"/>
+              <a:ea typeface="微软雅黑" panose="020B0503020204020204" pitchFamily="34" charset="-122"/>
+              <a:cs typeface="Courier New" panose="02070309020205020404" pitchFamily="49" charset="0"/>
+            </a:endParaRPr>
+          </a:p>
+        </p:txBody>
+      </p:sp>
+      <p:sp>
+        <p:nvSpPr>
+          <p:cNvPr id="125" name="矩形 124"/>
+          <p:cNvSpPr/>
+          <p:nvPr/>
+        </p:nvSpPr>
+        <p:spPr>
+          <a:xfrm>
+            <a:off x="3625433" y="2268273"/>
+            <a:ext cx="2304346" cy="169951"/>
+          </a:xfrm>
+          <a:prstGeom prst="rect">
+            <a:avLst/>
+          </a:prstGeom>
+          <a:noFill/>
+          <a:ln w="9525">
+            <a:solidFill>
+              <a:srgbClr val="0070C0"/>
+            </a:solidFill>
+          </a:ln>
+        </p:spPr>
+        <p:style>
+          <a:lnRef idx="2">
+            <a:schemeClr val="accent1">
+              <a:shade val="50000"/>
+            </a:schemeClr>
+          </a:lnRef>
+          <a:fillRef idx="1">
+            <a:schemeClr val="accent1"/>
+          </a:fillRef>
+          <a:effectRef idx="0">
+            <a:schemeClr val="accent1"/>
+          </a:effectRef>
+          <a:fontRef idx="minor">
+            <a:schemeClr val="lt1"/>
+          </a:fontRef>
+        </p:style>
+        <p:txBody>
+          <a:bodyPr rtlCol="0" anchor="ctr"/>
+          <a:lstStyle/>
+          <a:p>
+            <a:pPr algn="ctr"/>
+            <a:endParaRPr lang="zh-CN" altLang="en-US"/>
+          </a:p>
+        </p:txBody>
+      </p:sp>
+      <p:sp>
+        <p:nvSpPr>
+          <p:cNvPr id="126" name="矩形 125"/>
+          <p:cNvSpPr/>
+          <p:nvPr/>
+        </p:nvSpPr>
+        <p:spPr>
+          <a:xfrm>
+            <a:off x="5980518" y="2270275"/>
+            <a:ext cx="1636863" cy="167949"/>
+          </a:xfrm>
+          <a:prstGeom prst="rect">
+            <a:avLst/>
+          </a:prstGeom>
+          <a:noFill/>
+          <a:ln w="9525">
+            <a:solidFill>
+              <a:srgbClr val="0070C0"/>
+            </a:solidFill>
+          </a:ln>
+        </p:spPr>
+        <p:style>
+          <a:lnRef idx="2">
+            <a:schemeClr val="accent1">
+              <a:shade val="50000"/>
+            </a:schemeClr>
+          </a:lnRef>
+          <a:fillRef idx="1">
+            <a:schemeClr val="accent1"/>
+          </a:fillRef>
+          <a:effectRef idx="0">
+            <a:schemeClr val="accent1"/>
+          </a:effectRef>
+          <a:fontRef idx="minor">
+            <a:schemeClr val="lt1"/>
+          </a:fontRef>
+        </p:style>
+        <p:txBody>
+          <a:bodyPr rtlCol="0" anchor="ctr"/>
+          <a:lstStyle/>
+          <a:p>
+            <a:pPr algn="ctr"/>
+            <a:endParaRPr lang="zh-CN" altLang="en-US"/>
+          </a:p>
+        </p:txBody>
+      </p:sp>
+      <p:sp>
+        <p:nvSpPr>
+          <p:cNvPr id="127" name="矩形 126"/>
+          <p:cNvSpPr/>
+          <p:nvPr/>
+        </p:nvSpPr>
+        <p:spPr>
+          <a:xfrm>
+            <a:off x="3030625" y="2462158"/>
+            <a:ext cx="1091242" cy="183915"/>
+          </a:xfrm>
+          <a:prstGeom prst="rect">
+            <a:avLst/>
+          </a:prstGeom>
+          <a:noFill/>
+          <a:ln w="9525">
+            <a:solidFill>
+              <a:srgbClr val="0070C0"/>
+            </a:solidFill>
+          </a:ln>
+        </p:spPr>
+        <p:style>
+          <a:lnRef idx="2">
+            <a:schemeClr val="accent1">
+              <a:shade val="50000"/>
+            </a:schemeClr>
+          </a:lnRef>
+          <a:fillRef idx="1">
+            <a:schemeClr val="accent1"/>
+          </a:fillRef>
+          <a:effectRef idx="0">
+            <a:schemeClr val="accent1"/>
+          </a:effectRef>
+          <a:fontRef idx="minor">
+            <a:schemeClr val="lt1"/>
+          </a:fontRef>
+        </p:style>
+        <p:txBody>
+          <a:bodyPr rtlCol="0" anchor="ctr"/>
+          <a:lstStyle/>
+          <a:p>
+            <a:pPr algn="ctr"/>
+            <a:endParaRPr lang="zh-CN" altLang="en-US"/>
+          </a:p>
+        </p:txBody>
+      </p:sp>
+      <p:sp>
+        <p:nvSpPr>
+          <p:cNvPr id="128" name="矩形 127"/>
+          <p:cNvSpPr/>
+          <p:nvPr/>
+        </p:nvSpPr>
+        <p:spPr>
+          <a:xfrm>
+            <a:off x="5984374" y="1866727"/>
+            <a:ext cx="491026" cy="172559"/>
+          </a:xfrm>
+          <a:prstGeom prst="rect">
+            <a:avLst/>
+          </a:prstGeom>
+          <a:noFill/>
+          <a:ln w="9525">
+            <a:solidFill>
+              <a:srgbClr val="0070C0"/>
+            </a:solidFill>
+          </a:ln>
+        </p:spPr>
+        <p:style>
+          <a:lnRef idx="2">
+            <a:schemeClr val="accent1">
+              <a:shade val="50000"/>
+            </a:schemeClr>
+          </a:lnRef>
+          <a:fillRef idx="1">
+            <a:schemeClr val="accent1"/>
+          </a:fillRef>
+          <a:effectRef idx="0">
+            <a:schemeClr val="accent1"/>
+          </a:effectRef>
+          <a:fontRef idx="minor">
+            <a:schemeClr val="lt1"/>
+          </a:fontRef>
+        </p:style>
+        <p:txBody>
+          <a:bodyPr rtlCol="0" anchor="ctr"/>
+          <a:lstStyle/>
+          <a:p>
+            <a:pPr algn="ctr"/>
+            <a:endParaRPr lang="zh-CN" altLang="en-US"/>
+          </a:p>
+        </p:txBody>
+      </p:sp>
+      <p:sp>
+        <p:nvSpPr>
+          <p:cNvPr id="129" name="矩形 128"/>
+          <p:cNvSpPr/>
+          <p:nvPr/>
+        </p:nvSpPr>
+        <p:spPr>
+          <a:xfrm>
+            <a:off x="3035196" y="2270275"/>
+            <a:ext cx="486455" cy="167950"/>
+          </a:xfrm>
+          <a:prstGeom prst="rect">
+            <a:avLst/>
+          </a:prstGeom>
+          <a:noFill/>
+          <a:ln w="9525">
+            <a:solidFill>
+              <a:srgbClr val="0070C0"/>
+            </a:solidFill>
+          </a:ln>
+        </p:spPr>
+        <p:style>
+          <a:lnRef idx="2">
+            <a:schemeClr val="accent1">
+              <a:shade val="50000"/>
+            </a:schemeClr>
+          </a:lnRef>
+          <a:fillRef idx="1">
+            <a:schemeClr val="accent1"/>
+          </a:fillRef>
+          <a:effectRef idx="0">
+            <a:schemeClr val="accent1"/>
+          </a:effectRef>
+          <a:fontRef idx="minor">
+            <a:schemeClr val="lt1"/>
+          </a:fontRef>
+        </p:style>
+        <p:txBody>
+          <a:bodyPr rtlCol="0" anchor="ctr"/>
+          <a:lstStyle/>
+          <a:p>
+            <a:pPr algn="ctr"/>
+            <a:endParaRPr lang="zh-CN" altLang="en-US"/>
+          </a:p>
+        </p:txBody>
+      </p:sp>
+      <p:sp>
+        <p:nvSpPr>
+          <p:cNvPr id="130" name="矩形 129"/>
+          <p:cNvSpPr/>
+          <p:nvPr/>
+        </p:nvSpPr>
+        <p:spPr>
+          <a:xfrm>
+            <a:off x="4186392" y="2462158"/>
+            <a:ext cx="2830774" cy="183915"/>
+          </a:xfrm>
+          <a:prstGeom prst="rect">
+            <a:avLst/>
+          </a:prstGeom>
+          <a:noFill/>
+          <a:ln w="9525">
+            <a:solidFill>
+              <a:srgbClr val="0070C0"/>
+            </a:solidFill>
+          </a:ln>
+        </p:spPr>
+        <p:style>
+          <a:lnRef idx="2">
+            <a:schemeClr val="accent1">
+              <a:shade val="50000"/>
+            </a:schemeClr>
+          </a:lnRef>
+          <a:fillRef idx="1">
+            <a:schemeClr val="accent1"/>
+          </a:fillRef>
+          <a:effectRef idx="0">
+            <a:schemeClr val="accent1"/>
+          </a:effectRef>
+          <a:fontRef idx="minor">
+            <a:schemeClr val="lt1"/>
+          </a:fontRef>
+        </p:style>
+        <p:txBody>
+          <a:bodyPr rtlCol="0" anchor="ctr"/>
+          <a:lstStyle/>
+          <a:p>
+            <a:pPr algn="ctr"/>
+            <a:endParaRPr lang="zh-CN" altLang="en-US"/>
+          </a:p>
+        </p:txBody>
+      </p:sp>
+      <p:sp>
+        <p:nvSpPr>
+          <p:cNvPr id="131" name="矩形 130"/>
+          <p:cNvSpPr/>
+          <p:nvPr/>
+        </p:nvSpPr>
+        <p:spPr>
+          <a:xfrm>
+            <a:off x="7096997" y="2458407"/>
+            <a:ext cx="520384" cy="195528"/>
+          </a:xfrm>
+          <a:prstGeom prst="rect">
+            <a:avLst/>
+          </a:prstGeom>
+          <a:noFill/>
+          <a:ln w="9525">
+            <a:solidFill>
+              <a:srgbClr val="0070C0"/>
+            </a:solidFill>
+          </a:ln>
+        </p:spPr>
+        <p:style>
+          <a:lnRef idx="2">
+            <a:schemeClr val="accent1">
+              <a:shade val="50000"/>
+            </a:schemeClr>
+          </a:lnRef>
+          <a:fillRef idx="1">
+            <a:schemeClr val="accent1"/>
+          </a:fillRef>
+          <a:effectRef idx="0">
+            <a:schemeClr val="accent1"/>
+          </a:effectRef>
+          <a:fontRef idx="minor">
+            <a:schemeClr val="lt1"/>
+          </a:fontRef>
+        </p:style>
+        <p:txBody>
+          <a:bodyPr rtlCol="0" anchor="ctr"/>
+          <a:lstStyle/>
+          <a:p>
+            <a:pPr algn="ctr"/>
+            <a:endParaRPr lang="zh-CN" altLang="en-US"/>
+          </a:p>
+        </p:txBody>
+      </p:sp>
+      <p:sp>
+        <p:nvSpPr>
+          <p:cNvPr id="141" name="矩形 140"/>
+          <p:cNvSpPr/>
+          <p:nvPr/>
+        </p:nvSpPr>
+        <p:spPr>
+          <a:xfrm>
+            <a:off x="6526140" y="1863686"/>
+            <a:ext cx="491026" cy="172559"/>
+          </a:xfrm>
+          <a:prstGeom prst="rect">
+            <a:avLst/>
+          </a:prstGeom>
+          <a:noFill/>
+          <a:ln w="9525">
+            <a:solidFill>
+              <a:srgbClr val="0070C0"/>
+            </a:solidFill>
+          </a:ln>
+        </p:spPr>
+        <p:style>
+          <a:lnRef idx="2">
+            <a:schemeClr val="accent1">
+              <a:shade val="50000"/>
+            </a:schemeClr>
+          </a:lnRef>
+          <a:fillRef idx="1">
+            <a:schemeClr val="accent1"/>
+          </a:fillRef>
+          <a:effectRef idx="0">
+            <a:schemeClr val="accent1"/>
+          </a:effectRef>
+          <a:fontRef idx="minor">
+            <a:schemeClr val="lt1"/>
+          </a:fontRef>
+        </p:style>
+        <p:txBody>
+          <a:bodyPr rtlCol="0" anchor="ctr"/>
+          <a:lstStyle/>
+          <a:p>
+            <a:pPr algn="ctr"/>
+            <a:endParaRPr lang="zh-CN" altLang="en-US"/>
+          </a:p>
+        </p:txBody>
+      </p:sp>
+      <p:sp>
+        <p:nvSpPr>
+          <p:cNvPr id="142" name="矩形 141"/>
+          <p:cNvSpPr/>
+          <p:nvPr/>
+        </p:nvSpPr>
+        <p:spPr>
+          <a:xfrm>
+            <a:off x="7127518" y="1862673"/>
+            <a:ext cx="491026" cy="172559"/>
+          </a:xfrm>
+          <a:prstGeom prst="rect">
+            <a:avLst/>
+          </a:prstGeom>
+          <a:noFill/>
+          <a:ln w="9525">
+            <a:solidFill>
+              <a:srgbClr val="0070C0"/>
+            </a:solidFill>
+          </a:ln>
+        </p:spPr>
+        <p:style>
+          <a:lnRef idx="2">
+            <a:schemeClr val="accent1">
+              <a:shade val="50000"/>
+            </a:schemeClr>
+          </a:lnRef>
+          <a:fillRef idx="1">
+            <a:schemeClr val="accent1"/>
+          </a:fillRef>
+          <a:effectRef idx="0">
+            <a:schemeClr val="accent1"/>
+          </a:effectRef>
+          <a:fontRef idx="minor">
+            <a:schemeClr val="lt1"/>
+          </a:fontRef>
+        </p:style>
+        <p:txBody>
+          <a:bodyPr rtlCol="0" anchor="ctr"/>
+          <a:lstStyle/>
+          <a:p>
+            <a:pPr algn="ctr"/>
+            <a:endParaRPr lang="zh-CN" altLang="en-US"/>
+          </a:p>
+        </p:txBody>
+      </p:sp>
+      <p:sp>
+        <p:nvSpPr>
+          <p:cNvPr id="153" name="矩形 152"/>
+          <p:cNvSpPr/>
+          <p:nvPr/>
+        </p:nvSpPr>
+        <p:spPr>
+          <a:xfrm>
+            <a:off x="3030625" y="2073923"/>
+            <a:ext cx="491026" cy="172559"/>
+          </a:xfrm>
+          <a:prstGeom prst="rect">
+            <a:avLst/>
+          </a:prstGeom>
+          <a:noFill/>
+          <a:ln w="9525">
+            <a:solidFill>
+              <a:srgbClr val="0070C0"/>
+            </a:solidFill>
+          </a:ln>
+        </p:spPr>
+        <p:style>
+          <a:lnRef idx="2">
+            <a:schemeClr val="accent1">
+              <a:shade val="50000"/>
+            </a:schemeClr>
+          </a:lnRef>
+          <a:fillRef idx="1">
+            <a:schemeClr val="accent1"/>
+          </a:fillRef>
+          <a:effectRef idx="0">
+            <a:schemeClr val="accent1"/>
+          </a:effectRef>
+          <a:fontRef idx="minor">
+            <a:schemeClr val="lt1"/>
+          </a:fontRef>
+        </p:style>
+        <p:txBody>
+          <a:bodyPr rtlCol="0" anchor="ctr"/>
+          <a:lstStyle/>
+          <a:p>
+            <a:pPr algn="ctr"/>
+            <a:endParaRPr lang="zh-CN" altLang="en-US"/>
+          </a:p>
+        </p:txBody>
+      </p:sp>
+      <p:sp>
+        <p:nvSpPr>
+          <p:cNvPr id="154" name="文本框 153"/>
+          <p:cNvSpPr txBox="1"/>
+          <p:nvPr/>
+        </p:nvSpPr>
+        <p:spPr>
+          <a:xfrm>
+            <a:off x="887692" y="4814764"/>
+            <a:ext cx="911962" cy="430887"/>
+          </a:xfrm>
+          <a:prstGeom prst="rect">
+            <a:avLst/>
+          </a:prstGeom>
+          <a:noFill/>
+        </p:spPr>
+        <p:txBody>
+          <a:bodyPr wrap="square" rtlCol="0">
+            <a:spAutoFit/>
+          </a:bodyPr>
+          <a:lstStyle/>
+          <a:p>
+            <a:r>
+              <a:rPr lang="zh-CN" altLang="en-US" sz="1100" b="1" smtClean="0">
+                <a:solidFill>
+                  <a:srgbClr val="0070C0"/>
+                </a:solidFill>
+                <a:latin typeface="Courier New" panose="02070309020205020404" pitchFamily="49" charset="0"/>
+                <a:ea typeface="微软雅黑" panose="020B0503020204020204" pitchFamily="34" charset="-122"/>
+                <a:cs typeface="Courier New" panose="02070309020205020404" pitchFamily="49" charset="0"/>
+              </a:rPr>
+              <a:t>该页中记录数</a:t>
+            </a:r>
+            <a:r>
+              <a:rPr lang="en-US" altLang="zh-CN" sz="1100" b="1" smtClean="0">
+                <a:solidFill>
+                  <a:srgbClr val="0070C0"/>
+                </a:solidFill>
+                <a:latin typeface="Courier New" panose="02070309020205020404" pitchFamily="49" charset="0"/>
+                <a:ea typeface="微软雅黑" panose="020B0503020204020204" pitchFamily="34" charset="-122"/>
+                <a:cs typeface="Courier New" panose="02070309020205020404" pitchFamily="49" charset="0"/>
+              </a:rPr>
+              <a:t>(2)</a:t>
+            </a:r>
+            <a:endParaRPr lang="zh-CN" altLang="en-US" sz="1100" b="1">
+              <a:solidFill>
+                <a:srgbClr val="0070C0"/>
+              </a:solidFill>
+              <a:latin typeface="Courier New" panose="02070309020205020404" pitchFamily="49" charset="0"/>
+              <a:ea typeface="微软雅黑" panose="020B0503020204020204" pitchFamily="34" charset="-122"/>
+              <a:cs typeface="Courier New" panose="02070309020205020404" pitchFamily="49" charset="0"/>
+            </a:endParaRPr>
+          </a:p>
+        </p:txBody>
+      </p:sp>
+      <p:sp>
+        <p:nvSpPr>
+          <p:cNvPr id="155" name="文本框 154"/>
+          <p:cNvSpPr txBox="1"/>
+          <p:nvPr/>
+        </p:nvSpPr>
+        <p:spPr>
+          <a:xfrm>
+            <a:off x="890185" y="3534079"/>
+            <a:ext cx="933944" cy="430887"/>
+          </a:xfrm>
+          <a:prstGeom prst="rect">
+            <a:avLst/>
+          </a:prstGeom>
+          <a:noFill/>
+        </p:spPr>
+        <p:txBody>
+          <a:bodyPr wrap="square" rtlCol="0">
+            <a:spAutoFit/>
+          </a:bodyPr>
+          <a:lstStyle/>
+          <a:p>
+            <a:r>
+              <a:rPr lang="zh-CN" altLang="en-US" sz="1100" b="1" smtClean="0">
+                <a:solidFill>
+                  <a:srgbClr val="0070C0"/>
+                </a:solidFill>
+                <a:latin typeface="Courier New" panose="02070309020205020404" pitchFamily="49" charset="0"/>
+                <a:ea typeface="微软雅黑" panose="020B0503020204020204" pitchFamily="34" charset="-122"/>
+                <a:cs typeface="Courier New" panose="02070309020205020404" pitchFamily="49" charset="0"/>
+              </a:rPr>
+              <a:t>最后插入方向</a:t>
+            </a:r>
+            <a:r>
+              <a:rPr lang="en-US" altLang="zh-CN" sz="1100" b="1" smtClean="0">
+                <a:solidFill>
+                  <a:srgbClr val="0070C0"/>
+                </a:solidFill>
+                <a:latin typeface="Courier New" panose="02070309020205020404" pitchFamily="49" charset="0"/>
+                <a:ea typeface="微软雅黑" panose="020B0503020204020204" pitchFamily="34" charset="-122"/>
+                <a:cs typeface="Courier New" panose="02070309020205020404" pitchFamily="49" charset="0"/>
+              </a:rPr>
+              <a:t>(2)</a:t>
+            </a:r>
+            <a:endParaRPr lang="zh-CN" altLang="en-US" sz="1100" b="1">
+              <a:solidFill>
+                <a:srgbClr val="0070C0"/>
+              </a:solidFill>
+              <a:latin typeface="Courier New" panose="02070309020205020404" pitchFamily="49" charset="0"/>
+              <a:ea typeface="微软雅黑" panose="020B0503020204020204" pitchFamily="34" charset="-122"/>
+              <a:cs typeface="Courier New" panose="02070309020205020404" pitchFamily="49" charset="0"/>
+            </a:endParaRPr>
+          </a:p>
+        </p:txBody>
+      </p:sp>
+      <p:sp>
+        <p:nvSpPr>
+          <p:cNvPr id="156" name="文本框 155"/>
+          <p:cNvSpPr txBox="1"/>
+          <p:nvPr/>
+        </p:nvSpPr>
+        <p:spPr>
+          <a:xfrm>
+            <a:off x="887691" y="3083965"/>
+            <a:ext cx="911962" cy="430887"/>
+          </a:xfrm>
+          <a:prstGeom prst="rect">
+            <a:avLst/>
+          </a:prstGeom>
+          <a:noFill/>
+        </p:spPr>
+        <p:txBody>
+          <a:bodyPr wrap="square" rtlCol="0">
+            <a:spAutoFit/>
+          </a:bodyPr>
+          <a:lstStyle/>
+          <a:p>
+            <a:r>
+              <a:rPr lang="zh-CN" altLang="en-US" sz="1100" b="1" smtClean="0">
+                <a:solidFill>
+                  <a:srgbClr val="0070C0"/>
+                </a:solidFill>
+                <a:latin typeface="Courier New" panose="02070309020205020404" pitchFamily="49" charset="0"/>
+                <a:ea typeface="微软雅黑" panose="020B0503020204020204" pitchFamily="34" charset="-122"/>
+                <a:cs typeface="Courier New" panose="02070309020205020404" pitchFamily="49" charset="0"/>
+              </a:rPr>
+              <a:t>最后插入位置</a:t>
+            </a:r>
+            <a:r>
+              <a:rPr lang="en-US" altLang="zh-CN" sz="1100" b="1" smtClean="0">
+                <a:solidFill>
+                  <a:srgbClr val="0070C0"/>
+                </a:solidFill>
+                <a:latin typeface="Courier New" panose="02070309020205020404" pitchFamily="49" charset="0"/>
+                <a:ea typeface="微软雅黑" panose="020B0503020204020204" pitchFamily="34" charset="-122"/>
+                <a:cs typeface="Courier New" panose="02070309020205020404" pitchFamily="49" charset="0"/>
+              </a:rPr>
+              <a:t>(2)</a:t>
+            </a:r>
+            <a:endParaRPr lang="zh-CN" altLang="en-US" sz="1100" b="1">
+              <a:solidFill>
+                <a:srgbClr val="0070C0"/>
+              </a:solidFill>
+              <a:latin typeface="Courier New" panose="02070309020205020404" pitchFamily="49" charset="0"/>
+              <a:ea typeface="微软雅黑" panose="020B0503020204020204" pitchFamily="34" charset="-122"/>
+              <a:cs typeface="Courier New" panose="02070309020205020404" pitchFamily="49" charset="0"/>
+            </a:endParaRPr>
+          </a:p>
+        </p:txBody>
+      </p:sp>
+      <p:sp>
+        <p:nvSpPr>
+          <p:cNvPr id="157" name="文本框 156"/>
+          <p:cNvSpPr txBox="1"/>
+          <p:nvPr/>
+        </p:nvSpPr>
+        <p:spPr>
+          <a:xfrm>
+            <a:off x="9959293" y="105305"/>
+            <a:ext cx="1285929" cy="261610"/>
           </a:xfrm>
           <a:prstGeom prst="rect">
             <a:avLst/>
@@ -4454,14 +5783,33 @@
           <a:lstStyle/>
           <a:p>
             <a:r>
-              <a:rPr lang="en-US" altLang="zh-CN" sz="1400" b="1" smtClean="0">
+              <a:rPr lang="zh-CN" altLang="en-US" sz="1100" b="1" smtClean="0">
+                <a:solidFill>
+                  <a:srgbClr val="0070C0"/>
+                </a:solidFill>
                 <a:latin typeface="Courier New" panose="02070309020205020404" pitchFamily="49" charset="0"/>
+                <a:ea typeface="微软雅黑" panose="020B0503020204020204" pitchFamily="34" charset="-122"/>
                 <a:cs typeface="Courier New" panose="02070309020205020404" pitchFamily="49" charset="0"/>
               </a:rPr>
-              <a:t>checksum</a:t>
-            </a:r>
-            <a:endParaRPr lang="zh-CN" altLang="en-US" sz="1400" b="1">
+              <a:t>最后插入位置</a:t>
+            </a:r>
+            <a:r>
+              <a:rPr lang="en-US" altLang="zh-CN" sz="1100" b="1" smtClean="0">
+                <a:solidFill>
+                  <a:srgbClr val="0070C0"/>
+                </a:solidFill>
+                <a:latin typeface="Courier New" panose="02070309020205020404" pitchFamily="49" charset="0"/>
+                <a:ea typeface="微软雅黑" panose="020B0503020204020204" pitchFamily="34" charset="-122"/>
+                <a:cs typeface="Courier New" panose="02070309020205020404" pitchFamily="49" charset="0"/>
+              </a:rPr>
+              <a:t>(2)</a:t>
+            </a:r>
+            <a:endParaRPr lang="zh-CN" altLang="en-US" sz="1100" b="1">
+              <a:solidFill>
+                <a:srgbClr val="0070C0"/>
+              </a:solidFill>
               <a:latin typeface="Courier New" panose="02070309020205020404" pitchFamily="49" charset="0"/>
+              <a:ea typeface="微软雅黑" panose="020B0503020204020204" pitchFamily="34" charset="-122"/>
               <a:cs typeface="Courier New" panose="02070309020205020404" pitchFamily="49" charset="0"/>
             </a:endParaRPr>
           </a:p>
@@ -4469,14 +5817,14 @@
       </p:sp>
       <p:sp>
         <p:nvSpPr>
-          <p:cNvPr id="73" name="文本框 72"/>
+          <p:cNvPr id="158" name="文本框 157"/>
           <p:cNvSpPr txBox="1"/>
           <p:nvPr/>
         </p:nvSpPr>
         <p:spPr>
           <a:xfrm>
-            <a:off x="9965846" y="1076740"/>
-            <a:ext cx="1043876" cy="307777"/>
+            <a:off x="10111693" y="257705"/>
+            <a:ext cx="1285929" cy="261610"/>
           </a:xfrm>
           <a:prstGeom prst="rect">
             <a:avLst/>
@@ -4490,14 +5838,33 @@
           <a:lstStyle/>
           <a:p>
             <a:r>
-              <a:rPr lang="en-US" altLang="zh-CN" sz="1400" b="1" smtClean="0">
+              <a:rPr lang="zh-CN" altLang="en-US" sz="1100" b="1" smtClean="0">
+                <a:solidFill>
+                  <a:srgbClr val="0070C0"/>
+                </a:solidFill>
                 <a:latin typeface="Courier New" panose="02070309020205020404" pitchFamily="49" charset="0"/>
+                <a:ea typeface="微软雅黑" panose="020B0503020204020204" pitchFamily="34" charset="-122"/>
                 <a:cs typeface="Courier New" panose="02070309020205020404" pitchFamily="49" charset="0"/>
               </a:rPr>
-              <a:t>checksum</a:t>
-            </a:r>
-            <a:endParaRPr lang="zh-CN" altLang="en-US" sz="1400" b="1">
+              <a:t>最后插入位置</a:t>
+            </a:r>
+            <a:r>
+              <a:rPr lang="en-US" altLang="zh-CN" sz="1100" b="1" smtClean="0">
+                <a:solidFill>
+                  <a:srgbClr val="0070C0"/>
+                </a:solidFill>
+                <a:latin typeface="Courier New" panose="02070309020205020404" pitchFamily="49" charset="0"/>
+                <a:ea typeface="微软雅黑" panose="020B0503020204020204" pitchFamily="34" charset="-122"/>
+                <a:cs typeface="Courier New" panose="02070309020205020404" pitchFamily="49" charset="0"/>
+              </a:rPr>
+              <a:t>(2)</a:t>
+            </a:r>
+            <a:endParaRPr lang="zh-CN" altLang="en-US" sz="1100" b="1">
+              <a:solidFill>
+                <a:srgbClr val="0070C0"/>
+              </a:solidFill>
               <a:latin typeface="Courier New" panose="02070309020205020404" pitchFamily="49" charset="0"/>
+              <a:ea typeface="微软雅黑" panose="020B0503020204020204" pitchFamily="34" charset="-122"/>
               <a:cs typeface="Courier New" panose="02070309020205020404" pitchFamily="49" charset="0"/>
             </a:endParaRPr>
           </a:p>
@@ -4505,14 +5872,14 @@
       </p:sp>
       <p:sp>
         <p:nvSpPr>
-          <p:cNvPr id="74" name="文本框 73"/>
+          <p:cNvPr id="159" name="文本框 158"/>
           <p:cNvSpPr txBox="1"/>
           <p:nvPr/>
         </p:nvSpPr>
         <p:spPr>
           <a:xfrm>
-            <a:off x="10118246" y="1229140"/>
-            <a:ext cx="1043876" cy="307777"/>
+            <a:off x="10264093" y="410105"/>
+            <a:ext cx="1285929" cy="261610"/>
           </a:xfrm>
           <a:prstGeom prst="rect">
             <a:avLst/>
@@ -4526,14 +5893,33 @@
           <a:lstStyle/>
           <a:p>
             <a:r>
-              <a:rPr lang="en-US" altLang="zh-CN" sz="1400" b="1" smtClean="0">
+              <a:rPr lang="zh-CN" altLang="en-US" sz="1100" b="1" smtClean="0">
+                <a:solidFill>
+                  <a:srgbClr val="0070C0"/>
+                </a:solidFill>
                 <a:latin typeface="Courier New" panose="02070309020205020404" pitchFamily="49" charset="0"/>
+                <a:ea typeface="微软雅黑" panose="020B0503020204020204" pitchFamily="34" charset="-122"/>
                 <a:cs typeface="Courier New" panose="02070309020205020404" pitchFamily="49" charset="0"/>
               </a:rPr>
-              <a:t>checksum</a:t>
-            </a:r>
-            <a:endParaRPr lang="zh-CN" altLang="en-US" sz="1400" b="1">
+              <a:t>最后插入位置</a:t>
+            </a:r>
+            <a:r>
+              <a:rPr lang="en-US" altLang="zh-CN" sz="1100" b="1" smtClean="0">
+                <a:solidFill>
+                  <a:srgbClr val="0070C0"/>
+                </a:solidFill>
+                <a:latin typeface="Courier New" panose="02070309020205020404" pitchFamily="49" charset="0"/>
+                <a:ea typeface="微软雅黑" panose="020B0503020204020204" pitchFamily="34" charset="-122"/>
+                <a:cs typeface="Courier New" panose="02070309020205020404" pitchFamily="49" charset="0"/>
+              </a:rPr>
+              <a:t>(2)</a:t>
+            </a:r>
+            <a:endParaRPr lang="zh-CN" altLang="en-US" sz="1100" b="1">
+              <a:solidFill>
+                <a:srgbClr val="0070C0"/>
+              </a:solidFill>
               <a:latin typeface="Courier New" panose="02070309020205020404" pitchFamily="49" charset="0"/>
+              <a:ea typeface="微软雅黑" panose="020B0503020204020204" pitchFamily="34" charset="-122"/>
               <a:cs typeface="Courier New" panose="02070309020205020404" pitchFamily="49" charset="0"/>
             </a:endParaRPr>
           </a:p>
@@ -4541,14 +5927,14 @@
       </p:sp>
       <p:sp>
         <p:nvSpPr>
-          <p:cNvPr id="75" name="文本框 74"/>
+          <p:cNvPr id="160" name="文本框 159"/>
           <p:cNvSpPr txBox="1"/>
           <p:nvPr/>
         </p:nvSpPr>
         <p:spPr>
           <a:xfrm>
-            <a:off x="10270646" y="1381540"/>
-            <a:ext cx="1043876" cy="307777"/>
+            <a:off x="9666480" y="1889961"/>
+            <a:ext cx="1596912" cy="261610"/>
           </a:xfrm>
           <a:prstGeom prst="rect">
             <a:avLst/>
@@ -4562,14 +5948,33 @@
           <a:lstStyle/>
           <a:p>
             <a:r>
-              <a:rPr lang="en-US" altLang="zh-CN" sz="1400" b="1" smtClean="0">
+              <a:rPr lang="zh-CN" altLang="en-US" sz="1100" b="1" smtClean="0">
+                <a:solidFill>
+                  <a:srgbClr val="0070C0"/>
+                </a:solidFill>
                 <a:latin typeface="Courier New" panose="02070309020205020404" pitchFamily="49" charset="0"/>
+                <a:ea typeface="微软雅黑" panose="020B0503020204020204" pitchFamily="34" charset="-122"/>
                 <a:cs typeface="Courier New" panose="02070309020205020404" pitchFamily="49" charset="0"/>
               </a:rPr>
-              <a:t>checksum</a:t>
-            </a:r>
-            <a:endParaRPr lang="zh-CN" altLang="en-US" sz="1400" b="1">
+              <a:t>当前页最大事务</a:t>
+            </a:r>
+            <a:r>
+              <a:rPr lang="en-US" altLang="zh-CN" sz="1100" b="1" smtClean="0">
+                <a:solidFill>
+                  <a:srgbClr val="0070C0"/>
+                </a:solidFill>
+                <a:latin typeface="Courier New" panose="02070309020205020404" pitchFamily="49" charset="0"/>
+                <a:ea typeface="微软雅黑" panose="020B0503020204020204" pitchFamily="34" charset="-122"/>
+                <a:cs typeface="Courier New" panose="02070309020205020404" pitchFamily="49" charset="0"/>
+              </a:rPr>
+              <a:t>ID(8)</a:t>
+            </a:r>
+            <a:endParaRPr lang="zh-CN" altLang="en-US" sz="1100" b="1">
+              <a:solidFill>
+                <a:srgbClr val="0070C0"/>
+              </a:solidFill>
               <a:latin typeface="Courier New" panose="02070309020205020404" pitchFamily="49" charset="0"/>
+              <a:ea typeface="微软雅黑" panose="020B0503020204020204" pitchFamily="34" charset="-122"/>
               <a:cs typeface="Courier New" panose="02070309020205020404" pitchFamily="49" charset="0"/>
             </a:endParaRPr>
           </a:p>
@@ -4577,325 +5982,788 @@
       </p:sp>
       <p:sp>
         <p:nvSpPr>
-          <p:cNvPr id="76" name="文本框 75"/>
-          <p:cNvSpPr txBox="1"/>
-          <p:nvPr/>
-        </p:nvSpPr>
-        <p:spPr>
-          <a:xfrm>
-            <a:off x="10118246" y="1229140"/>
-            <a:ext cx="1043876" cy="307777"/>
+          <p:cNvPr id="163" name="矩形 162"/>
+          <p:cNvSpPr/>
+          <p:nvPr/>
+        </p:nvSpPr>
+        <p:spPr>
+          <a:xfrm>
+            <a:off x="3625433" y="2068130"/>
+            <a:ext cx="491026" cy="172559"/>
           </a:xfrm>
           <a:prstGeom prst="rect">
             <a:avLst/>
           </a:prstGeom>
           <a:noFill/>
-        </p:spPr>
-        <p:txBody>
-          <a:bodyPr wrap="none" rtlCol="0">
-            <a:spAutoFit/>
-          </a:bodyPr>
-          <a:lstStyle/>
-          <a:p>
-            <a:r>
-              <a:rPr lang="en-US" altLang="zh-CN" sz="1400" b="1" smtClean="0">
-                <a:latin typeface="Courier New" panose="02070309020205020404" pitchFamily="49" charset="0"/>
-                <a:cs typeface="Courier New" panose="02070309020205020404" pitchFamily="49" charset="0"/>
-              </a:rPr>
-              <a:t>checksum</a:t>
-            </a:r>
-            <a:endParaRPr lang="zh-CN" altLang="en-US" sz="1400" b="1">
-              <a:latin typeface="Courier New" panose="02070309020205020404" pitchFamily="49" charset="0"/>
-              <a:cs typeface="Courier New" panose="02070309020205020404" pitchFamily="49" charset="0"/>
-            </a:endParaRPr>
-          </a:p>
-        </p:txBody>
-      </p:sp>
-      <p:sp>
-        <p:nvSpPr>
-          <p:cNvPr id="77" name="文本框 76"/>
-          <p:cNvSpPr txBox="1"/>
-          <p:nvPr/>
-        </p:nvSpPr>
-        <p:spPr>
-          <a:xfrm>
-            <a:off x="10270646" y="1381540"/>
-            <a:ext cx="1043876" cy="307777"/>
+          <a:ln w="9525">
+            <a:solidFill>
+              <a:srgbClr val="0070C0"/>
+            </a:solidFill>
+          </a:ln>
+        </p:spPr>
+        <p:style>
+          <a:lnRef idx="2">
+            <a:schemeClr val="accent1">
+              <a:shade val="50000"/>
+            </a:schemeClr>
+          </a:lnRef>
+          <a:fillRef idx="1">
+            <a:schemeClr val="accent1"/>
+          </a:fillRef>
+          <a:effectRef idx="0">
+            <a:schemeClr val="accent1"/>
+          </a:effectRef>
+          <a:fontRef idx="minor">
+            <a:schemeClr val="lt1"/>
+          </a:fontRef>
+        </p:style>
+        <p:txBody>
+          <a:bodyPr rtlCol="0" anchor="ctr"/>
+          <a:lstStyle/>
+          <a:p>
+            <a:pPr algn="ctr"/>
+            <a:endParaRPr lang="zh-CN" altLang="en-US"/>
+          </a:p>
+        </p:txBody>
+      </p:sp>
+      <p:sp>
+        <p:nvSpPr>
+          <p:cNvPr id="164" name="矩形 163"/>
+          <p:cNvSpPr/>
+          <p:nvPr/>
+        </p:nvSpPr>
+        <p:spPr>
+          <a:xfrm>
+            <a:off x="4754203" y="2071206"/>
+            <a:ext cx="491026" cy="172559"/>
           </a:xfrm>
           <a:prstGeom prst="rect">
             <a:avLst/>
           </a:prstGeom>
           <a:noFill/>
-        </p:spPr>
-        <p:txBody>
-          <a:bodyPr wrap="none" rtlCol="0">
-            <a:spAutoFit/>
-          </a:bodyPr>
-          <a:lstStyle/>
-          <a:p>
-            <a:r>
-              <a:rPr lang="en-US" altLang="zh-CN" sz="1400" b="1" smtClean="0">
-                <a:latin typeface="Courier New" panose="02070309020205020404" pitchFamily="49" charset="0"/>
-                <a:cs typeface="Courier New" panose="02070309020205020404" pitchFamily="49" charset="0"/>
-              </a:rPr>
-              <a:t>checksum</a:t>
-            </a:r>
-            <a:endParaRPr lang="zh-CN" altLang="en-US" sz="1400" b="1">
-              <a:latin typeface="Courier New" panose="02070309020205020404" pitchFamily="49" charset="0"/>
-              <a:cs typeface="Courier New" panose="02070309020205020404" pitchFamily="49" charset="0"/>
-            </a:endParaRPr>
-          </a:p>
-        </p:txBody>
-      </p:sp>
-      <p:sp>
-        <p:nvSpPr>
-          <p:cNvPr id="78" name="文本框 77"/>
-          <p:cNvSpPr txBox="1"/>
-          <p:nvPr/>
-        </p:nvSpPr>
-        <p:spPr>
-          <a:xfrm>
-            <a:off x="10423046" y="1533940"/>
-            <a:ext cx="1043876" cy="307777"/>
+          <a:ln w="9525">
+            <a:solidFill>
+              <a:srgbClr val="0070C0"/>
+            </a:solidFill>
+          </a:ln>
+        </p:spPr>
+        <p:style>
+          <a:lnRef idx="2">
+            <a:schemeClr val="accent1">
+              <a:shade val="50000"/>
+            </a:schemeClr>
+          </a:lnRef>
+          <a:fillRef idx="1">
+            <a:schemeClr val="accent1"/>
+          </a:fillRef>
+          <a:effectRef idx="0">
+            <a:schemeClr val="accent1"/>
+          </a:effectRef>
+          <a:fontRef idx="minor">
+            <a:schemeClr val="lt1"/>
+          </a:fontRef>
+        </p:style>
+        <p:txBody>
+          <a:bodyPr rtlCol="0" anchor="ctr"/>
+          <a:lstStyle/>
+          <a:p>
+            <a:pPr algn="ctr"/>
+            <a:endParaRPr lang="zh-CN" altLang="en-US"/>
+          </a:p>
+        </p:txBody>
+      </p:sp>
+      <p:sp>
+        <p:nvSpPr>
+          <p:cNvPr id="165" name="矩形 164"/>
+          <p:cNvSpPr/>
+          <p:nvPr/>
+        </p:nvSpPr>
+        <p:spPr>
+          <a:xfrm>
+            <a:off x="4181269" y="2068130"/>
+            <a:ext cx="491026" cy="172559"/>
           </a:xfrm>
           <a:prstGeom prst="rect">
             <a:avLst/>
           </a:prstGeom>
           <a:noFill/>
-        </p:spPr>
-        <p:txBody>
-          <a:bodyPr wrap="none" rtlCol="0">
-            <a:spAutoFit/>
-          </a:bodyPr>
-          <a:lstStyle/>
-          <a:p>
-            <a:r>
-              <a:rPr lang="en-US" altLang="zh-CN" sz="1400" b="1" smtClean="0">
-                <a:latin typeface="Courier New" panose="02070309020205020404" pitchFamily="49" charset="0"/>
-                <a:cs typeface="Courier New" panose="02070309020205020404" pitchFamily="49" charset="0"/>
-              </a:rPr>
-              <a:t>checksum</a:t>
-            </a:r>
-            <a:endParaRPr lang="zh-CN" altLang="en-US" sz="1400" b="1">
-              <a:latin typeface="Courier New" panose="02070309020205020404" pitchFamily="49" charset="0"/>
-              <a:cs typeface="Courier New" panose="02070309020205020404" pitchFamily="49" charset="0"/>
-            </a:endParaRPr>
-          </a:p>
-        </p:txBody>
-      </p:sp>
-      <p:sp>
-        <p:nvSpPr>
-          <p:cNvPr id="79" name="文本框 78"/>
-          <p:cNvSpPr txBox="1"/>
-          <p:nvPr/>
-        </p:nvSpPr>
-        <p:spPr>
-          <a:xfrm>
-            <a:off x="10270646" y="1381540"/>
-            <a:ext cx="1043876" cy="307777"/>
+          <a:ln w="9525">
+            <a:solidFill>
+              <a:srgbClr val="0070C0"/>
+            </a:solidFill>
+          </a:ln>
+        </p:spPr>
+        <p:style>
+          <a:lnRef idx="2">
+            <a:schemeClr val="accent1">
+              <a:shade val="50000"/>
+            </a:schemeClr>
+          </a:lnRef>
+          <a:fillRef idx="1">
+            <a:schemeClr val="accent1"/>
+          </a:fillRef>
+          <a:effectRef idx="0">
+            <a:schemeClr val="accent1"/>
+          </a:effectRef>
+          <a:fontRef idx="minor">
+            <a:schemeClr val="lt1"/>
+          </a:fontRef>
+        </p:style>
+        <p:txBody>
+          <a:bodyPr rtlCol="0" anchor="ctr"/>
+          <a:lstStyle/>
+          <a:p>
+            <a:pPr algn="ctr"/>
+            <a:endParaRPr lang="zh-CN" altLang="en-US"/>
+          </a:p>
+        </p:txBody>
+      </p:sp>
+      <p:cxnSp>
+        <p:nvCxnSpPr>
+          <p:cNvPr id="177" name="直接箭头连接符 176"/>
+          <p:cNvCxnSpPr/>
+          <p:nvPr/>
+        </p:nvCxnSpPr>
+        <p:spPr>
+          <a:xfrm flipV="1">
+            <a:off x="11452679" y="4101295"/>
+            <a:ext cx="31464" cy="649886"/>
+          </a:xfrm>
+          <a:prstGeom prst="straightConnector1">
+            <a:avLst/>
+          </a:prstGeom>
+          <a:ln>
+            <a:solidFill>
+              <a:srgbClr val="0070C0"/>
+            </a:solidFill>
+            <a:tailEnd type="triangle"/>
+          </a:ln>
+        </p:spPr>
+        <p:style>
+          <a:lnRef idx="1">
+            <a:schemeClr val="accent1"/>
+          </a:lnRef>
+          <a:fillRef idx="0">
+            <a:schemeClr val="accent1"/>
+          </a:fillRef>
+          <a:effectRef idx="0">
+            <a:schemeClr val="accent1"/>
+          </a:effectRef>
+          <a:fontRef idx="minor">
+            <a:schemeClr val="tx1"/>
+          </a:fontRef>
+        </p:style>
+      </p:cxnSp>
+      <p:cxnSp>
+        <p:nvCxnSpPr>
+          <p:cNvPr id="178" name="直接箭头连接符 177"/>
+          <p:cNvCxnSpPr/>
+          <p:nvPr/>
+        </p:nvCxnSpPr>
+        <p:spPr>
+          <a:xfrm flipV="1">
+            <a:off x="11605079" y="4253695"/>
+            <a:ext cx="31464" cy="649886"/>
+          </a:xfrm>
+          <a:prstGeom prst="straightConnector1">
+            <a:avLst/>
+          </a:prstGeom>
+          <a:ln>
+            <a:solidFill>
+              <a:srgbClr val="0070C0"/>
+            </a:solidFill>
+            <a:tailEnd type="triangle"/>
+          </a:ln>
+        </p:spPr>
+        <p:style>
+          <a:lnRef idx="1">
+            <a:schemeClr val="accent1"/>
+          </a:lnRef>
+          <a:fillRef idx="0">
+            <a:schemeClr val="accent1"/>
+          </a:fillRef>
+          <a:effectRef idx="0">
+            <a:schemeClr val="accent1"/>
+          </a:effectRef>
+          <a:fontRef idx="minor">
+            <a:schemeClr val="tx1"/>
+          </a:fontRef>
+        </p:style>
+      </p:cxnSp>
+      <p:cxnSp>
+        <p:nvCxnSpPr>
+          <p:cNvPr id="179" name="直接箭头连接符 178"/>
+          <p:cNvCxnSpPr/>
+          <p:nvPr/>
+        </p:nvCxnSpPr>
+        <p:spPr>
+          <a:xfrm flipV="1">
+            <a:off x="11757479" y="4406095"/>
+            <a:ext cx="31464" cy="649886"/>
+          </a:xfrm>
+          <a:prstGeom prst="straightConnector1">
+            <a:avLst/>
+          </a:prstGeom>
+          <a:ln>
+            <a:solidFill>
+              <a:srgbClr val="0070C0"/>
+            </a:solidFill>
+            <a:tailEnd type="triangle"/>
+          </a:ln>
+        </p:spPr>
+        <p:style>
+          <a:lnRef idx="1">
+            <a:schemeClr val="accent1"/>
+          </a:lnRef>
+          <a:fillRef idx="0">
+            <a:schemeClr val="accent1"/>
+          </a:fillRef>
+          <a:effectRef idx="0">
+            <a:schemeClr val="accent1"/>
+          </a:effectRef>
+          <a:fontRef idx="minor">
+            <a:schemeClr val="tx1"/>
+          </a:fontRef>
+        </p:style>
+      </p:cxnSp>
+      <p:cxnSp>
+        <p:nvCxnSpPr>
+          <p:cNvPr id="180" name="直接箭头连接符 179"/>
+          <p:cNvCxnSpPr/>
+          <p:nvPr/>
+        </p:nvCxnSpPr>
+        <p:spPr>
+          <a:xfrm flipV="1">
+            <a:off x="11909879" y="4558495"/>
+            <a:ext cx="31464" cy="649886"/>
+          </a:xfrm>
+          <a:prstGeom prst="straightConnector1">
+            <a:avLst/>
+          </a:prstGeom>
+          <a:ln>
+            <a:solidFill>
+              <a:srgbClr val="0070C0"/>
+            </a:solidFill>
+            <a:tailEnd type="triangle"/>
+          </a:ln>
+        </p:spPr>
+        <p:style>
+          <a:lnRef idx="1">
+            <a:schemeClr val="accent1"/>
+          </a:lnRef>
+          <a:fillRef idx="0">
+            <a:schemeClr val="accent1"/>
+          </a:fillRef>
+          <a:effectRef idx="0">
+            <a:schemeClr val="accent1"/>
+          </a:effectRef>
+          <a:fontRef idx="minor">
+            <a:schemeClr val="tx1"/>
+          </a:fontRef>
+        </p:style>
+      </p:cxnSp>
+      <p:cxnSp>
+        <p:nvCxnSpPr>
+          <p:cNvPr id="181" name="直接箭头连接符 180"/>
+          <p:cNvCxnSpPr>
+            <a:stCxn id="19" idx="3"/>
+            <a:endCxn id="160" idx="1"/>
+          </p:cNvCxnSpPr>
+          <p:nvPr/>
+        </p:nvCxnSpPr>
+        <p:spPr>
+          <a:xfrm flipV="1">
+            <a:off x="7617382" y="2020766"/>
+            <a:ext cx="2049098" cy="130805"/>
+          </a:xfrm>
+          <a:prstGeom prst="straightConnector1">
+            <a:avLst/>
+          </a:prstGeom>
+          <a:ln>
+            <a:solidFill>
+              <a:srgbClr val="0070C0"/>
+            </a:solidFill>
+            <a:tailEnd type="triangle"/>
+          </a:ln>
+        </p:spPr>
+        <p:style>
+          <a:lnRef idx="1">
+            <a:schemeClr val="accent1"/>
+          </a:lnRef>
+          <a:fillRef idx="0">
+            <a:schemeClr val="accent1"/>
+          </a:fillRef>
+          <a:effectRef idx="0">
+            <a:schemeClr val="accent1"/>
+          </a:effectRef>
+          <a:fontRef idx="minor">
+            <a:schemeClr val="tx1"/>
+          </a:fontRef>
+        </p:style>
+      </p:cxnSp>
+      <p:cxnSp>
+        <p:nvCxnSpPr>
+          <p:cNvPr id="182" name="直接箭头连接符 181"/>
+          <p:cNvCxnSpPr/>
+          <p:nvPr/>
+        </p:nvCxnSpPr>
+        <p:spPr>
+          <a:xfrm flipV="1">
+            <a:off x="10271984" y="2961106"/>
+            <a:ext cx="31464" cy="649886"/>
+          </a:xfrm>
+          <a:prstGeom prst="straightConnector1">
+            <a:avLst/>
+          </a:prstGeom>
+          <a:ln>
+            <a:solidFill>
+              <a:srgbClr val="0070C0"/>
+            </a:solidFill>
+            <a:tailEnd type="triangle"/>
+          </a:ln>
+        </p:spPr>
+        <p:style>
+          <a:lnRef idx="1">
+            <a:schemeClr val="accent1"/>
+          </a:lnRef>
+          <a:fillRef idx="0">
+            <a:schemeClr val="accent1"/>
+          </a:fillRef>
+          <a:effectRef idx="0">
+            <a:schemeClr val="accent1"/>
+          </a:effectRef>
+          <a:fontRef idx="minor">
+            <a:schemeClr val="tx1"/>
+          </a:fontRef>
+        </p:style>
+      </p:cxnSp>
+      <p:cxnSp>
+        <p:nvCxnSpPr>
+          <p:cNvPr id="183" name="直接箭头连接符 182"/>
+          <p:cNvCxnSpPr/>
+          <p:nvPr/>
+        </p:nvCxnSpPr>
+        <p:spPr>
+          <a:xfrm flipV="1">
+            <a:off x="10424384" y="3113506"/>
+            <a:ext cx="31464" cy="649886"/>
+          </a:xfrm>
+          <a:prstGeom prst="straightConnector1">
+            <a:avLst/>
+          </a:prstGeom>
+          <a:ln>
+            <a:solidFill>
+              <a:srgbClr val="0070C0"/>
+            </a:solidFill>
+            <a:tailEnd type="triangle"/>
+          </a:ln>
+        </p:spPr>
+        <p:style>
+          <a:lnRef idx="1">
+            <a:schemeClr val="accent1"/>
+          </a:lnRef>
+          <a:fillRef idx="0">
+            <a:schemeClr val="accent1"/>
+          </a:fillRef>
+          <a:effectRef idx="0">
+            <a:schemeClr val="accent1"/>
+          </a:effectRef>
+          <a:fontRef idx="minor">
+            <a:schemeClr val="tx1"/>
+          </a:fontRef>
+        </p:style>
+      </p:cxnSp>
+      <p:cxnSp>
+        <p:nvCxnSpPr>
+          <p:cNvPr id="184" name="直接箭头连接符 183"/>
+          <p:cNvCxnSpPr/>
+          <p:nvPr/>
+        </p:nvCxnSpPr>
+        <p:spPr>
+          <a:xfrm flipV="1">
+            <a:off x="10576784" y="3265906"/>
+            <a:ext cx="31464" cy="649886"/>
+          </a:xfrm>
+          <a:prstGeom prst="straightConnector1">
+            <a:avLst/>
+          </a:prstGeom>
+          <a:ln>
+            <a:solidFill>
+              <a:srgbClr val="0070C0"/>
+            </a:solidFill>
+            <a:tailEnd type="triangle"/>
+          </a:ln>
+        </p:spPr>
+        <p:style>
+          <a:lnRef idx="1">
+            <a:schemeClr val="accent1"/>
+          </a:lnRef>
+          <a:fillRef idx="0">
+            <a:schemeClr val="accent1"/>
+          </a:fillRef>
+          <a:effectRef idx="0">
+            <a:schemeClr val="accent1"/>
+          </a:effectRef>
+          <a:fontRef idx="minor">
+            <a:schemeClr val="tx1"/>
+          </a:fontRef>
+        </p:style>
+      </p:cxnSp>
+      <p:cxnSp>
+        <p:nvCxnSpPr>
+          <p:cNvPr id="185" name="直接箭头连接符 184"/>
+          <p:cNvCxnSpPr/>
+          <p:nvPr/>
+        </p:nvCxnSpPr>
+        <p:spPr>
+          <a:xfrm flipV="1">
+            <a:off x="10729184" y="3418306"/>
+            <a:ext cx="31464" cy="649886"/>
+          </a:xfrm>
+          <a:prstGeom prst="straightConnector1">
+            <a:avLst/>
+          </a:prstGeom>
+          <a:ln>
+            <a:solidFill>
+              <a:srgbClr val="0070C0"/>
+            </a:solidFill>
+            <a:tailEnd type="triangle"/>
+          </a:ln>
+        </p:spPr>
+        <p:style>
+          <a:lnRef idx="1">
+            <a:schemeClr val="accent1"/>
+          </a:lnRef>
+          <a:fillRef idx="0">
+            <a:schemeClr val="accent1"/>
+          </a:fillRef>
+          <a:effectRef idx="0">
+            <a:schemeClr val="accent1"/>
+          </a:effectRef>
+          <a:fontRef idx="minor">
+            <a:schemeClr val="tx1"/>
+          </a:fontRef>
+        </p:style>
+      </p:cxnSp>
+      <p:sp>
+        <p:nvSpPr>
+          <p:cNvPr id="188" name="矩形 187"/>
+          <p:cNvSpPr/>
+          <p:nvPr/>
+        </p:nvSpPr>
+        <p:spPr>
+          <a:xfrm>
+            <a:off x="3044881" y="2859576"/>
+            <a:ext cx="2200347" cy="179712"/>
           </a:xfrm>
           <a:prstGeom prst="rect">
             <a:avLst/>
           </a:prstGeom>
           <a:noFill/>
-        </p:spPr>
-        <p:txBody>
-          <a:bodyPr wrap="none" rtlCol="0">
-            <a:spAutoFit/>
-          </a:bodyPr>
-          <a:lstStyle/>
-          <a:p>
-            <a:r>
-              <a:rPr lang="en-US" altLang="zh-CN" sz="1400" b="1" smtClean="0">
-                <a:latin typeface="Courier New" panose="02070309020205020404" pitchFamily="49" charset="0"/>
-                <a:cs typeface="Courier New" panose="02070309020205020404" pitchFamily="49" charset="0"/>
-              </a:rPr>
-              <a:t>checksum</a:t>
-            </a:r>
-            <a:endParaRPr lang="zh-CN" altLang="en-US" sz="1400" b="1">
-              <a:latin typeface="Courier New" panose="02070309020205020404" pitchFamily="49" charset="0"/>
-              <a:cs typeface="Courier New" panose="02070309020205020404" pitchFamily="49" charset="0"/>
-            </a:endParaRPr>
-          </a:p>
-        </p:txBody>
-      </p:sp>
-      <p:sp>
-        <p:nvSpPr>
-          <p:cNvPr id="80" name="文本框 79"/>
-          <p:cNvSpPr txBox="1"/>
-          <p:nvPr/>
-        </p:nvSpPr>
-        <p:spPr>
-          <a:xfrm>
-            <a:off x="10423046" y="1533940"/>
-            <a:ext cx="1043876" cy="307777"/>
+          <a:ln w="9525">
+            <a:solidFill>
+              <a:srgbClr val="0070C0"/>
+            </a:solidFill>
+          </a:ln>
+        </p:spPr>
+        <p:style>
+          <a:lnRef idx="2">
+            <a:schemeClr val="accent1">
+              <a:shade val="50000"/>
+            </a:schemeClr>
+          </a:lnRef>
+          <a:fillRef idx="1">
+            <a:schemeClr val="accent1"/>
+          </a:fillRef>
+          <a:effectRef idx="0">
+            <a:schemeClr val="accent1"/>
+          </a:effectRef>
+          <a:fontRef idx="minor">
+            <a:schemeClr val="lt1"/>
+          </a:fontRef>
+        </p:style>
+        <p:txBody>
+          <a:bodyPr rtlCol="0" anchor="ctr"/>
+          <a:lstStyle/>
+          <a:p>
+            <a:pPr algn="ctr"/>
+            <a:endParaRPr lang="zh-CN" altLang="en-US"/>
+          </a:p>
+        </p:txBody>
+      </p:sp>
+      <p:sp>
+        <p:nvSpPr>
+          <p:cNvPr id="189" name="矩形 188"/>
+          <p:cNvSpPr/>
+          <p:nvPr/>
+        </p:nvSpPr>
+        <p:spPr>
+          <a:xfrm>
+            <a:off x="2676009" y="6178147"/>
+            <a:ext cx="1091242" cy="183915"/>
           </a:xfrm>
           <a:prstGeom prst="rect">
             <a:avLst/>
           </a:prstGeom>
           <a:noFill/>
-        </p:spPr>
-        <p:txBody>
-          <a:bodyPr wrap="none" rtlCol="0">
-            <a:spAutoFit/>
-          </a:bodyPr>
-          <a:lstStyle/>
-          <a:p>
-            <a:r>
-              <a:rPr lang="en-US" altLang="zh-CN" sz="1400" b="1" smtClean="0">
-                <a:latin typeface="Courier New" panose="02070309020205020404" pitchFamily="49" charset="0"/>
-                <a:cs typeface="Courier New" panose="02070309020205020404" pitchFamily="49" charset="0"/>
-              </a:rPr>
-              <a:t>checksum</a:t>
-            </a:r>
-            <a:endParaRPr lang="zh-CN" altLang="en-US" sz="1400" b="1">
-              <a:latin typeface="Courier New" panose="02070309020205020404" pitchFamily="49" charset="0"/>
-              <a:cs typeface="Courier New" panose="02070309020205020404" pitchFamily="49" charset="0"/>
-            </a:endParaRPr>
-          </a:p>
-        </p:txBody>
-      </p:sp>
-      <p:sp>
-        <p:nvSpPr>
-          <p:cNvPr id="81" name="文本框 80"/>
-          <p:cNvSpPr txBox="1"/>
-          <p:nvPr/>
-        </p:nvSpPr>
-        <p:spPr>
-          <a:xfrm>
-            <a:off x="10575446" y="1686340"/>
-            <a:ext cx="1043876" cy="307777"/>
+          <a:ln w="9525">
+            <a:solidFill>
+              <a:srgbClr val="0070C0"/>
+            </a:solidFill>
+          </a:ln>
+        </p:spPr>
+        <p:style>
+          <a:lnRef idx="2">
+            <a:schemeClr val="accent1">
+              <a:shade val="50000"/>
+            </a:schemeClr>
+          </a:lnRef>
+          <a:fillRef idx="1">
+            <a:schemeClr val="accent1"/>
+          </a:fillRef>
+          <a:effectRef idx="0">
+            <a:schemeClr val="accent1"/>
+          </a:effectRef>
+          <a:fontRef idx="minor">
+            <a:schemeClr val="lt1"/>
+          </a:fontRef>
+        </p:style>
+        <p:txBody>
+          <a:bodyPr rtlCol="0" anchor="ctr"/>
+          <a:lstStyle/>
+          <a:p>
+            <a:pPr algn="ctr"/>
+            <a:endParaRPr lang="zh-CN" altLang="en-US"/>
+          </a:p>
+        </p:txBody>
+      </p:sp>
+      <p:sp>
+        <p:nvSpPr>
+          <p:cNvPr id="190" name="矩形 189"/>
+          <p:cNvSpPr/>
+          <p:nvPr/>
+        </p:nvSpPr>
+        <p:spPr>
+          <a:xfrm>
+            <a:off x="2828409" y="6330547"/>
+            <a:ext cx="1091242" cy="183915"/>
           </a:xfrm>
           <a:prstGeom prst="rect">
             <a:avLst/>
           </a:prstGeom>
           <a:noFill/>
-        </p:spPr>
-        <p:txBody>
-          <a:bodyPr wrap="none" rtlCol="0">
-            <a:spAutoFit/>
-          </a:bodyPr>
-          <a:lstStyle/>
-          <a:p>
-            <a:r>
-              <a:rPr lang="en-US" altLang="zh-CN" sz="1400" b="1" smtClean="0">
-                <a:latin typeface="Courier New" panose="02070309020205020404" pitchFamily="49" charset="0"/>
-                <a:cs typeface="Courier New" panose="02070309020205020404" pitchFamily="49" charset="0"/>
-              </a:rPr>
-              <a:t>checksum</a:t>
-            </a:r>
-            <a:endParaRPr lang="zh-CN" altLang="en-US" sz="1400" b="1">
-              <a:latin typeface="Courier New" panose="02070309020205020404" pitchFamily="49" charset="0"/>
-              <a:cs typeface="Courier New" panose="02070309020205020404" pitchFamily="49" charset="0"/>
-            </a:endParaRPr>
-          </a:p>
-        </p:txBody>
-      </p:sp>
-      <p:sp>
-        <p:nvSpPr>
-          <p:cNvPr id="82" name="文本框 81"/>
-          <p:cNvSpPr txBox="1"/>
-          <p:nvPr/>
-        </p:nvSpPr>
-        <p:spPr>
-          <a:xfrm>
-            <a:off x="10423046" y="1533940"/>
-            <a:ext cx="1043876" cy="307777"/>
+          <a:ln w="9525">
+            <a:solidFill>
+              <a:srgbClr val="0070C0"/>
+            </a:solidFill>
+          </a:ln>
+        </p:spPr>
+        <p:style>
+          <a:lnRef idx="2">
+            <a:schemeClr val="accent1">
+              <a:shade val="50000"/>
+            </a:schemeClr>
+          </a:lnRef>
+          <a:fillRef idx="1">
+            <a:schemeClr val="accent1"/>
+          </a:fillRef>
+          <a:effectRef idx="0">
+            <a:schemeClr val="accent1"/>
+          </a:effectRef>
+          <a:fontRef idx="minor">
+            <a:schemeClr val="lt1"/>
+          </a:fontRef>
+        </p:style>
+        <p:txBody>
+          <a:bodyPr rtlCol="0" anchor="ctr"/>
+          <a:lstStyle/>
+          <a:p>
+            <a:pPr algn="ctr"/>
+            <a:endParaRPr lang="zh-CN" altLang="en-US"/>
+          </a:p>
+        </p:txBody>
+      </p:sp>
+      <p:sp>
+        <p:nvSpPr>
+          <p:cNvPr id="191" name="矩形 190"/>
+          <p:cNvSpPr/>
+          <p:nvPr/>
+        </p:nvSpPr>
+        <p:spPr>
+          <a:xfrm>
+            <a:off x="3041501" y="2675532"/>
+            <a:ext cx="4575879" cy="162352"/>
           </a:xfrm>
           <a:prstGeom prst="rect">
             <a:avLst/>
           </a:prstGeom>
           <a:noFill/>
-        </p:spPr>
-        <p:txBody>
-          <a:bodyPr wrap="none" rtlCol="0">
-            <a:spAutoFit/>
-          </a:bodyPr>
-          <a:lstStyle/>
-          <a:p>
-            <a:r>
-              <a:rPr lang="en-US" altLang="zh-CN" sz="1400" b="1" smtClean="0">
-                <a:latin typeface="Courier New" panose="02070309020205020404" pitchFamily="49" charset="0"/>
-                <a:cs typeface="Courier New" panose="02070309020205020404" pitchFamily="49" charset="0"/>
-              </a:rPr>
-              <a:t>checksum</a:t>
-            </a:r>
-            <a:endParaRPr lang="zh-CN" altLang="en-US" sz="1400" b="1">
-              <a:latin typeface="Courier New" panose="02070309020205020404" pitchFamily="49" charset="0"/>
-              <a:cs typeface="Courier New" panose="02070309020205020404" pitchFamily="49" charset="0"/>
-            </a:endParaRPr>
-          </a:p>
-        </p:txBody>
-      </p:sp>
-      <p:sp>
-        <p:nvSpPr>
-          <p:cNvPr id="83" name="文本框 82"/>
-          <p:cNvSpPr txBox="1"/>
-          <p:nvPr/>
-        </p:nvSpPr>
-        <p:spPr>
-          <a:xfrm>
-            <a:off x="10575446" y="1686340"/>
-            <a:ext cx="1043876" cy="307777"/>
+          <a:ln w="9525">
+            <a:solidFill>
+              <a:srgbClr val="0070C0"/>
+            </a:solidFill>
+          </a:ln>
+        </p:spPr>
+        <p:style>
+          <a:lnRef idx="2">
+            <a:schemeClr val="accent1">
+              <a:shade val="50000"/>
+            </a:schemeClr>
+          </a:lnRef>
+          <a:fillRef idx="1">
+            <a:schemeClr val="accent1"/>
+          </a:fillRef>
+          <a:effectRef idx="0">
+            <a:schemeClr val="accent1"/>
+          </a:effectRef>
+          <a:fontRef idx="minor">
+            <a:schemeClr val="lt1"/>
+          </a:fontRef>
+        </p:style>
+        <p:txBody>
+          <a:bodyPr rtlCol="0" anchor="ctr"/>
+          <a:lstStyle/>
+          <a:p>
+            <a:pPr algn="ctr"/>
+            <a:endParaRPr lang="zh-CN" altLang="en-US"/>
+          </a:p>
+        </p:txBody>
+      </p:sp>
+      <p:sp>
+        <p:nvSpPr>
+          <p:cNvPr id="192" name="矩形 191"/>
+          <p:cNvSpPr/>
+          <p:nvPr/>
+        </p:nvSpPr>
+        <p:spPr>
+          <a:xfrm>
+            <a:off x="4466670" y="6044852"/>
+            <a:ext cx="1075802" cy="183860"/>
           </a:xfrm>
           <a:prstGeom prst="rect">
             <a:avLst/>
           </a:prstGeom>
           <a:noFill/>
-        </p:spPr>
-        <p:txBody>
-          <a:bodyPr wrap="none" rtlCol="0">
-            <a:spAutoFit/>
-          </a:bodyPr>
-          <a:lstStyle/>
-          <a:p>
-            <a:r>
-              <a:rPr lang="en-US" altLang="zh-CN" sz="1400" b="1" smtClean="0">
-                <a:latin typeface="Courier New" panose="02070309020205020404" pitchFamily="49" charset="0"/>
-                <a:cs typeface="Courier New" panose="02070309020205020404" pitchFamily="49" charset="0"/>
-              </a:rPr>
-              <a:t>checksum</a:t>
-            </a:r>
-            <a:endParaRPr lang="zh-CN" altLang="en-US" sz="1400" b="1">
-              <a:latin typeface="Courier New" panose="02070309020205020404" pitchFamily="49" charset="0"/>
-              <a:cs typeface="Courier New" panose="02070309020205020404" pitchFamily="49" charset="0"/>
-            </a:endParaRPr>
-          </a:p>
-        </p:txBody>
-      </p:sp>
-      <p:sp>
-        <p:nvSpPr>
-          <p:cNvPr id="84" name="文本框 83"/>
-          <p:cNvSpPr txBox="1"/>
-          <p:nvPr/>
-        </p:nvSpPr>
-        <p:spPr>
-          <a:xfrm>
-            <a:off x="10727846" y="1838740"/>
-            <a:ext cx="1043876" cy="307777"/>
+          <a:ln w="9525">
+            <a:solidFill>
+              <a:srgbClr val="0070C0"/>
+            </a:solidFill>
+          </a:ln>
+        </p:spPr>
+        <p:style>
+          <a:lnRef idx="2">
+            <a:schemeClr val="accent1">
+              <a:shade val="50000"/>
+            </a:schemeClr>
+          </a:lnRef>
+          <a:fillRef idx="1">
+            <a:schemeClr val="accent1"/>
+          </a:fillRef>
+          <a:effectRef idx="0">
+            <a:schemeClr val="accent1"/>
+          </a:effectRef>
+          <a:fontRef idx="minor">
+            <a:schemeClr val="lt1"/>
+          </a:fontRef>
+        </p:style>
+        <p:txBody>
+          <a:bodyPr rtlCol="0" anchor="ctr"/>
+          <a:lstStyle/>
+          <a:p>
+            <a:pPr algn="ctr"/>
+            <a:endParaRPr lang="zh-CN" altLang="en-US"/>
+          </a:p>
+        </p:txBody>
+      </p:sp>
+      <p:sp>
+        <p:nvSpPr>
+          <p:cNvPr id="193" name="矩形 192"/>
+          <p:cNvSpPr/>
+          <p:nvPr/>
+        </p:nvSpPr>
+        <p:spPr>
+          <a:xfrm>
+            <a:off x="4619070" y="6197252"/>
+            <a:ext cx="1075802" cy="183860"/>
           </a:xfrm>
           <a:prstGeom prst="rect">
             <a:avLst/>
           </a:prstGeom>
           <a:noFill/>
-        </p:spPr>
-        <p:txBody>
-          <a:bodyPr wrap="none" rtlCol="0">
-            <a:spAutoFit/>
-          </a:bodyPr>
-          <a:lstStyle/>
-          <a:p>
-            <a:r>
-              <a:rPr lang="en-US" altLang="zh-CN" sz="1400" b="1" smtClean="0">
-                <a:latin typeface="Courier New" panose="02070309020205020404" pitchFamily="49" charset="0"/>
-                <a:cs typeface="Courier New" panose="02070309020205020404" pitchFamily="49" charset="0"/>
-              </a:rPr>
-              <a:t>checksum</a:t>
-            </a:r>
-            <a:endParaRPr lang="zh-CN" altLang="en-US" sz="1400" b="1">
-              <a:latin typeface="Courier New" panose="02070309020205020404" pitchFamily="49" charset="0"/>
-              <a:cs typeface="Courier New" panose="02070309020205020404" pitchFamily="49" charset="0"/>
-            </a:endParaRPr>
+          <a:ln w="9525">
+            <a:solidFill>
+              <a:srgbClr val="0070C0"/>
+            </a:solidFill>
+          </a:ln>
+        </p:spPr>
+        <p:style>
+          <a:lnRef idx="2">
+            <a:schemeClr val="accent1">
+              <a:shade val="50000"/>
+            </a:schemeClr>
+          </a:lnRef>
+          <a:fillRef idx="1">
+            <a:schemeClr val="accent1"/>
+          </a:fillRef>
+          <a:effectRef idx="0">
+            <a:schemeClr val="accent1"/>
+          </a:effectRef>
+          <a:fontRef idx="minor">
+            <a:schemeClr val="lt1"/>
+          </a:fontRef>
+        </p:style>
+        <p:txBody>
+          <a:bodyPr rtlCol="0" anchor="ctr"/>
+          <a:lstStyle/>
+          <a:p>
+            <a:pPr algn="ctr"/>
+            <a:endParaRPr lang="zh-CN" altLang="en-US"/>
+          </a:p>
+        </p:txBody>
+      </p:sp>
+      <p:sp>
+        <p:nvSpPr>
+          <p:cNvPr id="194" name="矩形 193"/>
+          <p:cNvSpPr/>
+          <p:nvPr/>
+        </p:nvSpPr>
+        <p:spPr>
+          <a:xfrm>
+            <a:off x="4771470" y="6349652"/>
+            <a:ext cx="1075802" cy="183860"/>
+          </a:xfrm>
+          <a:prstGeom prst="rect">
+            <a:avLst/>
+          </a:prstGeom>
+          <a:noFill/>
+          <a:ln w="9525">
+            <a:solidFill>
+              <a:srgbClr val="0070C0"/>
+            </a:solidFill>
+          </a:ln>
+        </p:spPr>
+        <p:style>
+          <a:lnRef idx="2">
+            <a:schemeClr val="accent1">
+              <a:shade val="50000"/>
+            </a:schemeClr>
+          </a:lnRef>
+          <a:fillRef idx="1">
+            <a:schemeClr val="accent1"/>
+          </a:fillRef>
+          <a:effectRef idx="0">
+            <a:schemeClr val="accent1"/>
+          </a:effectRef>
+          <a:fontRef idx="minor">
+            <a:schemeClr val="lt1"/>
+          </a:fontRef>
+        </p:style>
+        <p:txBody>
+          <a:bodyPr rtlCol="0" anchor="ctr"/>
+          <a:lstStyle/>
+          <a:p>
+            <a:pPr algn="ctr"/>
+            <a:endParaRPr lang="zh-CN" altLang="en-US"/>
           </a:p>
         </p:txBody>
       </p:sp>

--- a/study/图解.pptx
+++ b/study/图解.pptx
@@ -6,6 +6,7 @@
   </p:sldMasterIdLst>
   <p:sldIdLst>
     <p:sldId id="256" r:id="rId2"/>
+    <p:sldId id="257" r:id="rId3"/>
   </p:sldIdLst>
   <p:sldSz cx="12192000" cy="6858000"/>
   <p:notesSz cx="6858000" cy="9144000"/>
@@ -112,6 +113,10 @@
 </p:presentation>
 </file>
 
+<file path=ppt/revisionInfo.xml><?xml version="1.0" encoding="utf-8"?>
+<p1510:revInfo xmlns:a="http://schemas.openxmlformats.org/drawingml/2006/main" xmlns:r="http://schemas.openxmlformats.org/officeDocument/2006/relationships" xmlns:p1510="http://schemas.microsoft.com/office/powerpoint/2015/10/main"/>
+</file>
+
 <file path=ppt/slideLayouts/slideLayout1.xml><?xml version="1.0" encoding="utf-8"?>
 <p:sldLayout xmlns:a="http://schemas.openxmlformats.org/drawingml/2006/main" xmlns:r="http://schemas.openxmlformats.org/officeDocument/2006/relationships" xmlns:p="http://schemas.openxmlformats.org/presentationml/2006/main" type="title" preserve="1">
   <p:cSld name="标题幻灯片">
@@ -154,10 +159,9 @@
           </a:lstStyle>
           <a:p>
             <a:r>
-              <a:rPr lang="zh-CN" altLang="en-US" smtClean="0"/>
+              <a:rPr lang="zh-CN" altLang="en-US"/>
               <a:t>单击此处编辑母版标题样式</a:t>
             </a:r>
-            <a:endParaRPr lang="zh-CN" altLang="en-US"/>
           </a:p>
         </p:txBody>
       </p:sp>
@@ -219,10 +223,9 @@
           </a:lstStyle>
           <a:p>
             <a:r>
-              <a:rPr lang="zh-CN" altLang="en-US" smtClean="0"/>
+              <a:rPr lang="zh-CN" altLang="en-US"/>
               <a:t>单击此处编辑母版副标题样式</a:t>
             </a:r>
-            <a:endParaRPr lang="zh-CN" altLang="en-US"/>
           </a:p>
         </p:txBody>
       </p:sp>
@@ -243,7 +246,7 @@
           <a:p>
             <a:fld id="{2B130BBF-9E1B-49D1-9CCE-036400BFFBC6}" type="datetimeFigureOut">
               <a:rPr lang="zh-CN" altLang="en-US" smtClean="0"/>
-              <a:t>2017/11/16</a:t>
+              <a:t>2017/11/19</a:t>
             </a:fld>
             <a:endParaRPr lang="zh-CN" altLang="en-US"/>
           </a:p>
@@ -337,10 +340,9 @@
           <a:lstStyle/>
           <a:p>
             <a:r>
-              <a:rPr lang="zh-CN" altLang="en-US" smtClean="0"/>
+              <a:rPr lang="zh-CN" altLang="en-US"/>
               <a:t>单击此处编辑母版标题样式</a:t>
             </a:r>
-            <a:endParaRPr lang="zh-CN" altLang="en-US"/>
           </a:p>
         </p:txBody>
       </p:sp>
@@ -361,38 +363,37 @@
           <a:p>
             <a:pPr lvl="0"/>
             <a:r>
-              <a:rPr lang="zh-CN" altLang="en-US" smtClean="0"/>
+              <a:rPr lang="zh-CN" altLang="en-US"/>
               <a:t>单击此处编辑母版文本样式</a:t>
             </a:r>
           </a:p>
           <a:p>
             <a:pPr lvl="1"/>
             <a:r>
-              <a:rPr lang="zh-CN" altLang="en-US" smtClean="0"/>
+              <a:rPr lang="zh-CN" altLang="en-US"/>
               <a:t>第二级</a:t>
             </a:r>
           </a:p>
           <a:p>
             <a:pPr lvl="2"/>
             <a:r>
-              <a:rPr lang="zh-CN" altLang="en-US" smtClean="0"/>
+              <a:rPr lang="zh-CN" altLang="en-US"/>
               <a:t>第三级</a:t>
             </a:r>
           </a:p>
           <a:p>
             <a:pPr lvl="3"/>
             <a:r>
-              <a:rPr lang="zh-CN" altLang="en-US" smtClean="0"/>
+              <a:rPr lang="zh-CN" altLang="en-US"/>
               <a:t>第四级</a:t>
             </a:r>
           </a:p>
           <a:p>
             <a:pPr lvl="4"/>
             <a:r>
-              <a:rPr lang="zh-CN" altLang="en-US" smtClean="0"/>
+              <a:rPr lang="zh-CN" altLang="en-US"/>
               <a:t>第五级</a:t>
             </a:r>
-            <a:endParaRPr lang="zh-CN" altLang="en-US"/>
           </a:p>
         </p:txBody>
       </p:sp>
@@ -413,7 +414,7 @@
           <a:p>
             <a:fld id="{2B130BBF-9E1B-49D1-9CCE-036400BFFBC6}" type="datetimeFigureOut">
               <a:rPr lang="zh-CN" altLang="en-US" smtClean="0"/>
-              <a:t>2017/11/16</a:t>
+              <a:t>2017/11/19</a:t>
             </a:fld>
             <a:endParaRPr lang="zh-CN" altLang="en-US"/>
           </a:p>
@@ -512,10 +513,9 @@
           <a:lstStyle/>
           <a:p>
             <a:r>
-              <a:rPr lang="zh-CN" altLang="en-US" smtClean="0"/>
+              <a:rPr lang="zh-CN" altLang="en-US"/>
               <a:t>单击此处编辑母版标题样式</a:t>
             </a:r>
-            <a:endParaRPr lang="zh-CN" altLang="en-US"/>
           </a:p>
         </p:txBody>
       </p:sp>
@@ -541,38 +541,37 @@
           <a:p>
             <a:pPr lvl="0"/>
             <a:r>
-              <a:rPr lang="zh-CN" altLang="en-US" smtClean="0"/>
+              <a:rPr lang="zh-CN" altLang="en-US"/>
               <a:t>单击此处编辑母版文本样式</a:t>
             </a:r>
           </a:p>
           <a:p>
             <a:pPr lvl="1"/>
             <a:r>
-              <a:rPr lang="zh-CN" altLang="en-US" smtClean="0"/>
+              <a:rPr lang="zh-CN" altLang="en-US"/>
               <a:t>第二级</a:t>
             </a:r>
           </a:p>
           <a:p>
             <a:pPr lvl="2"/>
             <a:r>
-              <a:rPr lang="zh-CN" altLang="en-US" smtClean="0"/>
+              <a:rPr lang="zh-CN" altLang="en-US"/>
               <a:t>第三级</a:t>
             </a:r>
           </a:p>
           <a:p>
             <a:pPr lvl="3"/>
             <a:r>
-              <a:rPr lang="zh-CN" altLang="en-US" smtClean="0"/>
+              <a:rPr lang="zh-CN" altLang="en-US"/>
               <a:t>第四级</a:t>
             </a:r>
           </a:p>
           <a:p>
             <a:pPr lvl="4"/>
             <a:r>
-              <a:rPr lang="zh-CN" altLang="en-US" smtClean="0"/>
+              <a:rPr lang="zh-CN" altLang="en-US"/>
               <a:t>第五级</a:t>
             </a:r>
-            <a:endParaRPr lang="zh-CN" altLang="en-US"/>
           </a:p>
         </p:txBody>
       </p:sp>
@@ -593,7 +592,7 @@
           <a:p>
             <a:fld id="{2B130BBF-9E1B-49D1-9CCE-036400BFFBC6}" type="datetimeFigureOut">
               <a:rPr lang="zh-CN" altLang="en-US" smtClean="0"/>
-              <a:t>2017/11/16</a:t>
+              <a:t>2017/11/19</a:t>
             </a:fld>
             <a:endParaRPr lang="zh-CN" altLang="en-US"/>
           </a:p>
@@ -687,10 +686,9 @@
           <a:lstStyle/>
           <a:p>
             <a:r>
-              <a:rPr lang="zh-CN" altLang="en-US" smtClean="0"/>
+              <a:rPr lang="zh-CN" altLang="en-US"/>
               <a:t>单击此处编辑母版标题样式</a:t>
             </a:r>
-            <a:endParaRPr lang="zh-CN" altLang="en-US"/>
           </a:p>
         </p:txBody>
       </p:sp>
@@ -711,38 +709,37 @@
           <a:p>
             <a:pPr lvl="0"/>
             <a:r>
-              <a:rPr lang="zh-CN" altLang="en-US" smtClean="0"/>
+              <a:rPr lang="zh-CN" altLang="en-US"/>
               <a:t>单击此处编辑母版文本样式</a:t>
             </a:r>
           </a:p>
           <a:p>
             <a:pPr lvl="1"/>
             <a:r>
-              <a:rPr lang="zh-CN" altLang="en-US" smtClean="0"/>
+              <a:rPr lang="zh-CN" altLang="en-US"/>
               <a:t>第二级</a:t>
             </a:r>
           </a:p>
           <a:p>
             <a:pPr lvl="2"/>
             <a:r>
-              <a:rPr lang="zh-CN" altLang="en-US" smtClean="0"/>
+              <a:rPr lang="zh-CN" altLang="en-US"/>
               <a:t>第三级</a:t>
             </a:r>
           </a:p>
           <a:p>
             <a:pPr lvl="3"/>
             <a:r>
-              <a:rPr lang="zh-CN" altLang="en-US" smtClean="0"/>
+              <a:rPr lang="zh-CN" altLang="en-US"/>
               <a:t>第四级</a:t>
             </a:r>
           </a:p>
           <a:p>
             <a:pPr lvl="4"/>
             <a:r>
-              <a:rPr lang="zh-CN" altLang="en-US" smtClean="0"/>
+              <a:rPr lang="zh-CN" altLang="en-US"/>
               <a:t>第五级</a:t>
             </a:r>
-            <a:endParaRPr lang="zh-CN" altLang="en-US"/>
           </a:p>
         </p:txBody>
       </p:sp>
@@ -763,7 +760,7 @@
           <a:p>
             <a:fld id="{2B130BBF-9E1B-49D1-9CCE-036400BFFBC6}" type="datetimeFigureOut">
               <a:rPr lang="zh-CN" altLang="en-US" smtClean="0"/>
-              <a:t>2017/11/16</a:t>
+              <a:t>2017/11/19</a:t>
             </a:fld>
             <a:endParaRPr lang="zh-CN" altLang="en-US"/>
           </a:p>
@@ -866,10 +863,9 @@
           </a:lstStyle>
           <a:p>
             <a:r>
-              <a:rPr lang="zh-CN" altLang="en-US" smtClean="0"/>
+              <a:rPr lang="zh-CN" altLang="en-US"/>
               <a:t>单击此处编辑母版标题样式</a:t>
             </a:r>
-            <a:endParaRPr lang="zh-CN" altLang="en-US"/>
           </a:p>
         </p:txBody>
       </p:sp>
@@ -986,7 +982,7 @@
           <a:p>
             <a:pPr lvl="0"/>
             <a:r>
-              <a:rPr lang="zh-CN" altLang="en-US" smtClean="0"/>
+              <a:rPr lang="zh-CN" altLang="en-US"/>
               <a:t>单击此处编辑母版文本样式</a:t>
             </a:r>
           </a:p>
@@ -1009,7 +1005,7 @@
           <a:p>
             <a:fld id="{2B130BBF-9E1B-49D1-9CCE-036400BFFBC6}" type="datetimeFigureOut">
               <a:rPr lang="zh-CN" altLang="en-US" smtClean="0"/>
-              <a:t>2017/11/16</a:t>
+              <a:t>2017/11/19</a:t>
             </a:fld>
             <a:endParaRPr lang="zh-CN" altLang="en-US"/>
           </a:p>
@@ -1103,10 +1099,9 @@
           <a:lstStyle/>
           <a:p>
             <a:r>
-              <a:rPr lang="zh-CN" altLang="en-US" smtClean="0"/>
+              <a:rPr lang="zh-CN" altLang="en-US"/>
               <a:t>单击此处编辑母版标题样式</a:t>
             </a:r>
-            <a:endParaRPr lang="zh-CN" altLang="en-US"/>
           </a:p>
         </p:txBody>
       </p:sp>
@@ -1132,38 +1127,37 @@
           <a:p>
             <a:pPr lvl="0"/>
             <a:r>
-              <a:rPr lang="zh-CN" altLang="en-US" smtClean="0"/>
+              <a:rPr lang="zh-CN" altLang="en-US"/>
               <a:t>单击此处编辑母版文本样式</a:t>
             </a:r>
           </a:p>
           <a:p>
             <a:pPr lvl="1"/>
             <a:r>
-              <a:rPr lang="zh-CN" altLang="en-US" smtClean="0"/>
+              <a:rPr lang="zh-CN" altLang="en-US"/>
               <a:t>第二级</a:t>
             </a:r>
           </a:p>
           <a:p>
             <a:pPr lvl="2"/>
             <a:r>
-              <a:rPr lang="zh-CN" altLang="en-US" smtClean="0"/>
+              <a:rPr lang="zh-CN" altLang="en-US"/>
               <a:t>第三级</a:t>
             </a:r>
           </a:p>
           <a:p>
             <a:pPr lvl="3"/>
             <a:r>
-              <a:rPr lang="zh-CN" altLang="en-US" smtClean="0"/>
+              <a:rPr lang="zh-CN" altLang="en-US"/>
               <a:t>第四级</a:t>
             </a:r>
           </a:p>
           <a:p>
             <a:pPr lvl="4"/>
             <a:r>
-              <a:rPr lang="zh-CN" altLang="en-US" smtClean="0"/>
+              <a:rPr lang="zh-CN" altLang="en-US"/>
               <a:t>第五级</a:t>
             </a:r>
-            <a:endParaRPr lang="zh-CN" altLang="en-US"/>
           </a:p>
         </p:txBody>
       </p:sp>
@@ -1189,38 +1183,37 @@
           <a:p>
             <a:pPr lvl="0"/>
             <a:r>
-              <a:rPr lang="zh-CN" altLang="en-US" smtClean="0"/>
+              <a:rPr lang="zh-CN" altLang="en-US"/>
               <a:t>单击此处编辑母版文本样式</a:t>
             </a:r>
           </a:p>
           <a:p>
             <a:pPr lvl="1"/>
             <a:r>
-              <a:rPr lang="zh-CN" altLang="en-US" smtClean="0"/>
+              <a:rPr lang="zh-CN" altLang="en-US"/>
               <a:t>第二级</a:t>
             </a:r>
           </a:p>
           <a:p>
             <a:pPr lvl="2"/>
             <a:r>
-              <a:rPr lang="zh-CN" altLang="en-US" smtClean="0"/>
+              <a:rPr lang="zh-CN" altLang="en-US"/>
               <a:t>第三级</a:t>
             </a:r>
           </a:p>
           <a:p>
             <a:pPr lvl="3"/>
             <a:r>
-              <a:rPr lang="zh-CN" altLang="en-US" smtClean="0"/>
+              <a:rPr lang="zh-CN" altLang="en-US"/>
               <a:t>第四级</a:t>
             </a:r>
           </a:p>
           <a:p>
             <a:pPr lvl="4"/>
             <a:r>
-              <a:rPr lang="zh-CN" altLang="en-US" smtClean="0"/>
+              <a:rPr lang="zh-CN" altLang="en-US"/>
               <a:t>第五级</a:t>
             </a:r>
-            <a:endParaRPr lang="zh-CN" altLang="en-US"/>
           </a:p>
         </p:txBody>
       </p:sp>
@@ -1241,7 +1234,7 @@
           <a:p>
             <a:fld id="{2B130BBF-9E1B-49D1-9CCE-036400BFFBC6}" type="datetimeFigureOut">
               <a:rPr lang="zh-CN" altLang="en-US" smtClean="0"/>
-              <a:t>2017/11/16</a:t>
+              <a:t>2017/11/19</a:t>
             </a:fld>
             <a:endParaRPr lang="zh-CN" altLang="en-US"/>
           </a:p>
@@ -1340,10 +1333,9 @@
           <a:lstStyle/>
           <a:p>
             <a:r>
-              <a:rPr lang="zh-CN" altLang="en-US" smtClean="0"/>
+              <a:rPr lang="zh-CN" altLang="en-US"/>
               <a:t>单击此处编辑母版标题样式</a:t>
             </a:r>
-            <a:endParaRPr lang="zh-CN" altLang="en-US"/>
           </a:p>
         </p:txBody>
       </p:sp>
@@ -1406,7 +1398,7 @@
           <a:p>
             <a:pPr lvl="0"/>
             <a:r>
-              <a:rPr lang="zh-CN" altLang="en-US" smtClean="0"/>
+              <a:rPr lang="zh-CN" altLang="en-US"/>
               <a:t>单击此处编辑母版文本样式</a:t>
             </a:r>
           </a:p>
@@ -1434,38 +1426,37 @@
           <a:p>
             <a:pPr lvl="0"/>
             <a:r>
-              <a:rPr lang="zh-CN" altLang="en-US" smtClean="0"/>
+              <a:rPr lang="zh-CN" altLang="en-US"/>
               <a:t>单击此处编辑母版文本样式</a:t>
             </a:r>
           </a:p>
           <a:p>
             <a:pPr lvl="1"/>
             <a:r>
-              <a:rPr lang="zh-CN" altLang="en-US" smtClean="0"/>
+              <a:rPr lang="zh-CN" altLang="en-US"/>
               <a:t>第二级</a:t>
             </a:r>
           </a:p>
           <a:p>
             <a:pPr lvl="2"/>
             <a:r>
-              <a:rPr lang="zh-CN" altLang="en-US" smtClean="0"/>
+              <a:rPr lang="zh-CN" altLang="en-US"/>
               <a:t>第三级</a:t>
             </a:r>
           </a:p>
           <a:p>
             <a:pPr lvl="3"/>
             <a:r>
-              <a:rPr lang="zh-CN" altLang="en-US" smtClean="0"/>
+              <a:rPr lang="zh-CN" altLang="en-US"/>
               <a:t>第四级</a:t>
             </a:r>
           </a:p>
           <a:p>
             <a:pPr lvl="4"/>
             <a:r>
-              <a:rPr lang="zh-CN" altLang="en-US" smtClean="0"/>
+              <a:rPr lang="zh-CN" altLang="en-US"/>
               <a:t>第五级</a:t>
             </a:r>
-            <a:endParaRPr lang="zh-CN" altLang="en-US"/>
           </a:p>
         </p:txBody>
       </p:sp>
@@ -1528,7 +1519,7 @@
           <a:p>
             <a:pPr lvl="0"/>
             <a:r>
-              <a:rPr lang="zh-CN" altLang="en-US" smtClean="0"/>
+              <a:rPr lang="zh-CN" altLang="en-US"/>
               <a:t>单击此处编辑母版文本样式</a:t>
             </a:r>
           </a:p>
@@ -1556,38 +1547,37 @@
           <a:p>
             <a:pPr lvl="0"/>
             <a:r>
-              <a:rPr lang="zh-CN" altLang="en-US" smtClean="0"/>
+              <a:rPr lang="zh-CN" altLang="en-US"/>
               <a:t>单击此处编辑母版文本样式</a:t>
             </a:r>
           </a:p>
           <a:p>
             <a:pPr lvl="1"/>
             <a:r>
-              <a:rPr lang="zh-CN" altLang="en-US" smtClean="0"/>
+              <a:rPr lang="zh-CN" altLang="en-US"/>
               <a:t>第二级</a:t>
             </a:r>
           </a:p>
           <a:p>
             <a:pPr lvl="2"/>
             <a:r>
-              <a:rPr lang="zh-CN" altLang="en-US" smtClean="0"/>
+              <a:rPr lang="zh-CN" altLang="en-US"/>
               <a:t>第三级</a:t>
             </a:r>
           </a:p>
           <a:p>
             <a:pPr lvl="3"/>
             <a:r>
-              <a:rPr lang="zh-CN" altLang="en-US" smtClean="0"/>
+              <a:rPr lang="zh-CN" altLang="en-US"/>
               <a:t>第四级</a:t>
             </a:r>
           </a:p>
           <a:p>
             <a:pPr lvl="4"/>
             <a:r>
-              <a:rPr lang="zh-CN" altLang="en-US" smtClean="0"/>
+              <a:rPr lang="zh-CN" altLang="en-US"/>
               <a:t>第五级</a:t>
             </a:r>
-            <a:endParaRPr lang="zh-CN" altLang="en-US"/>
           </a:p>
         </p:txBody>
       </p:sp>
@@ -1608,7 +1598,7 @@
           <a:p>
             <a:fld id="{2B130BBF-9E1B-49D1-9CCE-036400BFFBC6}" type="datetimeFigureOut">
               <a:rPr lang="zh-CN" altLang="en-US" smtClean="0"/>
-              <a:t>2017/11/16</a:t>
+              <a:t>2017/11/19</a:t>
             </a:fld>
             <a:endParaRPr lang="zh-CN" altLang="en-US"/>
           </a:p>
@@ -1702,10 +1692,9 @@
           <a:lstStyle/>
           <a:p>
             <a:r>
-              <a:rPr lang="zh-CN" altLang="en-US" smtClean="0"/>
+              <a:rPr lang="zh-CN" altLang="en-US"/>
               <a:t>单击此处编辑母版标题样式</a:t>
             </a:r>
-            <a:endParaRPr lang="zh-CN" altLang="en-US"/>
           </a:p>
         </p:txBody>
       </p:sp>
@@ -1726,7 +1715,7 @@
           <a:p>
             <a:fld id="{2B130BBF-9E1B-49D1-9CCE-036400BFFBC6}" type="datetimeFigureOut">
               <a:rPr lang="zh-CN" altLang="en-US" smtClean="0"/>
-              <a:t>2017/11/16</a:t>
+              <a:t>2017/11/19</a:t>
             </a:fld>
             <a:endParaRPr lang="zh-CN" altLang="en-US"/>
           </a:p>
@@ -1821,7 +1810,7 @@
           <a:p>
             <a:fld id="{2B130BBF-9E1B-49D1-9CCE-036400BFFBC6}" type="datetimeFigureOut">
               <a:rPr lang="zh-CN" altLang="en-US" smtClean="0"/>
-              <a:t>2017/11/16</a:t>
+              <a:t>2017/11/19</a:t>
             </a:fld>
             <a:endParaRPr lang="zh-CN" altLang="en-US"/>
           </a:p>
@@ -1924,10 +1913,9 @@
           </a:lstStyle>
           <a:p>
             <a:r>
-              <a:rPr lang="zh-CN" altLang="en-US" smtClean="0"/>
+              <a:rPr lang="zh-CN" altLang="en-US"/>
               <a:t>单击此处编辑母版标题样式</a:t>
             </a:r>
-            <a:endParaRPr lang="zh-CN" altLang="en-US"/>
           </a:p>
         </p:txBody>
       </p:sp>
@@ -1981,38 +1969,37 @@
           <a:p>
             <a:pPr lvl="0"/>
             <a:r>
-              <a:rPr lang="zh-CN" altLang="en-US" smtClean="0"/>
+              <a:rPr lang="zh-CN" altLang="en-US"/>
               <a:t>单击此处编辑母版文本样式</a:t>
             </a:r>
           </a:p>
           <a:p>
             <a:pPr lvl="1"/>
             <a:r>
-              <a:rPr lang="zh-CN" altLang="en-US" smtClean="0"/>
+              <a:rPr lang="zh-CN" altLang="en-US"/>
               <a:t>第二级</a:t>
             </a:r>
           </a:p>
           <a:p>
             <a:pPr lvl="2"/>
             <a:r>
-              <a:rPr lang="zh-CN" altLang="en-US" smtClean="0"/>
+              <a:rPr lang="zh-CN" altLang="en-US"/>
               <a:t>第三级</a:t>
             </a:r>
           </a:p>
           <a:p>
             <a:pPr lvl="3"/>
             <a:r>
-              <a:rPr lang="zh-CN" altLang="en-US" smtClean="0"/>
+              <a:rPr lang="zh-CN" altLang="en-US"/>
               <a:t>第四级</a:t>
             </a:r>
           </a:p>
           <a:p>
             <a:pPr lvl="4"/>
             <a:r>
-              <a:rPr lang="zh-CN" altLang="en-US" smtClean="0"/>
+              <a:rPr lang="zh-CN" altLang="en-US"/>
               <a:t>第五级</a:t>
             </a:r>
-            <a:endParaRPr lang="zh-CN" altLang="en-US"/>
           </a:p>
         </p:txBody>
       </p:sp>
@@ -2075,7 +2062,7 @@
           <a:p>
             <a:pPr lvl="0"/>
             <a:r>
-              <a:rPr lang="zh-CN" altLang="en-US" smtClean="0"/>
+              <a:rPr lang="zh-CN" altLang="en-US"/>
               <a:t>单击此处编辑母版文本样式</a:t>
             </a:r>
           </a:p>
@@ -2098,7 +2085,7 @@
           <a:p>
             <a:fld id="{2B130BBF-9E1B-49D1-9CCE-036400BFFBC6}" type="datetimeFigureOut">
               <a:rPr lang="zh-CN" altLang="en-US" smtClean="0"/>
-              <a:t>2017/11/16</a:t>
+              <a:t>2017/11/19</a:t>
             </a:fld>
             <a:endParaRPr lang="zh-CN" altLang="en-US"/>
           </a:p>
@@ -2201,10 +2188,9 @@
           </a:lstStyle>
           <a:p>
             <a:r>
-              <a:rPr lang="zh-CN" altLang="en-US" smtClean="0"/>
+              <a:rPr lang="zh-CN" altLang="en-US"/>
               <a:t>单击此处编辑母版标题样式</a:t>
             </a:r>
-            <a:endParaRPr lang="zh-CN" altLang="en-US"/>
           </a:p>
         </p:txBody>
       </p:sp>
@@ -2328,7 +2314,7 @@
           <a:p>
             <a:pPr lvl="0"/>
             <a:r>
-              <a:rPr lang="zh-CN" altLang="en-US" smtClean="0"/>
+              <a:rPr lang="zh-CN" altLang="en-US"/>
               <a:t>单击此处编辑母版文本样式</a:t>
             </a:r>
           </a:p>
@@ -2351,7 +2337,7 @@
           <a:p>
             <a:fld id="{2B130BBF-9E1B-49D1-9CCE-036400BFFBC6}" type="datetimeFigureOut">
               <a:rPr lang="zh-CN" altLang="en-US" smtClean="0"/>
-              <a:t>2017/11/16</a:t>
+              <a:t>2017/11/19</a:t>
             </a:fld>
             <a:endParaRPr lang="zh-CN" altLang="en-US"/>
           </a:p>
@@ -2460,10 +2446,9 @@
           <a:lstStyle/>
           <a:p>
             <a:r>
-              <a:rPr lang="zh-CN" altLang="en-US" smtClean="0"/>
+              <a:rPr lang="zh-CN" altLang="en-US"/>
               <a:t>单击此处编辑母版标题样式</a:t>
             </a:r>
-            <a:endParaRPr lang="zh-CN" altLang="en-US"/>
           </a:p>
         </p:txBody>
       </p:sp>
@@ -2494,38 +2479,37 @@
           <a:p>
             <a:pPr lvl="0"/>
             <a:r>
-              <a:rPr lang="zh-CN" altLang="en-US" smtClean="0"/>
+              <a:rPr lang="zh-CN" altLang="en-US"/>
               <a:t>单击此处编辑母版文本样式</a:t>
             </a:r>
           </a:p>
           <a:p>
             <a:pPr lvl="1"/>
             <a:r>
-              <a:rPr lang="zh-CN" altLang="en-US" smtClean="0"/>
+              <a:rPr lang="zh-CN" altLang="en-US"/>
               <a:t>第二级</a:t>
             </a:r>
           </a:p>
           <a:p>
             <a:pPr lvl="2"/>
             <a:r>
-              <a:rPr lang="zh-CN" altLang="en-US" smtClean="0"/>
+              <a:rPr lang="zh-CN" altLang="en-US"/>
               <a:t>第三级</a:t>
             </a:r>
           </a:p>
           <a:p>
             <a:pPr lvl="3"/>
             <a:r>
-              <a:rPr lang="zh-CN" altLang="en-US" smtClean="0"/>
+              <a:rPr lang="zh-CN" altLang="en-US"/>
               <a:t>第四级</a:t>
             </a:r>
           </a:p>
           <a:p>
             <a:pPr lvl="4"/>
             <a:r>
-              <a:rPr lang="zh-CN" altLang="en-US" smtClean="0"/>
+              <a:rPr lang="zh-CN" altLang="en-US"/>
               <a:t>第五级</a:t>
             </a:r>
-            <a:endParaRPr lang="zh-CN" altLang="en-US"/>
           </a:p>
         </p:txBody>
       </p:sp>
@@ -2564,7 +2548,7 @@
           <a:p>
             <a:fld id="{2B130BBF-9E1B-49D1-9CCE-036400BFFBC6}" type="datetimeFigureOut">
               <a:rPr lang="zh-CN" altLang="en-US" smtClean="0"/>
-              <a:t>2017/11/16</a:t>
+              <a:t>2017/11/19</a:t>
             </a:fld>
             <a:endParaRPr lang="zh-CN" altLang="en-US"/>
           </a:p>
@@ -2985,7 +2969,7 @@
         </p:blipFill>
         <p:spPr>
           <a:xfrm>
-            <a:off x="1549803" y="1190948"/>
+            <a:off x="1882300" y="1523452"/>
             <a:ext cx="8181950" cy="4421083"/>
           </a:xfrm>
           <a:prstGeom prst="rect">
@@ -3001,7 +2985,7 @@
         </p:nvSpPr>
         <p:spPr>
           <a:xfrm>
-            <a:off x="3035197" y="1457850"/>
+            <a:off x="3367694" y="1790354"/>
             <a:ext cx="1082098" cy="183915"/>
           </a:xfrm>
           <a:prstGeom prst="rect">
@@ -3047,7 +3031,7 @@
         </p:nvSpPr>
         <p:spPr>
           <a:xfrm>
-            <a:off x="6526140" y="1457849"/>
+            <a:off x="6858637" y="1790353"/>
             <a:ext cx="1091242" cy="183915"/>
           </a:xfrm>
           <a:prstGeom prst="rect">
@@ -3093,7 +3077,7 @@
         </p:nvSpPr>
         <p:spPr>
           <a:xfrm>
-            <a:off x="4171054" y="1457850"/>
+            <a:off x="4503551" y="1790354"/>
             <a:ext cx="1091242" cy="183915"/>
           </a:xfrm>
           <a:prstGeom prst="rect">
@@ -3139,7 +3123,7 @@
         </p:nvSpPr>
         <p:spPr>
           <a:xfrm>
-            <a:off x="5384158" y="1457850"/>
+            <a:off x="5716655" y="1790354"/>
             <a:ext cx="1091242" cy="183915"/>
           </a:xfrm>
           <a:prstGeom prst="rect">
@@ -3185,7 +3169,7 @@
         </p:nvSpPr>
         <p:spPr>
           <a:xfrm>
-            <a:off x="4754203" y="1869127"/>
+            <a:off x="5086700" y="2201631"/>
             <a:ext cx="508092" cy="170159"/>
           </a:xfrm>
           <a:prstGeom prst="rect">
@@ -3231,7 +3215,7 @@
         </p:nvSpPr>
         <p:spPr>
           <a:xfrm>
-            <a:off x="5384158" y="2062452"/>
+            <a:off x="5716655" y="2394956"/>
             <a:ext cx="2233224" cy="178238"/>
           </a:xfrm>
           <a:prstGeom prst="rect">
@@ -3277,7 +3261,7 @@
         </p:nvSpPr>
         <p:spPr>
           <a:xfrm>
-            <a:off x="5384158" y="1868613"/>
+            <a:off x="5716655" y="2201117"/>
             <a:ext cx="545621" cy="170673"/>
           </a:xfrm>
           <a:prstGeom prst="rect">
@@ -3323,7 +3307,7 @@
         </p:nvSpPr>
         <p:spPr>
           <a:xfrm>
-            <a:off x="3625433" y="1873505"/>
+            <a:off x="3957930" y="2206009"/>
             <a:ext cx="1021383" cy="165781"/>
           </a:xfrm>
           <a:prstGeom prst="rect">
@@ -3369,7 +3353,7 @@
         </p:nvSpPr>
         <p:spPr>
           <a:xfrm>
-            <a:off x="3035196" y="1669344"/>
+            <a:off x="3367693" y="2001848"/>
             <a:ext cx="2227099" cy="166762"/>
           </a:xfrm>
           <a:prstGeom prst="rect">
@@ -3415,7 +3399,7 @@
         </p:nvSpPr>
         <p:spPr>
           <a:xfrm>
-            <a:off x="3030625" y="1870743"/>
+            <a:off x="3363122" y="2203247"/>
             <a:ext cx="545621" cy="168543"/>
           </a:xfrm>
           <a:prstGeom prst="rect">
@@ -3461,7 +3445,7 @@
         </p:nvSpPr>
         <p:spPr>
           <a:xfrm>
-            <a:off x="5384158" y="1669345"/>
+            <a:off x="5716655" y="2001849"/>
             <a:ext cx="545621" cy="166762"/>
           </a:xfrm>
           <a:prstGeom prst="rect">
@@ -3507,7 +3491,7 @@
         </p:nvSpPr>
         <p:spPr>
           <a:xfrm>
-            <a:off x="5975440" y="1669345"/>
+            <a:off x="6307937" y="2001849"/>
             <a:ext cx="1641942" cy="166761"/>
           </a:xfrm>
           <a:prstGeom prst="rect">
@@ -3556,7 +3540,7 @@
         </p:nvCxnSpPr>
         <p:spPr>
           <a:xfrm flipH="1" flipV="1">
-            <a:off x="3064046" y="1022965"/>
+            <a:off x="3396543" y="1355469"/>
             <a:ext cx="1652629" cy="434885"/>
           </a:xfrm>
           <a:prstGeom prst="straightConnector1">
@@ -3595,7 +3579,7 @@
         </p:nvCxnSpPr>
         <p:spPr>
           <a:xfrm flipH="1" flipV="1">
-            <a:off x="5850217" y="1020275"/>
+            <a:off x="6182714" y="1352779"/>
             <a:ext cx="79562" cy="437575"/>
           </a:xfrm>
           <a:prstGeom prst="straightConnector1">
@@ -3634,7 +3618,7 @@
         </p:nvCxnSpPr>
         <p:spPr>
           <a:xfrm flipV="1">
-            <a:off x="7071761" y="1017770"/>
+            <a:off x="7404258" y="1350274"/>
             <a:ext cx="74139" cy="440079"/>
           </a:xfrm>
           <a:prstGeom prst="straightConnector1">
@@ -3673,8 +3657,8 @@
         </p:nvCxnSpPr>
         <p:spPr>
           <a:xfrm flipH="1">
-            <a:off x="1859621" y="1955015"/>
-            <a:ext cx="1171004" cy="169782"/>
+            <a:off x="2174188" y="2287519"/>
+            <a:ext cx="1188934" cy="169782"/>
           </a:xfrm>
           <a:prstGeom prst="straightConnector1">
             <a:avLst/>
@@ -3712,7 +3696,7 @@
         </p:nvCxnSpPr>
         <p:spPr>
           <a:xfrm flipH="1" flipV="1">
-            <a:off x="1707222" y="1540201"/>
+            <a:off x="2039719" y="1872705"/>
             <a:ext cx="1327974" cy="212524"/>
           </a:xfrm>
           <a:prstGeom prst="straightConnector1">
@@ -3751,7 +3735,7 @@
         </p:nvCxnSpPr>
         <p:spPr>
           <a:xfrm flipH="1" flipV="1">
-            <a:off x="5168336" y="621727"/>
+            <a:off x="5500833" y="954231"/>
             <a:ext cx="488633" cy="1246886"/>
           </a:xfrm>
           <a:prstGeom prst="straightConnector1">
@@ -3790,7 +3774,7 @@
         </p:nvCxnSpPr>
         <p:spPr>
           <a:xfrm flipH="1" flipV="1">
-            <a:off x="4606042" y="1022965"/>
+            <a:off x="4938539" y="1355469"/>
             <a:ext cx="1050927" cy="646380"/>
           </a:xfrm>
           <a:prstGeom prst="straightConnector1">
@@ -3829,8 +3813,8 @@
         </p:nvCxnSpPr>
         <p:spPr>
           <a:xfrm flipH="1">
-            <a:off x="1274862" y="2039286"/>
-            <a:ext cx="2861263" cy="553576"/>
+            <a:off x="1598394" y="2371790"/>
+            <a:ext cx="2870228" cy="553576"/>
           </a:xfrm>
           <a:prstGeom prst="straightConnector1">
             <a:avLst/>
@@ -3865,7 +3849,7 @@
         </p:nvCxnSpPr>
         <p:spPr>
           <a:xfrm flipV="1">
-            <a:off x="10115319" y="4324005"/>
+            <a:off x="10447816" y="4656509"/>
             <a:ext cx="31464" cy="649886"/>
           </a:xfrm>
           <a:prstGeom prst="straightConnector1">
@@ -3904,7 +3888,7 @@
         </p:nvCxnSpPr>
         <p:spPr>
           <a:xfrm flipH="1" flipV="1">
-            <a:off x="1509728" y="1044491"/>
+            <a:off x="1842225" y="1376995"/>
             <a:ext cx="2066518" cy="413359"/>
           </a:xfrm>
           <a:prstGeom prst="straightConnector1">
@@ -3940,7 +3924,7 @@
         </p:nvSpPr>
         <p:spPr>
           <a:xfrm>
-            <a:off x="946112" y="767492"/>
+            <a:off x="1278609" y="1099996"/>
             <a:ext cx="1127232" cy="276999"/>
           </a:xfrm>
           <a:prstGeom prst="rect">
@@ -3955,7 +3939,7 @@
           <a:lstStyle/>
           <a:p>
             <a:r>
-              <a:rPr lang="en-US" altLang="zh-CN" sz="1100" b="1" smtClean="0">
+              <a:rPr lang="en-US" altLang="zh-CN" sz="1100" b="1" dirty="0">
                 <a:solidFill>
                   <a:srgbClr val="FF0000"/>
                 </a:solidFill>
@@ -3965,7 +3949,7 @@
               <a:t>checksum(4</a:t>
             </a:r>
             <a:r>
-              <a:rPr lang="en-US" altLang="zh-CN" sz="1200" b="1" smtClean="0">
+              <a:rPr lang="en-US" altLang="zh-CN" sz="1200" b="1" dirty="0">
                 <a:solidFill>
                   <a:srgbClr val="FF0000"/>
                 </a:solidFill>
@@ -3974,7 +3958,7 @@
               </a:rPr>
               <a:t>)</a:t>
             </a:r>
-            <a:endParaRPr lang="zh-CN" altLang="en-US" sz="1200" b="1">
+            <a:endParaRPr lang="zh-CN" altLang="en-US" sz="1200" b="1" dirty="0">
               <a:solidFill>
                 <a:srgbClr val="FF0000"/>
               </a:solidFill>
@@ -3992,7 +3976,7 @@
         </p:nvSpPr>
         <p:spPr>
           <a:xfrm>
-            <a:off x="5277784" y="758665"/>
+            <a:off x="5610281" y="1091169"/>
             <a:ext cx="1144865" cy="261610"/>
           </a:xfrm>
           <a:prstGeom prst="rect">
@@ -4007,7 +3991,7 @@
           <a:lstStyle/>
           <a:p>
             <a:r>
-              <a:rPr lang="zh-CN" altLang="en-US" sz="1100" b="1" smtClean="0">
+              <a:rPr lang="zh-CN" altLang="en-US" sz="1100" b="1">
                 <a:solidFill>
                   <a:srgbClr val="FF0000"/>
                 </a:solidFill>
@@ -4018,7 +4002,7 @@
               <a:t>上一页地址</a:t>
             </a:r>
             <a:r>
-              <a:rPr lang="en-US" altLang="zh-CN" sz="1100" b="1" smtClean="0">
+              <a:rPr lang="en-US" altLang="zh-CN" sz="1100" b="1">
                 <a:solidFill>
                   <a:srgbClr val="FF0000"/>
                 </a:solidFill>
@@ -4047,7 +4031,7 @@
         </p:nvSpPr>
         <p:spPr>
           <a:xfrm>
-            <a:off x="2209485" y="761355"/>
+            <a:off x="2541982" y="1093859"/>
             <a:ext cx="1709122" cy="261610"/>
           </a:xfrm>
           <a:prstGeom prst="rect">
@@ -4070,21 +4054,10 @@
                 <a:ea typeface="微软雅黑" panose="020B0503020204020204" pitchFamily="34" charset="-122"/>
                 <a:cs typeface="Courier New" panose="02070309020205020404" pitchFamily="49" charset="0"/>
               </a:rPr>
-              <a:t>表</a:t>
-            </a:r>
-            <a:r>
-              <a:rPr lang="zh-CN" altLang="en-US" sz="1100" b="1" smtClean="0">
-                <a:solidFill>
-                  <a:srgbClr val="FF0000"/>
-                </a:solidFill>
-                <a:latin typeface="Courier New" panose="02070309020205020404" pitchFamily="49" charset="0"/>
-                <a:ea typeface="微软雅黑" panose="020B0503020204020204" pitchFamily="34" charset="-122"/>
-                <a:cs typeface="Courier New" panose="02070309020205020404" pitchFamily="49" charset="0"/>
-              </a:rPr>
-              <a:t>空间中页的偏移量</a:t>
-            </a:r>
-            <a:r>
-              <a:rPr lang="en-US" altLang="zh-CN" sz="1100" b="1" smtClean="0">
+              <a:t>表空间中页的偏移量</a:t>
+            </a:r>
+            <a:r>
+              <a:rPr lang="en-US" altLang="zh-CN" sz="1100" b="1">
                 <a:solidFill>
                   <a:srgbClr val="FF0000"/>
                 </a:solidFill>
@@ -4113,7 +4086,7 @@
         </p:nvSpPr>
         <p:spPr>
           <a:xfrm>
-            <a:off x="6573467" y="756160"/>
+            <a:off x="6905964" y="1088664"/>
             <a:ext cx="1144865" cy="261610"/>
           </a:xfrm>
           <a:prstGeom prst="rect">
@@ -4128,7 +4101,7 @@
           <a:lstStyle/>
           <a:p>
             <a:r>
-              <a:rPr lang="zh-CN" altLang="en-US" sz="1100" b="1" smtClean="0">
+              <a:rPr lang="zh-CN" altLang="en-US" sz="1100" b="1">
                 <a:solidFill>
                   <a:srgbClr val="FF0000"/>
                 </a:solidFill>
@@ -4139,7 +4112,7 @@
               <a:t>下一页地址</a:t>
             </a:r>
             <a:r>
-              <a:rPr lang="en-US" altLang="zh-CN" sz="1100" b="1" smtClean="0">
+              <a:rPr lang="en-US" altLang="zh-CN" sz="1100" b="1">
                 <a:solidFill>
                   <a:srgbClr val="FF0000"/>
                 </a:solidFill>
@@ -4168,7 +4141,7 @@
         </p:nvSpPr>
         <p:spPr>
           <a:xfrm>
-            <a:off x="7017166" y="310635"/>
+            <a:off x="7349663" y="643139"/>
             <a:ext cx="1991251" cy="261610"/>
           </a:xfrm>
           <a:prstGeom prst="rect">
@@ -4191,21 +4164,10 @@
                 <a:ea typeface="微软雅黑" panose="020B0503020204020204" pitchFamily="34" charset="-122"/>
                 <a:cs typeface="Courier New" panose="02070309020205020404" pitchFamily="49" charset="0"/>
               </a:rPr>
-              <a:t>可</a:t>
-            </a:r>
-            <a:r>
-              <a:rPr lang="zh-CN" altLang="en-US" sz="1100" b="1" smtClean="0">
-                <a:solidFill>
-                  <a:srgbClr val="0070C0"/>
-                </a:solidFill>
-                <a:latin typeface="Courier New" panose="02070309020205020404" pitchFamily="49" charset="0"/>
-                <a:ea typeface="微软雅黑" panose="020B0503020204020204" pitchFamily="34" charset="-122"/>
-                <a:cs typeface="Courier New" panose="02070309020205020404" pitchFamily="49" charset="0"/>
-              </a:rPr>
-              <a:t>重用空间的首地址指针</a:t>
-            </a:r>
-            <a:r>
-              <a:rPr lang="en-US" altLang="zh-CN" sz="1100" b="1" smtClean="0">
+              <a:t>可重用空间的首地址指针</a:t>
+            </a:r>
+            <a:r>
+              <a:rPr lang="en-US" altLang="zh-CN" sz="1100" b="1">
                 <a:solidFill>
                   <a:srgbClr val="0070C0"/>
                 </a:solidFill>
@@ -4234,7 +4196,7 @@
         </p:nvSpPr>
         <p:spPr>
           <a:xfrm>
-            <a:off x="4515872" y="190840"/>
+            <a:off x="4848369" y="523344"/>
             <a:ext cx="1304927" cy="430887"/>
           </a:xfrm>
           <a:prstGeom prst="rect">
@@ -4257,21 +4219,10 @@
                 <a:ea typeface="微软雅黑" panose="020B0503020204020204" pitchFamily="34" charset="-122"/>
                 <a:cs typeface="Courier New" panose="02070309020205020404" pitchFamily="49" charset="0"/>
               </a:rPr>
-              <a:t>堆</a:t>
-            </a:r>
-            <a:r>
-              <a:rPr lang="zh-CN" altLang="en-US" sz="1100" b="1" smtClean="0">
-                <a:solidFill>
-                  <a:srgbClr val="0070C0"/>
-                </a:solidFill>
-                <a:latin typeface="Courier New" panose="02070309020205020404" pitchFamily="49" charset="0"/>
-                <a:ea typeface="微软雅黑" panose="020B0503020204020204" pitchFamily="34" charset="-122"/>
-                <a:cs typeface="Courier New" panose="02070309020205020404" pitchFamily="49" charset="0"/>
-              </a:rPr>
-              <a:t>中第一个空闲空间开始指针</a:t>
-            </a:r>
-            <a:r>
-              <a:rPr lang="en-US" altLang="zh-CN" sz="1100" b="1" smtClean="0">
+              <a:t>堆中第一个空闲空间开始指针</a:t>
+            </a:r>
+            <a:r>
+              <a:rPr lang="en-US" altLang="zh-CN" sz="1100" b="1">
                 <a:solidFill>
                   <a:srgbClr val="0070C0"/>
                 </a:solidFill>
@@ -4300,7 +4251,7 @@
         </p:nvSpPr>
         <p:spPr>
           <a:xfrm>
-            <a:off x="3234195" y="317985"/>
+            <a:off x="3566692" y="650489"/>
             <a:ext cx="1343638" cy="261610"/>
           </a:xfrm>
           <a:prstGeom prst="rect">
@@ -4323,21 +4274,10 @@
                 <a:ea typeface="微软雅黑" panose="020B0503020204020204" pitchFamily="34" charset="-122"/>
                 <a:cs typeface="Courier New" panose="02070309020205020404" pitchFamily="49" charset="0"/>
               </a:rPr>
-              <a:t>页</a:t>
-            </a:r>
-            <a:r>
-              <a:rPr lang="zh-CN" altLang="en-US" sz="1100" b="1" smtClean="0">
-                <a:solidFill>
-                  <a:srgbClr val="0070C0"/>
-                </a:solidFill>
-                <a:latin typeface="Courier New" panose="02070309020205020404" pitchFamily="49" charset="0"/>
-                <a:ea typeface="微软雅黑" panose="020B0503020204020204" pitchFamily="34" charset="-122"/>
-                <a:cs typeface="Courier New" panose="02070309020205020404" pitchFamily="49" charset="0"/>
-              </a:rPr>
-              <a:t>目录</a:t>
-            </a:r>
-            <a:r>
-              <a:rPr lang="en-US" altLang="zh-CN" sz="1100" b="1" smtClean="0">
+              <a:t>页目录</a:t>
+            </a:r>
+            <a:r>
+              <a:rPr lang="en-US" altLang="zh-CN" sz="1100" b="1">
                 <a:solidFill>
                   <a:srgbClr val="0070C0"/>
                 </a:solidFill>
@@ -4348,7 +4288,7 @@
               <a:t>Slot</a:t>
             </a:r>
             <a:r>
-              <a:rPr lang="zh-CN" altLang="en-US" sz="1100" b="1" smtClean="0">
+              <a:rPr lang="zh-CN" altLang="en-US" sz="1100" b="1">
                 <a:solidFill>
                   <a:srgbClr val="0070C0"/>
                 </a:solidFill>
@@ -4359,7 +4299,7 @@
               <a:t>数</a:t>
             </a:r>
             <a:r>
-              <a:rPr lang="en-US" altLang="zh-CN" sz="1100" b="1" smtClean="0">
+              <a:rPr lang="en-US" altLang="zh-CN" sz="1100" b="1">
                 <a:solidFill>
                   <a:srgbClr val="0070C0"/>
                 </a:solidFill>
@@ -4388,7 +4328,7 @@
         </p:nvSpPr>
         <p:spPr>
           <a:xfrm>
-            <a:off x="827724" y="1824715"/>
+            <a:off x="1142291" y="2157219"/>
             <a:ext cx="1031897" cy="600164"/>
           </a:xfrm>
           <a:prstGeom prst="rect">
@@ -4403,7 +4343,7 @@
           <a:lstStyle/>
           <a:p>
             <a:r>
-              <a:rPr lang="zh-CN" altLang="en-US" sz="1100" b="1" smtClean="0">
+              <a:rPr lang="zh-CN" altLang="en-US" sz="1100" b="1" dirty="0">
                 <a:solidFill>
                   <a:srgbClr val="FF0000"/>
                 </a:solidFill>
@@ -4414,7 +4354,7 @@
               <a:t>系统表空间中定义，独立表空间都为</a:t>
             </a:r>
             <a:r>
-              <a:rPr lang="en-US" altLang="zh-CN" sz="1100" b="1" smtClean="0">
+              <a:rPr lang="en-US" altLang="zh-CN" sz="1100" b="1" dirty="0">
                 <a:solidFill>
                   <a:srgbClr val="FF0000"/>
                 </a:solidFill>
@@ -4424,6 +4364,116 @@
               </a:rPr>
               <a:t>0(8)</a:t>
             </a:r>
+            <a:endParaRPr lang="zh-CN" altLang="en-US" sz="1100" b="1" dirty="0">
+              <a:solidFill>
+                <a:srgbClr val="FF0000"/>
+              </a:solidFill>
+              <a:latin typeface="Courier New" panose="02070309020205020404" pitchFamily="49" charset="0"/>
+              <a:ea typeface="微软雅黑" panose="020B0503020204020204" pitchFamily="34" charset="-122"/>
+              <a:cs typeface="Courier New" panose="02070309020205020404" pitchFamily="49" charset="0"/>
+            </a:endParaRPr>
+          </a:p>
+        </p:txBody>
+      </p:sp>
+      <p:sp>
+        <p:nvSpPr>
+          <p:cNvPr id="90" name="文本框 89"/>
+          <p:cNvSpPr txBox="1"/>
+          <p:nvPr/>
+        </p:nvSpPr>
+        <p:spPr>
+          <a:xfrm>
+            <a:off x="1158645" y="2925366"/>
+            <a:ext cx="879498" cy="430887"/>
+          </a:xfrm>
+          <a:prstGeom prst="rect">
+            <a:avLst/>
+          </a:prstGeom>
+          <a:noFill/>
+        </p:spPr>
+        <p:txBody>
+          <a:bodyPr wrap="square" rtlCol="0">
+            <a:spAutoFit/>
+          </a:bodyPr>
+          <a:lstStyle/>
+          <a:p>
+            <a:r>
+              <a:rPr lang="zh-CN" altLang="en-US" sz="1100" b="1" dirty="0">
+                <a:solidFill>
+                  <a:srgbClr val="FF0000"/>
+                </a:solidFill>
+                <a:latin typeface="微软雅黑" panose="020B0503020204020204" pitchFamily="34" charset="-122"/>
+                <a:ea typeface="微软雅黑" panose="020B0503020204020204" pitchFamily="34" charset="-122"/>
+                <a:cs typeface="Courier New" panose="02070309020205020404" pitchFamily="49" charset="0"/>
+              </a:rPr>
+              <a:t>所属表空间</a:t>
+            </a:r>
+            <a:r>
+              <a:rPr lang="en-US" altLang="zh-CN" sz="1100" b="1" dirty="0">
+                <a:solidFill>
+                  <a:srgbClr val="FF0000"/>
+                </a:solidFill>
+                <a:latin typeface="微软雅黑" panose="020B0503020204020204" pitchFamily="34" charset="-122"/>
+                <a:ea typeface="微软雅黑" panose="020B0503020204020204" pitchFamily="34" charset="-122"/>
+                <a:cs typeface="Courier New" panose="02070309020205020404" pitchFamily="49" charset="0"/>
+              </a:rPr>
+              <a:t>ID(4)</a:t>
+            </a:r>
+            <a:endParaRPr lang="zh-CN" altLang="en-US" sz="1100" b="1" dirty="0">
+              <a:solidFill>
+                <a:srgbClr val="FF0000"/>
+              </a:solidFill>
+              <a:latin typeface="微软雅黑" panose="020B0503020204020204" pitchFamily="34" charset="-122"/>
+              <a:ea typeface="微软雅黑" panose="020B0503020204020204" pitchFamily="34" charset="-122"/>
+              <a:cs typeface="Courier New" panose="02070309020205020404" pitchFamily="49" charset="0"/>
+            </a:endParaRPr>
+          </a:p>
+        </p:txBody>
+      </p:sp>
+      <p:sp>
+        <p:nvSpPr>
+          <p:cNvPr id="91" name="文本框 90"/>
+          <p:cNvSpPr txBox="1"/>
+          <p:nvPr/>
+        </p:nvSpPr>
+        <p:spPr>
+          <a:xfrm>
+            <a:off x="4507170" y="1093859"/>
+            <a:ext cx="862737" cy="261610"/>
+          </a:xfrm>
+          <a:prstGeom prst="rect">
+            <a:avLst/>
+          </a:prstGeom>
+          <a:noFill/>
+        </p:spPr>
+        <p:txBody>
+          <a:bodyPr wrap="none" rtlCol="0">
+            <a:spAutoFit/>
+          </a:bodyPr>
+          <a:lstStyle/>
+          <a:p>
+            <a:r>
+              <a:rPr lang="zh-CN" altLang="en-US" sz="1100" b="1">
+                <a:solidFill>
+                  <a:srgbClr val="FF0000"/>
+                </a:solidFill>
+                <a:latin typeface="Courier New" panose="02070309020205020404" pitchFamily="49" charset="0"/>
+                <a:ea typeface="微软雅黑" panose="020B0503020204020204" pitchFamily="34" charset="-122"/>
+                <a:cs typeface="Courier New" panose="02070309020205020404" pitchFamily="49" charset="0"/>
+              </a:rPr>
+              <a:t>页类型</a:t>
+            </a:r>
+            <a:r>
+              <a:rPr lang="en-US" altLang="zh-CN" sz="1100" b="1">
+                <a:solidFill>
+                  <a:srgbClr val="FF0000"/>
+                </a:solidFill>
+                <a:latin typeface="Courier New" panose="02070309020205020404" pitchFamily="49" charset="0"/>
+                <a:ea typeface="微软雅黑" panose="020B0503020204020204" pitchFamily="34" charset="-122"/>
+                <a:cs typeface="Courier New" panose="02070309020205020404" pitchFamily="49" charset="0"/>
+              </a:rPr>
+              <a:t>(2)</a:t>
+            </a:r>
             <a:endParaRPr lang="zh-CN" altLang="en-US" sz="1100" b="1">
               <a:solidFill>
                 <a:srgbClr val="FF0000"/>
@@ -4437,14 +4487,14 @@
       </p:sp>
       <p:sp>
         <p:nvSpPr>
-          <p:cNvPr id="90" name="文本框 89"/>
+          <p:cNvPr id="92" name="文本框 91"/>
           <p:cNvSpPr txBox="1"/>
           <p:nvPr/>
         </p:nvSpPr>
         <p:spPr>
           <a:xfrm>
-            <a:off x="835113" y="2592862"/>
-            <a:ext cx="879498" cy="430887"/>
+            <a:off x="1134773" y="1572623"/>
+            <a:ext cx="904946" cy="600164"/>
           </a:xfrm>
           <a:prstGeom prst="rect">
             <a:avLst/>
@@ -4458,117 +4508,7 @@
           <a:lstStyle/>
           <a:p>
             <a:r>
-              <a:rPr lang="zh-CN" altLang="en-US" sz="1100" b="1" smtClean="0">
-                <a:solidFill>
-                  <a:srgbClr val="FF0000"/>
-                </a:solidFill>
-                <a:latin typeface="微软雅黑" panose="020B0503020204020204" pitchFamily="34" charset="-122"/>
-                <a:ea typeface="微软雅黑" panose="020B0503020204020204" pitchFamily="34" charset="-122"/>
-                <a:cs typeface="Courier New" panose="02070309020205020404" pitchFamily="49" charset="0"/>
-              </a:rPr>
-              <a:t>所属表空间</a:t>
-            </a:r>
-            <a:r>
-              <a:rPr lang="en-US" altLang="zh-CN" sz="1100" b="1" smtClean="0">
-                <a:solidFill>
-                  <a:srgbClr val="FF0000"/>
-                </a:solidFill>
-                <a:latin typeface="微软雅黑" panose="020B0503020204020204" pitchFamily="34" charset="-122"/>
-                <a:ea typeface="微软雅黑" panose="020B0503020204020204" pitchFamily="34" charset="-122"/>
-                <a:cs typeface="Courier New" panose="02070309020205020404" pitchFamily="49" charset="0"/>
-              </a:rPr>
-              <a:t>ID(4)</a:t>
-            </a:r>
-            <a:endParaRPr lang="zh-CN" altLang="en-US" sz="1100" b="1">
-              <a:solidFill>
-                <a:srgbClr val="FF0000"/>
-              </a:solidFill>
-              <a:latin typeface="微软雅黑" panose="020B0503020204020204" pitchFamily="34" charset="-122"/>
-              <a:ea typeface="微软雅黑" panose="020B0503020204020204" pitchFamily="34" charset="-122"/>
-              <a:cs typeface="Courier New" panose="02070309020205020404" pitchFamily="49" charset="0"/>
-            </a:endParaRPr>
-          </a:p>
-        </p:txBody>
-      </p:sp>
-      <p:sp>
-        <p:nvSpPr>
-          <p:cNvPr id="91" name="文本框 90"/>
-          <p:cNvSpPr txBox="1"/>
-          <p:nvPr/>
-        </p:nvSpPr>
-        <p:spPr>
-          <a:xfrm>
-            <a:off x="4174673" y="761355"/>
-            <a:ext cx="862737" cy="261610"/>
-          </a:xfrm>
-          <a:prstGeom prst="rect">
-            <a:avLst/>
-          </a:prstGeom>
-          <a:noFill/>
-        </p:spPr>
-        <p:txBody>
-          <a:bodyPr wrap="none" rtlCol="0">
-            <a:spAutoFit/>
-          </a:bodyPr>
-          <a:lstStyle/>
-          <a:p>
-            <a:r>
-              <a:rPr lang="zh-CN" altLang="en-US" sz="1100" b="1" smtClean="0">
-                <a:solidFill>
-                  <a:srgbClr val="FF0000"/>
-                </a:solidFill>
-                <a:latin typeface="Courier New" panose="02070309020205020404" pitchFamily="49" charset="0"/>
-                <a:ea typeface="微软雅黑" panose="020B0503020204020204" pitchFamily="34" charset="-122"/>
-                <a:cs typeface="Courier New" panose="02070309020205020404" pitchFamily="49" charset="0"/>
-              </a:rPr>
-              <a:t>页类型</a:t>
-            </a:r>
-            <a:r>
-              <a:rPr lang="en-US" altLang="zh-CN" sz="1100" b="1" smtClean="0">
-                <a:solidFill>
-                  <a:srgbClr val="FF0000"/>
-                </a:solidFill>
-                <a:latin typeface="Courier New" panose="02070309020205020404" pitchFamily="49" charset="0"/>
-                <a:ea typeface="微软雅黑" panose="020B0503020204020204" pitchFamily="34" charset="-122"/>
-                <a:cs typeface="Courier New" panose="02070309020205020404" pitchFamily="49" charset="0"/>
-              </a:rPr>
-              <a:t>(2)</a:t>
-            </a:r>
-            <a:endParaRPr lang="zh-CN" altLang="en-US" sz="1100" b="1">
-              <a:solidFill>
-                <a:srgbClr val="FF0000"/>
-              </a:solidFill>
-              <a:latin typeface="Courier New" panose="02070309020205020404" pitchFamily="49" charset="0"/>
-              <a:ea typeface="微软雅黑" panose="020B0503020204020204" pitchFamily="34" charset="-122"/>
-              <a:cs typeface="Courier New" panose="02070309020205020404" pitchFamily="49" charset="0"/>
-            </a:endParaRPr>
-          </a:p>
-        </p:txBody>
-      </p:sp>
-      <p:sp>
-        <p:nvSpPr>
-          <p:cNvPr id="92" name="文本框 91"/>
-          <p:cNvSpPr txBox="1"/>
-          <p:nvPr/>
-        </p:nvSpPr>
-        <p:spPr>
-          <a:xfrm>
-            <a:off x="802276" y="1240119"/>
-            <a:ext cx="904946" cy="600164"/>
-          </a:xfrm>
-          <a:prstGeom prst="rect">
-            <a:avLst/>
-          </a:prstGeom>
-          <a:noFill/>
-        </p:spPr>
-        <p:txBody>
-          <a:bodyPr wrap="square" rtlCol="0">
-            <a:spAutoFit/>
-          </a:bodyPr>
-          <a:lstStyle/>
-          <a:p>
-            <a:r>
-              <a:rPr lang="zh-CN" altLang="en-US" sz="1100" b="1" smtClean="0">
+              <a:rPr lang="zh-CN" altLang="en-US" sz="1100" b="1" dirty="0">
                 <a:solidFill>
                   <a:srgbClr val="FF0000"/>
                 </a:solidFill>
@@ -4579,7 +4519,7 @@
               <a:t>最后被修改的</a:t>
             </a:r>
             <a:r>
-              <a:rPr lang="en-US" altLang="zh-CN" sz="1100" b="1" smtClean="0">
+              <a:rPr lang="en-US" altLang="zh-CN" sz="1100" b="1" dirty="0">
                 <a:solidFill>
                   <a:srgbClr val="FF0000"/>
                 </a:solidFill>
@@ -4590,7 +4530,7 @@
               <a:t>LSN</a:t>
             </a:r>
             <a:r>
-              <a:rPr lang="zh-CN" altLang="en-US" sz="1100" b="1" smtClean="0">
+              <a:rPr lang="zh-CN" altLang="en-US" sz="1100" b="1" dirty="0">
                 <a:solidFill>
                   <a:srgbClr val="FF0000"/>
                 </a:solidFill>
@@ -4601,7 +4541,7 @@
               <a:t>位置</a:t>
             </a:r>
             <a:r>
-              <a:rPr lang="en-US" altLang="zh-CN" sz="1100" b="1" smtClean="0">
+              <a:rPr lang="en-US" altLang="zh-CN" sz="1100" b="1" dirty="0">
                 <a:solidFill>
                   <a:srgbClr val="FF0000"/>
                 </a:solidFill>
@@ -4611,7 +4551,7 @@
               </a:rPr>
               <a:t>(8)</a:t>
             </a:r>
-            <a:endParaRPr lang="zh-CN" altLang="en-US" sz="1100" b="1">
+            <a:endParaRPr lang="zh-CN" altLang="en-US" sz="1100" b="1" dirty="0">
               <a:solidFill>
                 <a:srgbClr val="FF0000"/>
               </a:solidFill>
@@ -4633,7 +4573,7 @@
         </p:nvCxnSpPr>
         <p:spPr>
           <a:xfrm flipV="1">
-            <a:off x="6229887" y="588830"/>
+            <a:off x="6562384" y="921334"/>
             <a:ext cx="150104" cy="1277897"/>
           </a:xfrm>
           <a:prstGeom prst="straightConnector1">
@@ -4672,7 +4612,7 @@
         </p:nvCxnSpPr>
         <p:spPr>
           <a:xfrm flipV="1">
-            <a:off x="7017166" y="572245"/>
+            <a:off x="7349663" y="904749"/>
             <a:ext cx="995626" cy="1377721"/>
           </a:xfrm>
           <a:prstGeom prst="straightConnector1">
@@ -4711,7 +4651,7 @@
         </p:nvCxnSpPr>
         <p:spPr>
           <a:xfrm flipV="1">
-            <a:off x="7618544" y="1190948"/>
+            <a:off x="7951041" y="1523452"/>
             <a:ext cx="1217860" cy="758005"/>
           </a:xfrm>
           <a:prstGeom prst="straightConnector1">
@@ -4750,7 +4690,7 @@
         </p:nvCxnSpPr>
         <p:spPr>
           <a:xfrm flipH="1" flipV="1">
-            <a:off x="3906014" y="579595"/>
+            <a:off x="4238511" y="912099"/>
             <a:ext cx="1102235" cy="1289532"/>
           </a:xfrm>
           <a:prstGeom prst="straightConnector1">
@@ -4789,8 +4729,8 @@
         </p:nvCxnSpPr>
         <p:spPr>
           <a:xfrm flipH="1">
-            <a:off x="1799653" y="2246482"/>
-            <a:ext cx="1476485" cy="1052927"/>
+            <a:off x="2078360" y="2578986"/>
+            <a:ext cx="1530275" cy="1052927"/>
           </a:xfrm>
           <a:prstGeom prst="straightConnector1">
             <a:avLst/>
@@ -4828,8 +4768,8 @@
         </p:nvCxnSpPr>
         <p:spPr>
           <a:xfrm flipH="1">
-            <a:off x="1824129" y="2240689"/>
-            <a:ext cx="2046817" cy="1508834"/>
+            <a:off x="2102836" y="2573193"/>
+            <a:ext cx="2100607" cy="1508834"/>
           </a:xfrm>
           <a:prstGeom prst="straightConnector1">
             <a:avLst/>
@@ -4867,8 +4807,8 @@
         </p:nvCxnSpPr>
         <p:spPr>
           <a:xfrm flipH="1">
-            <a:off x="1847101" y="2240689"/>
-            <a:ext cx="2579681" cy="2170816"/>
+            <a:off x="2134773" y="2573193"/>
+            <a:ext cx="2624506" cy="2170816"/>
           </a:xfrm>
           <a:prstGeom prst="straightConnector1">
             <a:avLst/>
@@ -4906,8 +4846,8 @@
         </p:nvCxnSpPr>
         <p:spPr>
           <a:xfrm flipH="1">
-            <a:off x="1799654" y="2243765"/>
-            <a:ext cx="3200062" cy="2786443"/>
+            <a:off x="2087327" y="2576269"/>
+            <a:ext cx="3244886" cy="2786443"/>
           </a:xfrm>
           <a:prstGeom prst="straightConnector1">
             <a:avLst/>
@@ -4942,7 +4882,7 @@
         </p:nvCxnSpPr>
         <p:spPr>
           <a:xfrm flipV="1">
-            <a:off x="11300279" y="3948895"/>
+            <a:off x="10811777" y="4560345"/>
             <a:ext cx="31464" cy="649886"/>
           </a:xfrm>
           <a:prstGeom prst="straightConnector1">
@@ -4978,7 +4918,7 @@
         </p:nvSpPr>
         <p:spPr>
           <a:xfrm>
-            <a:off x="5807558" y="327220"/>
+            <a:off x="6140055" y="659724"/>
             <a:ext cx="1144865" cy="261610"/>
           </a:xfrm>
           <a:prstGeom prst="rect">
@@ -4993,7 +4933,7 @@
           <a:lstStyle/>
           <a:p>
             <a:r>
-              <a:rPr lang="zh-CN" altLang="en-US" sz="1100" b="1" smtClean="0">
+              <a:rPr lang="zh-CN" altLang="en-US" sz="1100" b="1">
                 <a:solidFill>
                   <a:srgbClr val="0070C0"/>
                 </a:solidFill>
@@ -5004,7 +4944,7 @@
               <a:t>堆中记录数</a:t>
             </a:r>
             <a:r>
-              <a:rPr lang="en-US" altLang="zh-CN" sz="1100" b="1" smtClean="0">
+              <a:rPr lang="en-US" altLang="zh-CN" sz="1100" b="1">
                 <a:solidFill>
                   <a:srgbClr val="0070C0"/>
                 </a:solidFill>
@@ -5033,7 +4973,7 @@
         </p:nvSpPr>
         <p:spPr>
           <a:xfrm>
-            <a:off x="8122907" y="929338"/>
+            <a:off x="8455404" y="1261842"/>
             <a:ext cx="1426994" cy="261610"/>
           </a:xfrm>
           <a:prstGeom prst="rect">
@@ -5048,7 +4988,7 @@
           <a:lstStyle/>
           <a:p>
             <a:r>
-              <a:rPr lang="zh-CN" altLang="en-US" sz="1100" b="1" smtClean="0">
+              <a:rPr lang="zh-CN" altLang="en-US" sz="1100" b="1">
                 <a:solidFill>
                   <a:srgbClr val="0070C0"/>
                 </a:solidFill>
@@ -5059,7 +4999,7 @@
               <a:t>删除记录字节数</a:t>
             </a:r>
             <a:r>
-              <a:rPr lang="en-US" altLang="zh-CN" sz="1100" b="1" smtClean="0">
+              <a:rPr lang="en-US" altLang="zh-CN" sz="1100" b="1">
                 <a:solidFill>
                   <a:srgbClr val="0070C0"/>
                 </a:solidFill>
@@ -5088,7 +5028,7 @@
         </p:nvSpPr>
         <p:spPr>
           <a:xfrm>
-            <a:off x="893820" y="4111423"/>
+            <a:off x="1181492" y="4443927"/>
             <a:ext cx="953281" cy="600164"/>
           </a:xfrm>
           <a:prstGeom prst="rect">
@@ -5103,7 +5043,7 @@
           <a:lstStyle/>
           <a:p>
             <a:r>
-              <a:rPr lang="zh-CN" altLang="en-US" sz="1100" b="1" smtClean="0">
+              <a:rPr lang="zh-CN" altLang="en-US" sz="1100" b="1" dirty="0">
                 <a:solidFill>
                   <a:srgbClr val="0070C0"/>
                 </a:solidFill>
@@ -5114,7 +5054,7 @@
               <a:t>一个方向连续插入记录数</a:t>
             </a:r>
             <a:r>
-              <a:rPr lang="en-US" altLang="zh-CN" sz="1100" b="1" smtClean="0">
+              <a:rPr lang="en-US" altLang="zh-CN" sz="1100" b="1" dirty="0">
                 <a:solidFill>
                   <a:srgbClr val="0070C0"/>
                 </a:solidFill>
@@ -5124,6 +5064,686 @@
               </a:rPr>
               <a:t>(2)</a:t>
             </a:r>
+            <a:endParaRPr lang="zh-CN" altLang="en-US" sz="1100" b="1" dirty="0">
+              <a:solidFill>
+                <a:srgbClr val="0070C0"/>
+              </a:solidFill>
+              <a:latin typeface="Courier New" panose="02070309020205020404" pitchFamily="49" charset="0"/>
+              <a:ea typeface="微软雅黑" panose="020B0503020204020204" pitchFamily="34" charset="-122"/>
+              <a:cs typeface="Courier New" panose="02070309020205020404" pitchFamily="49" charset="0"/>
+            </a:endParaRPr>
+          </a:p>
+        </p:txBody>
+      </p:sp>
+      <p:sp>
+        <p:nvSpPr>
+          <p:cNvPr id="125" name="矩形 124"/>
+          <p:cNvSpPr/>
+          <p:nvPr/>
+        </p:nvSpPr>
+        <p:spPr>
+          <a:xfrm>
+            <a:off x="3957930" y="2600777"/>
+            <a:ext cx="2304346" cy="169951"/>
+          </a:xfrm>
+          <a:prstGeom prst="rect">
+            <a:avLst/>
+          </a:prstGeom>
+          <a:noFill/>
+          <a:ln w="9525">
+            <a:solidFill>
+              <a:srgbClr val="0070C0"/>
+            </a:solidFill>
+          </a:ln>
+        </p:spPr>
+        <p:style>
+          <a:lnRef idx="2">
+            <a:schemeClr val="accent1">
+              <a:shade val="50000"/>
+            </a:schemeClr>
+          </a:lnRef>
+          <a:fillRef idx="1">
+            <a:schemeClr val="accent1"/>
+          </a:fillRef>
+          <a:effectRef idx="0">
+            <a:schemeClr val="accent1"/>
+          </a:effectRef>
+          <a:fontRef idx="minor">
+            <a:schemeClr val="lt1"/>
+          </a:fontRef>
+        </p:style>
+        <p:txBody>
+          <a:bodyPr rtlCol="0" anchor="ctr"/>
+          <a:lstStyle/>
+          <a:p>
+            <a:pPr algn="ctr"/>
+            <a:endParaRPr lang="zh-CN" altLang="en-US"/>
+          </a:p>
+        </p:txBody>
+      </p:sp>
+      <p:sp>
+        <p:nvSpPr>
+          <p:cNvPr id="126" name="矩形 125"/>
+          <p:cNvSpPr/>
+          <p:nvPr/>
+        </p:nvSpPr>
+        <p:spPr>
+          <a:xfrm>
+            <a:off x="6313015" y="2602779"/>
+            <a:ext cx="1636863" cy="167949"/>
+          </a:xfrm>
+          <a:prstGeom prst="rect">
+            <a:avLst/>
+          </a:prstGeom>
+          <a:noFill/>
+          <a:ln w="9525">
+            <a:solidFill>
+              <a:srgbClr val="0070C0"/>
+            </a:solidFill>
+          </a:ln>
+        </p:spPr>
+        <p:style>
+          <a:lnRef idx="2">
+            <a:schemeClr val="accent1">
+              <a:shade val="50000"/>
+            </a:schemeClr>
+          </a:lnRef>
+          <a:fillRef idx="1">
+            <a:schemeClr val="accent1"/>
+          </a:fillRef>
+          <a:effectRef idx="0">
+            <a:schemeClr val="accent1"/>
+          </a:effectRef>
+          <a:fontRef idx="minor">
+            <a:schemeClr val="lt1"/>
+          </a:fontRef>
+        </p:style>
+        <p:txBody>
+          <a:bodyPr rtlCol="0" anchor="ctr"/>
+          <a:lstStyle/>
+          <a:p>
+            <a:pPr algn="ctr"/>
+            <a:endParaRPr lang="zh-CN" altLang="en-US"/>
+          </a:p>
+        </p:txBody>
+      </p:sp>
+      <p:sp>
+        <p:nvSpPr>
+          <p:cNvPr id="127" name="矩形 126"/>
+          <p:cNvSpPr/>
+          <p:nvPr/>
+        </p:nvSpPr>
+        <p:spPr>
+          <a:xfrm>
+            <a:off x="3363122" y="2794662"/>
+            <a:ext cx="1091242" cy="183915"/>
+          </a:xfrm>
+          <a:prstGeom prst="rect">
+            <a:avLst/>
+          </a:prstGeom>
+          <a:noFill/>
+          <a:ln w="9525">
+            <a:solidFill>
+              <a:srgbClr val="0070C0"/>
+            </a:solidFill>
+          </a:ln>
+        </p:spPr>
+        <p:style>
+          <a:lnRef idx="2">
+            <a:schemeClr val="accent1">
+              <a:shade val="50000"/>
+            </a:schemeClr>
+          </a:lnRef>
+          <a:fillRef idx="1">
+            <a:schemeClr val="accent1"/>
+          </a:fillRef>
+          <a:effectRef idx="0">
+            <a:schemeClr val="accent1"/>
+          </a:effectRef>
+          <a:fontRef idx="minor">
+            <a:schemeClr val="lt1"/>
+          </a:fontRef>
+        </p:style>
+        <p:txBody>
+          <a:bodyPr rtlCol="0" anchor="ctr"/>
+          <a:lstStyle/>
+          <a:p>
+            <a:pPr algn="ctr"/>
+            <a:endParaRPr lang="zh-CN" altLang="en-US"/>
+          </a:p>
+        </p:txBody>
+      </p:sp>
+      <p:sp>
+        <p:nvSpPr>
+          <p:cNvPr id="128" name="矩形 127"/>
+          <p:cNvSpPr/>
+          <p:nvPr/>
+        </p:nvSpPr>
+        <p:spPr>
+          <a:xfrm>
+            <a:off x="6316871" y="2199231"/>
+            <a:ext cx="491026" cy="172559"/>
+          </a:xfrm>
+          <a:prstGeom prst="rect">
+            <a:avLst/>
+          </a:prstGeom>
+          <a:noFill/>
+          <a:ln w="9525">
+            <a:solidFill>
+              <a:srgbClr val="0070C0"/>
+            </a:solidFill>
+          </a:ln>
+        </p:spPr>
+        <p:style>
+          <a:lnRef idx="2">
+            <a:schemeClr val="accent1">
+              <a:shade val="50000"/>
+            </a:schemeClr>
+          </a:lnRef>
+          <a:fillRef idx="1">
+            <a:schemeClr val="accent1"/>
+          </a:fillRef>
+          <a:effectRef idx="0">
+            <a:schemeClr val="accent1"/>
+          </a:effectRef>
+          <a:fontRef idx="minor">
+            <a:schemeClr val="lt1"/>
+          </a:fontRef>
+        </p:style>
+        <p:txBody>
+          <a:bodyPr rtlCol="0" anchor="ctr"/>
+          <a:lstStyle/>
+          <a:p>
+            <a:pPr algn="ctr"/>
+            <a:endParaRPr lang="zh-CN" altLang="en-US"/>
+          </a:p>
+        </p:txBody>
+      </p:sp>
+      <p:sp>
+        <p:nvSpPr>
+          <p:cNvPr id="129" name="矩形 128"/>
+          <p:cNvSpPr/>
+          <p:nvPr/>
+        </p:nvSpPr>
+        <p:spPr>
+          <a:xfrm>
+            <a:off x="3367693" y="2602779"/>
+            <a:ext cx="486455" cy="167950"/>
+          </a:xfrm>
+          <a:prstGeom prst="rect">
+            <a:avLst/>
+          </a:prstGeom>
+          <a:noFill/>
+          <a:ln w="9525">
+            <a:solidFill>
+              <a:srgbClr val="0070C0"/>
+            </a:solidFill>
+          </a:ln>
+        </p:spPr>
+        <p:style>
+          <a:lnRef idx="2">
+            <a:schemeClr val="accent1">
+              <a:shade val="50000"/>
+            </a:schemeClr>
+          </a:lnRef>
+          <a:fillRef idx="1">
+            <a:schemeClr val="accent1"/>
+          </a:fillRef>
+          <a:effectRef idx="0">
+            <a:schemeClr val="accent1"/>
+          </a:effectRef>
+          <a:fontRef idx="minor">
+            <a:schemeClr val="lt1"/>
+          </a:fontRef>
+        </p:style>
+        <p:txBody>
+          <a:bodyPr rtlCol="0" anchor="ctr"/>
+          <a:lstStyle/>
+          <a:p>
+            <a:pPr algn="ctr"/>
+            <a:endParaRPr lang="zh-CN" altLang="en-US"/>
+          </a:p>
+        </p:txBody>
+      </p:sp>
+      <p:sp>
+        <p:nvSpPr>
+          <p:cNvPr id="130" name="矩形 129"/>
+          <p:cNvSpPr/>
+          <p:nvPr/>
+        </p:nvSpPr>
+        <p:spPr>
+          <a:xfrm>
+            <a:off x="4518889" y="2794662"/>
+            <a:ext cx="2830774" cy="183915"/>
+          </a:xfrm>
+          <a:prstGeom prst="rect">
+            <a:avLst/>
+          </a:prstGeom>
+          <a:noFill/>
+          <a:ln w="9525">
+            <a:solidFill>
+              <a:srgbClr val="0070C0"/>
+            </a:solidFill>
+          </a:ln>
+        </p:spPr>
+        <p:style>
+          <a:lnRef idx="2">
+            <a:schemeClr val="accent1">
+              <a:shade val="50000"/>
+            </a:schemeClr>
+          </a:lnRef>
+          <a:fillRef idx="1">
+            <a:schemeClr val="accent1"/>
+          </a:fillRef>
+          <a:effectRef idx="0">
+            <a:schemeClr val="accent1"/>
+          </a:effectRef>
+          <a:fontRef idx="minor">
+            <a:schemeClr val="lt1"/>
+          </a:fontRef>
+        </p:style>
+        <p:txBody>
+          <a:bodyPr rtlCol="0" anchor="ctr"/>
+          <a:lstStyle/>
+          <a:p>
+            <a:pPr algn="ctr"/>
+            <a:endParaRPr lang="zh-CN" altLang="en-US"/>
+          </a:p>
+        </p:txBody>
+      </p:sp>
+      <p:sp>
+        <p:nvSpPr>
+          <p:cNvPr id="131" name="矩形 130"/>
+          <p:cNvSpPr/>
+          <p:nvPr/>
+        </p:nvSpPr>
+        <p:spPr>
+          <a:xfrm>
+            <a:off x="7429494" y="2790911"/>
+            <a:ext cx="520384" cy="195528"/>
+          </a:xfrm>
+          <a:prstGeom prst="rect">
+            <a:avLst/>
+          </a:prstGeom>
+          <a:noFill/>
+          <a:ln w="9525">
+            <a:solidFill>
+              <a:srgbClr val="0070C0"/>
+            </a:solidFill>
+          </a:ln>
+        </p:spPr>
+        <p:style>
+          <a:lnRef idx="2">
+            <a:schemeClr val="accent1">
+              <a:shade val="50000"/>
+            </a:schemeClr>
+          </a:lnRef>
+          <a:fillRef idx="1">
+            <a:schemeClr val="accent1"/>
+          </a:fillRef>
+          <a:effectRef idx="0">
+            <a:schemeClr val="accent1"/>
+          </a:effectRef>
+          <a:fontRef idx="minor">
+            <a:schemeClr val="lt1"/>
+          </a:fontRef>
+        </p:style>
+        <p:txBody>
+          <a:bodyPr rtlCol="0" anchor="ctr"/>
+          <a:lstStyle/>
+          <a:p>
+            <a:pPr algn="ctr"/>
+            <a:endParaRPr lang="zh-CN" altLang="en-US"/>
+          </a:p>
+        </p:txBody>
+      </p:sp>
+      <p:sp>
+        <p:nvSpPr>
+          <p:cNvPr id="141" name="矩形 140"/>
+          <p:cNvSpPr/>
+          <p:nvPr/>
+        </p:nvSpPr>
+        <p:spPr>
+          <a:xfrm>
+            <a:off x="6858637" y="2196190"/>
+            <a:ext cx="491026" cy="172559"/>
+          </a:xfrm>
+          <a:prstGeom prst="rect">
+            <a:avLst/>
+          </a:prstGeom>
+          <a:noFill/>
+          <a:ln w="9525">
+            <a:solidFill>
+              <a:srgbClr val="0070C0"/>
+            </a:solidFill>
+          </a:ln>
+        </p:spPr>
+        <p:style>
+          <a:lnRef idx="2">
+            <a:schemeClr val="accent1">
+              <a:shade val="50000"/>
+            </a:schemeClr>
+          </a:lnRef>
+          <a:fillRef idx="1">
+            <a:schemeClr val="accent1"/>
+          </a:fillRef>
+          <a:effectRef idx="0">
+            <a:schemeClr val="accent1"/>
+          </a:effectRef>
+          <a:fontRef idx="minor">
+            <a:schemeClr val="lt1"/>
+          </a:fontRef>
+        </p:style>
+        <p:txBody>
+          <a:bodyPr rtlCol="0" anchor="ctr"/>
+          <a:lstStyle/>
+          <a:p>
+            <a:pPr algn="ctr"/>
+            <a:endParaRPr lang="zh-CN" altLang="en-US"/>
+          </a:p>
+        </p:txBody>
+      </p:sp>
+      <p:sp>
+        <p:nvSpPr>
+          <p:cNvPr id="142" name="矩形 141"/>
+          <p:cNvSpPr/>
+          <p:nvPr/>
+        </p:nvSpPr>
+        <p:spPr>
+          <a:xfrm>
+            <a:off x="7460015" y="2195177"/>
+            <a:ext cx="491026" cy="172559"/>
+          </a:xfrm>
+          <a:prstGeom prst="rect">
+            <a:avLst/>
+          </a:prstGeom>
+          <a:noFill/>
+          <a:ln w="9525">
+            <a:solidFill>
+              <a:srgbClr val="0070C0"/>
+            </a:solidFill>
+          </a:ln>
+        </p:spPr>
+        <p:style>
+          <a:lnRef idx="2">
+            <a:schemeClr val="accent1">
+              <a:shade val="50000"/>
+            </a:schemeClr>
+          </a:lnRef>
+          <a:fillRef idx="1">
+            <a:schemeClr val="accent1"/>
+          </a:fillRef>
+          <a:effectRef idx="0">
+            <a:schemeClr val="accent1"/>
+          </a:effectRef>
+          <a:fontRef idx="minor">
+            <a:schemeClr val="lt1"/>
+          </a:fontRef>
+        </p:style>
+        <p:txBody>
+          <a:bodyPr rtlCol="0" anchor="ctr"/>
+          <a:lstStyle/>
+          <a:p>
+            <a:pPr algn="ctr"/>
+            <a:endParaRPr lang="zh-CN" altLang="en-US"/>
+          </a:p>
+        </p:txBody>
+      </p:sp>
+      <p:sp>
+        <p:nvSpPr>
+          <p:cNvPr id="153" name="矩形 152"/>
+          <p:cNvSpPr/>
+          <p:nvPr/>
+        </p:nvSpPr>
+        <p:spPr>
+          <a:xfrm>
+            <a:off x="3363122" y="2406427"/>
+            <a:ext cx="491026" cy="172559"/>
+          </a:xfrm>
+          <a:prstGeom prst="rect">
+            <a:avLst/>
+          </a:prstGeom>
+          <a:noFill/>
+          <a:ln w="9525">
+            <a:solidFill>
+              <a:srgbClr val="0070C0"/>
+            </a:solidFill>
+          </a:ln>
+        </p:spPr>
+        <p:style>
+          <a:lnRef idx="2">
+            <a:schemeClr val="accent1">
+              <a:shade val="50000"/>
+            </a:schemeClr>
+          </a:lnRef>
+          <a:fillRef idx="1">
+            <a:schemeClr val="accent1"/>
+          </a:fillRef>
+          <a:effectRef idx="0">
+            <a:schemeClr val="accent1"/>
+          </a:effectRef>
+          <a:fontRef idx="minor">
+            <a:schemeClr val="lt1"/>
+          </a:fontRef>
+        </p:style>
+        <p:txBody>
+          <a:bodyPr rtlCol="0" anchor="ctr"/>
+          <a:lstStyle/>
+          <a:p>
+            <a:pPr algn="ctr"/>
+            <a:endParaRPr lang="zh-CN" altLang="en-US"/>
+          </a:p>
+        </p:txBody>
+      </p:sp>
+      <p:sp>
+        <p:nvSpPr>
+          <p:cNvPr id="154" name="文本框 153"/>
+          <p:cNvSpPr txBox="1"/>
+          <p:nvPr/>
+        </p:nvSpPr>
+        <p:spPr>
+          <a:xfrm>
+            <a:off x="1175365" y="5147268"/>
+            <a:ext cx="911962" cy="430887"/>
+          </a:xfrm>
+          <a:prstGeom prst="rect">
+            <a:avLst/>
+          </a:prstGeom>
+          <a:noFill/>
+        </p:spPr>
+        <p:txBody>
+          <a:bodyPr wrap="square" rtlCol="0">
+            <a:spAutoFit/>
+          </a:bodyPr>
+          <a:lstStyle/>
+          <a:p>
+            <a:r>
+              <a:rPr lang="zh-CN" altLang="en-US" sz="1100" b="1" dirty="0">
+                <a:solidFill>
+                  <a:srgbClr val="0070C0"/>
+                </a:solidFill>
+                <a:latin typeface="Courier New" panose="02070309020205020404" pitchFamily="49" charset="0"/>
+                <a:ea typeface="微软雅黑" panose="020B0503020204020204" pitchFamily="34" charset="-122"/>
+                <a:cs typeface="Courier New" panose="02070309020205020404" pitchFamily="49" charset="0"/>
+              </a:rPr>
+              <a:t>该页中记录数</a:t>
+            </a:r>
+            <a:r>
+              <a:rPr lang="en-US" altLang="zh-CN" sz="1100" b="1" dirty="0">
+                <a:solidFill>
+                  <a:srgbClr val="0070C0"/>
+                </a:solidFill>
+                <a:latin typeface="Courier New" panose="02070309020205020404" pitchFamily="49" charset="0"/>
+                <a:ea typeface="微软雅黑" panose="020B0503020204020204" pitchFamily="34" charset="-122"/>
+                <a:cs typeface="Courier New" panose="02070309020205020404" pitchFamily="49" charset="0"/>
+              </a:rPr>
+              <a:t>(2)</a:t>
+            </a:r>
+            <a:endParaRPr lang="zh-CN" altLang="en-US" sz="1100" b="1" dirty="0">
+              <a:solidFill>
+                <a:srgbClr val="0070C0"/>
+              </a:solidFill>
+              <a:latin typeface="Courier New" panose="02070309020205020404" pitchFamily="49" charset="0"/>
+              <a:ea typeface="微软雅黑" panose="020B0503020204020204" pitchFamily="34" charset="-122"/>
+              <a:cs typeface="Courier New" panose="02070309020205020404" pitchFamily="49" charset="0"/>
+            </a:endParaRPr>
+          </a:p>
+        </p:txBody>
+      </p:sp>
+      <p:sp>
+        <p:nvSpPr>
+          <p:cNvPr id="155" name="文本框 154"/>
+          <p:cNvSpPr txBox="1"/>
+          <p:nvPr/>
+        </p:nvSpPr>
+        <p:spPr>
+          <a:xfrm>
+            <a:off x="1168892" y="3866583"/>
+            <a:ext cx="933944" cy="430887"/>
+          </a:xfrm>
+          <a:prstGeom prst="rect">
+            <a:avLst/>
+          </a:prstGeom>
+          <a:noFill/>
+        </p:spPr>
+        <p:txBody>
+          <a:bodyPr wrap="square" rtlCol="0">
+            <a:spAutoFit/>
+          </a:bodyPr>
+          <a:lstStyle/>
+          <a:p>
+            <a:r>
+              <a:rPr lang="zh-CN" altLang="en-US" sz="1100" b="1" dirty="0">
+                <a:solidFill>
+                  <a:srgbClr val="0070C0"/>
+                </a:solidFill>
+                <a:latin typeface="Courier New" panose="02070309020205020404" pitchFamily="49" charset="0"/>
+                <a:ea typeface="微软雅黑" panose="020B0503020204020204" pitchFamily="34" charset="-122"/>
+                <a:cs typeface="Courier New" panose="02070309020205020404" pitchFamily="49" charset="0"/>
+              </a:rPr>
+              <a:t>最后插入方向</a:t>
+            </a:r>
+            <a:r>
+              <a:rPr lang="en-US" altLang="zh-CN" sz="1100" b="1" dirty="0">
+                <a:solidFill>
+                  <a:srgbClr val="0070C0"/>
+                </a:solidFill>
+                <a:latin typeface="Courier New" panose="02070309020205020404" pitchFamily="49" charset="0"/>
+                <a:ea typeface="微软雅黑" panose="020B0503020204020204" pitchFamily="34" charset="-122"/>
+                <a:cs typeface="Courier New" panose="02070309020205020404" pitchFamily="49" charset="0"/>
+              </a:rPr>
+              <a:t>(2)</a:t>
+            </a:r>
+            <a:endParaRPr lang="zh-CN" altLang="en-US" sz="1100" b="1" dirty="0">
+              <a:solidFill>
+                <a:srgbClr val="0070C0"/>
+              </a:solidFill>
+              <a:latin typeface="Courier New" panose="02070309020205020404" pitchFamily="49" charset="0"/>
+              <a:ea typeface="微软雅黑" panose="020B0503020204020204" pitchFamily="34" charset="-122"/>
+              <a:cs typeface="Courier New" panose="02070309020205020404" pitchFamily="49" charset="0"/>
+            </a:endParaRPr>
+          </a:p>
+        </p:txBody>
+      </p:sp>
+      <p:sp>
+        <p:nvSpPr>
+          <p:cNvPr id="156" name="文本框 155"/>
+          <p:cNvSpPr txBox="1"/>
+          <p:nvPr/>
+        </p:nvSpPr>
+        <p:spPr>
+          <a:xfrm>
+            <a:off x="1166398" y="3416469"/>
+            <a:ext cx="911962" cy="430887"/>
+          </a:xfrm>
+          <a:prstGeom prst="rect">
+            <a:avLst/>
+          </a:prstGeom>
+          <a:noFill/>
+        </p:spPr>
+        <p:txBody>
+          <a:bodyPr wrap="square" rtlCol="0">
+            <a:spAutoFit/>
+          </a:bodyPr>
+          <a:lstStyle/>
+          <a:p>
+            <a:r>
+              <a:rPr lang="zh-CN" altLang="en-US" sz="1100" b="1" dirty="0">
+                <a:solidFill>
+                  <a:srgbClr val="0070C0"/>
+                </a:solidFill>
+                <a:latin typeface="Courier New" panose="02070309020205020404" pitchFamily="49" charset="0"/>
+                <a:ea typeface="微软雅黑" panose="020B0503020204020204" pitchFamily="34" charset="-122"/>
+                <a:cs typeface="Courier New" panose="02070309020205020404" pitchFamily="49" charset="0"/>
+              </a:rPr>
+              <a:t>最后插入位置</a:t>
+            </a:r>
+            <a:r>
+              <a:rPr lang="en-US" altLang="zh-CN" sz="1100" b="1" dirty="0">
+                <a:solidFill>
+                  <a:srgbClr val="0070C0"/>
+                </a:solidFill>
+                <a:latin typeface="Courier New" panose="02070309020205020404" pitchFamily="49" charset="0"/>
+                <a:ea typeface="微软雅黑" panose="020B0503020204020204" pitchFamily="34" charset="-122"/>
+                <a:cs typeface="Courier New" panose="02070309020205020404" pitchFamily="49" charset="0"/>
+              </a:rPr>
+              <a:t>(2)</a:t>
+            </a:r>
+            <a:endParaRPr lang="zh-CN" altLang="en-US" sz="1100" b="1" dirty="0">
+              <a:solidFill>
+                <a:srgbClr val="0070C0"/>
+              </a:solidFill>
+              <a:latin typeface="Courier New" panose="02070309020205020404" pitchFamily="49" charset="0"/>
+              <a:ea typeface="微软雅黑" panose="020B0503020204020204" pitchFamily="34" charset="-122"/>
+              <a:cs typeface="Courier New" panose="02070309020205020404" pitchFamily="49" charset="0"/>
+            </a:endParaRPr>
+          </a:p>
+        </p:txBody>
+      </p:sp>
+      <p:sp>
+        <p:nvSpPr>
+          <p:cNvPr id="157" name="文本框 156"/>
+          <p:cNvSpPr txBox="1"/>
+          <p:nvPr/>
+        </p:nvSpPr>
+        <p:spPr>
+          <a:xfrm>
+            <a:off x="10088598" y="437809"/>
+            <a:ext cx="1285929" cy="261610"/>
+          </a:xfrm>
+          <a:prstGeom prst="rect">
+            <a:avLst/>
+          </a:prstGeom>
+          <a:noFill/>
+        </p:spPr>
+        <p:txBody>
+          <a:bodyPr wrap="none" rtlCol="0">
+            <a:spAutoFit/>
+          </a:bodyPr>
+          <a:lstStyle/>
+          <a:p>
+            <a:r>
+              <a:rPr lang="zh-CN" altLang="en-US" sz="1100" b="1">
+                <a:solidFill>
+                  <a:srgbClr val="0070C0"/>
+                </a:solidFill>
+                <a:latin typeface="Courier New" panose="02070309020205020404" pitchFamily="49" charset="0"/>
+                <a:ea typeface="微软雅黑" panose="020B0503020204020204" pitchFamily="34" charset="-122"/>
+                <a:cs typeface="Courier New" panose="02070309020205020404" pitchFamily="49" charset="0"/>
+              </a:rPr>
+              <a:t>最后插入位置</a:t>
+            </a:r>
+            <a:r>
+              <a:rPr lang="en-US" altLang="zh-CN" sz="1100" b="1">
+                <a:solidFill>
+                  <a:srgbClr val="0070C0"/>
+                </a:solidFill>
+                <a:latin typeface="Courier New" panose="02070309020205020404" pitchFamily="49" charset="0"/>
+                <a:ea typeface="微软雅黑" panose="020B0503020204020204" pitchFamily="34" charset="-122"/>
+                <a:cs typeface="Courier New" panose="02070309020205020404" pitchFamily="49" charset="0"/>
+              </a:rPr>
+              <a:t>(2)</a:t>
+            </a:r>
             <a:endParaRPr lang="zh-CN" altLang="en-US" sz="1100" b="1">
               <a:solidFill>
                 <a:srgbClr val="0070C0"/>
@@ -5137,488 +5757,28 @@
       </p:sp>
       <p:sp>
         <p:nvSpPr>
-          <p:cNvPr id="125" name="矩形 124"/>
-          <p:cNvSpPr/>
-          <p:nvPr/>
-        </p:nvSpPr>
-        <p:spPr>
-          <a:xfrm>
-            <a:off x="3625433" y="2268273"/>
-            <a:ext cx="2304346" cy="169951"/>
+          <p:cNvPr id="158" name="文本框 157"/>
+          <p:cNvSpPr txBox="1"/>
+          <p:nvPr/>
+        </p:nvSpPr>
+        <p:spPr>
+          <a:xfrm>
+            <a:off x="10444190" y="590209"/>
+            <a:ext cx="1285929" cy="261610"/>
           </a:xfrm>
           <a:prstGeom prst="rect">
             <a:avLst/>
           </a:prstGeom>
           <a:noFill/>
-          <a:ln w="9525">
-            <a:solidFill>
-              <a:srgbClr val="0070C0"/>
-            </a:solidFill>
-          </a:ln>
-        </p:spPr>
-        <p:style>
-          <a:lnRef idx="2">
-            <a:schemeClr val="accent1">
-              <a:shade val="50000"/>
-            </a:schemeClr>
-          </a:lnRef>
-          <a:fillRef idx="1">
-            <a:schemeClr val="accent1"/>
-          </a:fillRef>
-          <a:effectRef idx="0">
-            <a:schemeClr val="accent1"/>
-          </a:effectRef>
-          <a:fontRef idx="minor">
-            <a:schemeClr val="lt1"/>
-          </a:fontRef>
-        </p:style>
-        <p:txBody>
-          <a:bodyPr rtlCol="0" anchor="ctr"/>
-          <a:lstStyle/>
-          <a:p>
-            <a:pPr algn="ctr"/>
-            <a:endParaRPr lang="zh-CN" altLang="en-US"/>
-          </a:p>
-        </p:txBody>
-      </p:sp>
-      <p:sp>
-        <p:nvSpPr>
-          <p:cNvPr id="126" name="矩形 125"/>
-          <p:cNvSpPr/>
-          <p:nvPr/>
-        </p:nvSpPr>
-        <p:spPr>
-          <a:xfrm>
-            <a:off x="5980518" y="2270275"/>
-            <a:ext cx="1636863" cy="167949"/>
-          </a:xfrm>
-          <a:prstGeom prst="rect">
-            <a:avLst/>
-          </a:prstGeom>
-          <a:noFill/>
-          <a:ln w="9525">
-            <a:solidFill>
-              <a:srgbClr val="0070C0"/>
-            </a:solidFill>
-          </a:ln>
-        </p:spPr>
-        <p:style>
-          <a:lnRef idx="2">
-            <a:schemeClr val="accent1">
-              <a:shade val="50000"/>
-            </a:schemeClr>
-          </a:lnRef>
-          <a:fillRef idx="1">
-            <a:schemeClr val="accent1"/>
-          </a:fillRef>
-          <a:effectRef idx="0">
-            <a:schemeClr val="accent1"/>
-          </a:effectRef>
-          <a:fontRef idx="minor">
-            <a:schemeClr val="lt1"/>
-          </a:fontRef>
-        </p:style>
-        <p:txBody>
-          <a:bodyPr rtlCol="0" anchor="ctr"/>
-          <a:lstStyle/>
-          <a:p>
-            <a:pPr algn="ctr"/>
-            <a:endParaRPr lang="zh-CN" altLang="en-US"/>
-          </a:p>
-        </p:txBody>
-      </p:sp>
-      <p:sp>
-        <p:nvSpPr>
-          <p:cNvPr id="127" name="矩形 126"/>
-          <p:cNvSpPr/>
-          <p:nvPr/>
-        </p:nvSpPr>
-        <p:spPr>
-          <a:xfrm>
-            <a:off x="3030625" y="2462158"/>
-            <a:ext cx="1091242" cy="183915"/>
-          </a:xfrm>
-          <a:prstGeom prst="rect">
-            <a:avLst/>
-          </a:prstGeom>
-          <a:noFill/>
-          <a:ln w="9525">
-            <a:solidFill>
-              <a:srgbClr val="0070C0"/>
-            </a:solidFill>
-          </a:ln>
-        </p:spPr>
-        <p:style>
-          <a:lnRef idx="2">
-            <a:schemeClr val="accent1">
-              <a:shade val="50000"/>
-            </a:schemeClr>
-          </a:lnRef>
-          <a:fillRef idx="1">
-            <a:schemeClr val="accent1"/>
-          </a:fillRef>
-          <a:effectRef idx="0">
-            <a:schemeClr val="accent1"/>
-          </a:effectRef>
-          <a:fontRef idx="minor">
-            <a:schemeClr val="lt1"/>
-          </a:fontRef>
-        </p:style>
-        <p:txBody>
-          <a:bodyPr rtlCol="0" anchor="ctr"/>
-          <a:lstStyle/>
-          <a:p>
-            <a:pPr algn="ctr"/>
-            <a:endParaRPr lang="zh-CN" altLang="en-US"/>
-          </a:p>
-        </p:txBody>
-      </p:sp>
-      <p:sp>
-        <p:nvSpPr>
-          <p:cNvPr id="128" name="矩形 127"/>
-          <p:cNvSpPr/>
-          <p:nvPr/>
-        </p:nvSpPr>
-        <p:spPr>
-          <a:xfrm>
-            <a:off x="5984374" y="1866727"/>
-            <a:ext cx="491026" cy="172559"/>
-          </a:xfrm>
-          <a:prstGeom prst="rect">
-            <a:avLst/>
-          </a:prstGeom>
-          <a:noFill/>
-          <a:ln w="9525">
-            <a:solidFill>
-              <a:srgbClr val="0070C0"/>
-            </a:solidFill>
-          </a:ln>
-        </p:spPr>
-        <p:style>
-          <a:lnRef idx="2">
-            <a:schemeClr val="accent1">
-              <a:shade val="50000"/>
-            </a:schemeClr>
-          </a:lnRef>
-          <a:fillRef idx="1">
-            <a:schemeClr val="accent1"/>
-          </a:fillRef>
-          <a:effectRef idx="0">
-            <a:schemeClr val="accent1"/>
-          </a:effectRef>
-          <a:fontRef idx="minor">
-            <a:schemeClr val="lt1"/>
-          </a:fontRef>
-        </p:style>
-        <p:txBody>
-          <a:bodyPr rtlCol="0" anchor="ctr"/>
-          <a:lstStyle/>
-          <a:p>
-            <a:pPr algn="ctr"/>
-            <a:endParaRPr lang="zh-CN" altLang="en-US"/>
-          </a:p>
-        </p:txBody>
-      </p:sp>
-      <p:sp>
-        <p:nvSpPr>
-          <p:cNvPr id="129" name="矩形 128"/>
-          <p:cNvSpPr/>
-          <p:nvPr/>
-        </p:nvSpPr>
-        <p:spPr>
-          <a:xfrm>
-            <a:off x="3035196" y="2270275"/>
-            <a:ext cx="486455" cy="167950"/>
-          </a:xfrm>
-          <a:prstGeom prst="rect">
-            <a:avLst/>
-          </a:prstGeom>
-          <a:noFill/>
-          <a:ln w="9525">
-            <a:solidFill>
-              <a:srgbClr val="0070C0"/>
-            </a:solidFill>
-          </a:ln>
-        </p:spPr>
-        <p:style>
-          <a:lnRef idx="2">
-            <a:schemeClr val="accent1">
-              <a:shade val="50000"/>
-            </a:schemeClr>
-          </a:lnRef>
-          <a:fillRef idx="1">
-            <a:schemeClr val="accent1"/>
-          </a:fillRef>
-          <a:effectRef idx="0">
-            <a:schemeClr val="accent1"/>
-          </a:effectRef>
-          <a:fontRef idx="minor">
-            <a:schemeClr val="lt1"/>
-          </a:fontRef>
-        </p:style>
-        <p:txBody>
-          <a:bodyPr rtlCol="0" anchor="ctr"/>
-          <a:lstStyle/>
-          <a:p>
-            <a:pPr algn="ctr"/>
-            <a:endParaRPr lang="zh-CN" altLang="en-US"/>
-          </a:p>
-        </p:txBody>
-      </p:sp>
-      <p:sp>
-        <p:nvSpPr>
-          <p:cNvPr id="130" name="矩形 129"/>
-          <p:cNvSpPr/>
-          <p:nvPr/>
-        </p:nvSpPr>
-        <p:spPr>
-          <a:xfrm>
-            <a:off x="4186392" y="2462158"/>
-            <a:ext cx="2830774" cy="183915"/>
-          </a:xfrm>
-          <a:prstGeom prst="rect">
-            <a:avLst/>
-          </a:prstGeom>
-          <a:noFill/>
-          <a:ln w="9525">
-            <a:solidFill>
-              <a:srgbClr val="0070C0"/>
-            </a:solidFill>
-          </a:ln>
-        </p:spPr>
-        <p:style>
-          <a:lnRef idx="2">
-            <a:schemeClr val="accent1">
-              <a:shade val="50000"/>
-            </a:schemeClr>
-          </a:lnRef>
-          <a:fillRef idx="1">
-            <a:schemeClr val="accent1"/>
-          </a:fillRef>
-          <a:effectRef idx="0">
-            <a:schemeClr val="accent1"/>
-          </a:effectRef>
-          <a:fontRef idx="minor">
-            <a:schemeClr val="lt1"/>
-          </a:fontRef>
-        </p:style>
-        <p:txBody>
-          <a:bodyPr rtlCol="0" anchor="ctr"/>
-          <a:lstStyle/>
-          <a:p>
-            <a:pPr algn="ctr"/>
-            <a:endParaRPr lang="zh-CN" altLang="en-US"/>
-          </a:p>
-        </p:txBody>
-      </p:sp>
-      <p:sp>
-        <p:nvSpPr>
-          <p:cNvPr id="131" name="矩形 130"/>
-          <p:cNvSpPr/>
-          <p:nvPr/>
-        </p:nvSpPr>
-        <p:spPr>
-          <a:xfrm>
-            <a:off x="7096997" y="2458407"/>
-            <a:ext cx="520384" cy="195528"/>
-          </a:xfrm>
-          <a:prstGeom prst="rect">
-            <a:avLst/>
-          </a:prstGeom>
-          <a:noFill/>
-          <a:ln w="9525">
-            <a:solidFill>
-              <a:srgbClr val="0070C0"/>
-            </a:solidFill>
-          </a:ln>
-        </p:spPr>
-        <p:style>
-          <a:lnRef idx="2">
-            <a:schemeClr val="accent1">
-              <a:shade val="50000"/>
-            </a:schemeClr>
-          </a:lnRef>
-          <a:fillRef idx="1">
-            <a:schemeClr val="accent1"/>
-          </a:fillRef>
-          <a:effectRef idx="0">
-            <a:schemeClr val="accent1"/>
-          </a:effectRef>
-          <a:fontRef idx="minor">
-            <a:schemeClr val="lt1"/>
-          </a:fontRef>
-        </p:style>
-        <p:txBody>
-          <a:bodyPr rtlCol="0" anchor="ctr"/>
-          <a:lstStyle/>
-          <a:p>
-            <a:pPr algn="ctr"/>
-            <a:endParaRPr lang="zh-CN" altLang="en-US"/>
-          </a:p>
-        </p:txBody>
-      </p:sp>
-      <p:sp>
-        <p:nvSpPr>
-          <p:cNvPr id="141" name="矩形 140"/>
-          <p:cNvSpPr/>
-          <p:nvPr/>
-        </p:nvSpPr>
-        <p:spPr>
-          <a:xfrm>
-            <a:off x="6526140" y="1863686"/>
-            <a:ext cx="491026" cy="172559"/>
-          </a:xfrm>
-          <a:prstGeom prst="rect">
-            <a:avLst/>
-          </a:prstGeom>
-          <a:noFill/>
-          <a:ln w="9525">
-            <a:solidFill>
-              <a:srgbClr val="0070C0"/>
-            </a:solidFill>
-          </a:ln>
-        </p:spPr>
-        <p:style>
-          <a:lnRef idx="2">
-            <a:schemeClr val="accent1">
-              <a:shade val="50000"/>
-            </a:schemeClr>
-          </a:lnRef>
-          <a:fillRef idx="1">
-            <a:schemeClr val="accent1"/>
-          </a:fillRef>
-          <a:effectRef idx="0">
-            <a:schemeClr val="accent1"/>
-          </a:effectRef>
-          <a:fontRef idx="minor">
-            <a:schemeClr val="lt1"/>
-          </a:fontRef>
-        </p:style>
-        <p:txBody>
-          <a:bodyPr rtlCol="0" anchor="ctr"/>
-          <a:lstStyle/>
-          <a:p>
-            <a:pPr algn="ctr"/>
-            <a:endParaRPr lang="zh-CN" altLang="en-US"/>
-          </a:p>
-        </p:txBody>
-      </p:sp>
-      <p:sp>
-        <p:nvSpPr>
-          <p:cNvPr id="142" name="矩形 141"/>
-          <p:cNvSpPr/>
-          <p:nvPr/>
-        </p:nvSpPr>
-        <p:spPr>
-          <a:xfrm>
-            <a:off x="7127518" y="1862673"/>
-            <a:ext cx="491026" cy="172559"/>
-          </a:xfrm>
-          <a:prstGeom prst="rect">
-            <a:avLst/>
-          </a:prstGeom>
-          <a:noFill/>
-          <a:ln w="9525">
-            <a:solidFill>
-              <a:srgbClr val="0070C0"/>
-            </a:solidFill>
-          </a:ln>
-        </p:spPr>
-        <p:style>
-          <a:lnRef idx="2">
-            <a:schemeClr val="accent1">
-              <a:shade val="50000"/>
-            </a:schemeClr>
-          </a:lnRef>
-          <a:fillRef idx="1">
-            <a:schemeClr val="accent1"/>
-          </a:fillRef>
-          <a:effectRef idx="0">
-            <a:schemeClr val="accent1"/>
-          </a:effectRef>
-          <a:fontRef idx="minor">
-            <a:schemeClr val="lt1"/>
-          </a:fontRef>
-        </p:style>
-        <p:txBody>
-          <a:bodyPr rtlCol="0" anchor="ctr"/>
-          <a:lstStyle/>
-          <a:p>
-            <a:pPr algn="ctr"/>
-            <a:endParaRPr lang="zh-CN" altLang="en-US"/>
-          </a:p>
-        </p:txBody>
-      </p:sp>
-      <p:sp>
-        <p:nvSpPr>
-          <p:cNvPr id="153" name="矩形 152"/>
-          <p:cNvSpPr/>
-          <p:nvPr/>
-        </p:nvSpPr>
-        <p:spPr>
-          <a:xfrm>
-            <a:off x="3030625" y="2073923"/>
-            <a:ext cx="491026" cy="172559"/>
-          </a:xfrm>
-          <a:prstGeom prst="rect">
-            <a:avLst/>
-          </a:prstGeom>
-          <a:noFill/>
-          <a:ln w="9525">
-            <a:solidFill>
-              <a:srgbClr val="0070C0"/>
-            </a:solidFill>
-          </a:ln>
-        </p:spPr>
-        <p:style>
-          <a:lnRef idx="2">
-            <a:schemeClr val="accent1">
-              <a:shade val="50000"/>
-            </a:schemeClr>
-          </a:lnRef>
-          <a:fillRef idx="1">
-            <a:schemeClr val="accent1"/>
-          </a:fillRef>
-          <a:effectRef idx="0">
-            <a:schemeClr val="accent1"/>
-          </a:effectRef>
-          <a:fontRef idx="minor">
-            <a:schemeClr val="lt1"/>
-          </a:fontRef>
-        </p:style>
-        <p:txBody>
-          <a:bodyPr rtlCol="0" anchor="ctr"/>
-          <a:lstStyle/>
-          <a:p>
-            <a:pPr algn="ctr"/>
-            <a:endParaRPr lang="zh-CN" altLang="en-US"/>
-          </a:p>
-        </p:txBody>
-      </p:sp>
-      <p:sp>
-        <p:nvSpPr>
-          <p:cNvPr id="154" name="文本框 153"/>
-          <p:cNvSpPr txBox="1"/>
-          <p:nvPr/>
-        </p:nvSpPr>
-        <p:spPr>
-          <a:xfrm>
-            <a:off x="887692" y="4814764"/>
-            <a:ext cx="911962" cy="430887"/>
-          </a:xfrm>
-          <a:prstGeom prst="rect">
-            <a:avLst/>
-          </a:prstGeom>
-          <a:noFill/>
-        </p:spPr>
-        <p:txBody>
-          <a:bodyPr wrap="square" rtlCol="0">
+        </p:spPr>
+        <p:txBody>
+          <a:bodyPr wrap="none" rtlCol="0">
             <a:spAutoFit/>
           </a:bodyPr>
           <a:lstStyle/>
           <a:p>
             <a:r>
-              <a:rPr lang="zh-CN" altLang="en-US" sz="1100" b="1" smtClean="0">
+              <a:rPr lang="zh-CN" altLang="en-US" sz="1100" b="1">
                 <a:solidFill>
                   <a:srgbClr val="0070C0"/>
                 </a:solidFill>
@@ -5626,10 +5786,10 @@
                 <a:ea typeface="微软雅黑" panose="020B0503020204020204" pitchFamily="34" charset="-122"/>
                 <a:cs typeface="Courier New" panose="02070309020205020404" pitchFamily="49" charset="0"/>
               </a:rPr>
-              <a:t>该页中记录数</a:t>
-            </a:r>
-            <a:r>
-              <a:rPr lang="en-US" altLang="zh-CN" sz="1100" b="1" smtClean="0">
+              <a:t>最后插入位置</a:t>
+            </a:r>
+            <a:r>
+              <a:rPr lang="en-US" altLang="zh-CN" sz="1100" b="1">
                 <a:solidFill>
                   <a:srgbClr val="0070C0"/>
                 </a:solidFill>
@@ -5652,14 +5812,14 @@
       </p:sp>
       <p:sp>
         <p:nvSpPr>
-          <p:cNvPr id="155" name="文本框 154"/>
+          <p:cNvPr id="159" name="文本框 158"/>
           <p:cNvSpPr txBox="1"/>
           <p:nvPr/>
         </p:nvSpPr>
         <p:spPr>
           <a:xfrm>
-            <a:off x="890185" y="3534079"/>
-            <a:ext cx="933944" cy="430887"/>
+            <a:off x="10596590" y="742609"/>
+            <a:ext cx="1285929" cy="261610"/>
           </a:xfrm>
           <a:prstGeom prst="rect">
             <a:avLst/>
@@ -5667,13 +5827,13 @@
           <a:noFill/>
         </p:spPr>
         <p:txBody>
-          <a:bodyPr wrap="square" rtlCol="0">
+          <a:bodyPr wrap="none" rtlCol="0">
             <a:spAutoFit/>
           </a:bodyPr>
           <a:lstStyle/>
           <a:p>
             <a:r>
-              <a:rPr lang="zh-CN" altLang="en-US" sz="1100" b="1" smtClean="0">
+              <a:rPr lang="zh-CN" altLang="en-US" sz="1100" b="1">
                 <a:solidFill>
                   <a:srgbClr val="0070C0"/>
                 </a:solidFill>
@@ -5681,10 +5841,10 @@
                 <a:ea typeface="微软雅黑" panose="020B0503020204020204" pitchFamily="34" charset="-122"/>
                 <a:cs typeface="Courier New" panose="02070309020205020404" pitchFamily="49" charset="0"/>
               </a:rPr>
-              <a:t>最后插入方向</a:t>
-            </a:r>
-            <a:r>
-              <a:rPr lang="en-US" altLang="zh-CN" sz="1100" b="1" smtClean="0">
+              <a:t>最后插入位置</a:t>
+            </a:r>
+            <a:r>
+              <a:rPr lang="en-US" altLang="zh-CN" sz="1100" b="1">
                 <a:solidFill>
                   <a:srgbClr val="0070C0"/>
                 </a:solidFill>
@@ -5707,14 +5867,14 @@
       </p:sp>
       <p:sp>
         <p:nvSpPr>
-          <p:cNvPr id="156" name="文本框 155"/>
+          <p:cNvPr id="160" name="文本框 159"/>
           <p:cNvSpPr txBox="1"/>
           <p:nvPr/>
         </p:nvSpPr>
         <p:spPr>
           <a:xfrm>
-            <a:off x="887691" y="3083965"/>
-            <a:ext cx="911962" cy="430887"/>
+            <a:off x="9998977" y="2222465"/>
+            <a:ext cx="1596912" cy="261610"/>
           </a:xfrm>
           <a:prstGeom prst="rect">
             <a:avLst/>
@@ -5722,13 +5882,13 @@
           <a:noFill/>
         </p:spPr>
         <p:txBody>
-          <a:bodyPr wrap="square" rtlCol="0">
+          <a:bodyPr wrap="none" rtlCol="0">
             <a:spAutoFit/>
           </a:bodyPr>
           <a:lstStyle/>
           <a:p>
             <a:r>
-              <a:rPr lang="zh-CN" altLang="en-US" sz="1100" b="1" smtClean="0">
+              <a:rPr lang="zh-CN" altLang="en-US" sz="1100" b="1">
                 <a:solidFill>
                   <a:srgbClr val="0070C0"/>
                 </a:solidFill>
@@ -5736,10 +5896,10 @@
                 <a:ea typeface="微软雅黑" panose="020B0503020204020204" pitchFamily="34" charset="-122"/>
                 <a:cs typeface="Courier New" panose="02070309020205020404" pitchFamily="49" charset="0"/>
               </a:rPr>
-              <a:t>最后插入位置</a:t>
-            </a:r>
-            <a:r>
-              <a:rPr lang="en-US" altLang="zh-CN" sz="1100" b="1" smtClean="0">
+              <a:t>当前页最大事务</a:t>
+            </a:r>
+            <a:r>
+              <a:rPr lang="en-US" altLang="zh-CN" sz="1100" b="1">
                 <a:solidFill>
                   <a:srgbClr val="0070C0"/>
                 </a:solidFill>
@@ -5747,7 +5907,7 @@
                 <a:ea typeface="微软雅黑" panose="020B0503020204020204" pitchFamily="34" charset="-122"/>
                 <a:cs typeface="Courier New" panose="02070309020205020404" pitchFamily="49" charset="0"/>
               </a:rPr>
-              <a:t>(2)</a:t>
+              <a:t>ID(8)</a:t>
             </a:r>
             <a:endParaRPr lang="zh-CN" altLang="en-US" sz="1100" b="1">
               <a:solidFill>
@@ -5762,233 +5922,13 @@
       </p:sp>
       <p:sp>
         <p:nvSpPr>
-          <p:cNvPr id="157" name="文本框 156"/>
-          <p:cNvSpPr txBox="1"/>
-          <p:nvPr/>
-        </p:nvSpPr>
-        <p:spPr>
-          <a:xfrm>
-            <a:off x="9959293" y="105305"/>
-            <a:ext cx="1285929" cy="261610"/>
-          </a:xfrm>
-          <a:prstGeom prst="rect">
-            <a:avLst/>
-          </a:prstGeom>
-          <a:noFill/>
-        </p:spPr>
-        <p:txBody>
-          <a:bodyPr wrap="none" rtlCol="0">
-            <a:spAutoFit/>
-          </a:bodyPr>
-          <a:lstStyle/>
-          <a:p>
-            <a:r>
-              <a:rPr lang="zh-CN" altLang="en-US" sz="1100" b="1" smtClean="0">
-                <a:solidFill>
-                  <a:srgbClr val="0070C0"/>
-                </a:solidFill>
-                <a:latin typeface="Courier New" panose="02070309020205020404" pitchFamily="49" charset="0"/>
-                <a:ea typeface="微软雅黑" panose="020B0503020204020204" pitchFamily="34" charset="-122"/>
-                <a:cs typeface="Courier New" panose="02070309020205020404" pitchFamily="49" charset="0"/>
-              </a:rPr>
-              <a:t>最后插入位置</a:t>
-            </a:r>
-            <a:r>
-              <a:rPr lang="en-US" altLang="zh-CN" sz="1100" b="1" smtClean="0">
-                <a:solidFill>
-                  <a:srgbClr val="0070C0"/>
-                </a:solidFill>
-                <a:latin typeface="Courier New" panose="02070309020205020404" pitchFamily="49" charset="0"/>
-                <a:ea typeface="微软雅黑" panose="020B0503020204020204" pitchFamily="34" charset="-122"/>
-                <a:cs typeface="Courier New" panose="02070309020205020404" pitchFamily="49" charset="0"/>
-              </a:rPr>
-              <a:t>(2)</a:t>
-            </a:r>
-            <a:endParaRPr lang="zh-CN" altLang="en-US" sz="1100" b="1">
-              <a:solidFill>
-                <a:srgbClr val="0070C0"/>
-              </a:solidFill>
-              <a:latin typeface="Courier New" panose="02070309020205020404" pitchFamily="49" charset="0"/>
-              <a:ea typeface="微软雅黑" panose="020B0503020204020204" pitchFamily="34" charset="-122"/>
-              <a:cs typeface="Courier New" panose="02070309020205020404" pitchFamily="49" charset="0"/>
-            </a:endParaRPr>
-          </a:p>
-        </p:txBody>
-      </p:sp>
-      <p:sp>
-        <p:nvSpPr>
-          <p:cNvPr id="158" name="文本框 157"/>
-          <p:cNvSpPr txBox="1"/>
-          <p:nvPr/>
-        </p:nvSpPr>
-        <p:spPr>
-          <a:xfrm>
-            <a:off x="10111693" y="257705"/>
-            <a:ext cx="1285929" cy="261610"/>
-          </a:xfrm>
-          <a:prstGeom prst="rect">
-            <a:avLst/>
-          </a:prstGeom>
-          <a:noFill/>
-        </p:spPr>
-        <p:txBody>
-          <a:bodyPr wrap="none" rtlCol="0">
-            <a:spAutoFit/>
-          </a:bodyPr>
-          <a:lstStyle/>
-          <a:p>
-            <a:r>
-              <a:rPr lang="zh-CN" altLang="en-US" sz="1100" b="1" smtClean="0">
-                <a:solidFill>
-                  <a:srgbClr val="0070C0"/>
-                </a:solidFill>
-                <a:latin typeface="Courier New" panose="02070309020205020404" pitchFamily="49" charset="0"/>
-                <a:ea typeface="微软雅黑" panose="020B0503020204020204" pitchFamily="34" charset="-122"/>
-                <a:cs typeface="Courier New" panose="02070309020205020404" pitchFamily="49" charset="0"/>
-              </a:rPr>
-              <a:t>最后插入位置</a:t>
-            </a:r>
-            <a:r>
-              <a:rPr lang="en-US" altLang="zh-CN" sz="1100" b="1" smtClean="0">
-                <a:solidFill>
-                  <a:srgbClr val="0070C0"/>
-                </a:solidFill>
-                <a:latin typeface="Courier New" panose="02070309020205020404" pitchFamily="49" charset="0"/>
-                <a:ea typeface="微软雅黑" panose="020B0503020204020204" pitchFamily="34" charset="-122"/>
-                <a:cs typeface="Courier New" panose="02070309020205020404" pitchFamily="49" charset="0"/>
-              </a:rPr>
-              <a:t>(2)</a:t>
-            </a:r>
-            <a:endParaRPr lang="zh-CN" altLang="en-US" sz="1100" b="1">
-              <a:solidFill>
-                <a:srgbClr val="0070C0"/>
-              </a:solidFill>
-              <a:latin typeface="Courier New" panose="02070309020205020404" pitchFamily="49" charset="0"/>
-              <a:ea typeface="微软雅黑" panose="020B0503020204020204" pitchFamily="34" charset="-122"/>
-              <a:cs typeface="Courier New" panose="02070309020205020404" pitchFamily="49" charset="0"/>
-            </a:endParaRPr>
-          </a:p>
-        </p:txBody>
-      </p:sp>
-      <p:sp>
-        <p:nvSpPr>
-          <p:cNvPr id="159" name="文本框 158"/>
-          <p:cNvSpPr txBox="1"/>
-          <p:nvPr/>
-        </p:nvSpPr>
-        <p:spPr>
-          <a:xfrm>
-            <a:off x="10264093" y="410105"/>
-            <a:ext cx="1285929" cy="261610"/>
-          </a:xfrm>
-          <a:prstGeom prst="rect">
-            <a:avLst/>
-          </a:prstGeom>
-          <a:noFill/>
-        </p:spPr>
-        <p:txBody>
-          <a:bodyPr wrap="none" rtlCol="0">
-            <a:spAutoFit/>
-          </a:bodyPr>
-          <a:lstStyle/>
-          <a:p>
-            <a:r>
-              <a:rPr lang="zh-CN" altLang="en-US" sz="1100" b="1" smtClean="0">
-                <a:solidFill>
-                  <a:srgbClr val="0070C0"/>
-                </a:solidFill>
-                <a:latin typeface="Courier New" panose="02070309020205020404" pitchFamily="49" charset="0"/>
-                <a:ea typeface="微软雅黑" panose="020B0503020204020204" pitchFamily="34" charset="-122"/>
-                <a:cs typeface="Courier New" panose="02070309020205020404" pitchFamily="49" charset="0"/>
-              </a:rPr>
-              <a:t>最后插入位置</a:t>
-            </a:r>
-            <a:r>
-              <a:rPr lang="en-US" altLang="zh-CN" sz="1100" b="1" smtClean="0">
-                <a:solidFill>
-                  <a:srgbClr val="0070C0"/>
-                </a:solidFill>
-                <a:latin typeface="Courier New" panose="02070309020205020404" pitchFamily="49" charset="0"/>
-                <a:ea typeface="微软雅黑" panose="020B0503020204020204" pitchFamily="34" charset="-122"/>
-                <a:cs typeface="Courier New" panose="02070309020205020404" pitchFamily="49" charset="0"/>
-              </a:rPr>
-              <a:t>(2)</a:t>
-            </a:r>
-            <a:endParaRPr lang="zh-CN" altLang="en-US" sz="1100" b="1">
-              <a:solidFill>
-                <a:srgbClr val="0070C0"/>
-              </a:solidFill>
-              <a:latin typeface="Courier New" panose="02070309020205020404" pitchFamily="49" charset="0"/>
-              <a:ea typeface="微软雅黑" panose="020B0503020204020204" pitchFamily="34" charset="-122"/>
-              <a:cs typeface="Courier New" panose="02070309020205020404" pitchFamily="49" charset="0"/>
-            </a:endParaRPr>
-          </a:p>
-        </p:txBody>
-      </p:sp>
-      <p:sp>
-        <p:nvSpPr>
-          <p:cNvPr id="160" name="文本框 159"/>
-          <p:cNvSpPr txBox="1"/>
-          <p:nvPr/>
-        </p:nvSpPr>
-        <p:spPr>
-          <a:xfrm>
-            <a:off x="9666480" y="1889961"/>
-            <a:ext cx="1596912" cy="261610"/>
-          </a:xfrm>
-          <a:prstGeom prst="rect">
-            <a:avLst/>
-          </a:prstGeom>
-          <a:noFill/>
-        </p:spPr>
-        <p:txBody>
-          <a:bodyPr wrap="none" rtlCol="0">
-            <a:spAutoFit/>
-          </a:bodyPr>
-          <a:lstStyle/>
-          <a:p>
-            <a:r>
-              <a:rPr lang="zh-CN" altLang="en-US" sz="1100" b="1" smtClean="0">
-                <a:solidFill>
-                  <a:srgbClr val="0070C0"/>
-                </a:solidFill>
-                <a:latin typeface="Courier New" panose="02070309020205020404" pitchFamily="49" charset="0"/>
-                <a:ea typeface="微软雅黑" panose="020B0503020204020204" pitchFamily="34" charset="-122"/>
-                <a:cs typeface="Courier New" panose="02070309020205020404" pitchFamily="49" charset="0"/>
-              </a:rPr>
-              <a:t>当前页最大事务</a:t>
-            </a:r>
-            <a:r>
-              <a:rPr lang="en-US" altLang="zh-CN" sz="1100" b="1" smtClean="0">
-                <a:solidFill>
-                  <a:srgbClr val="0070C0"/>
-                </a:solidFill>
-                <a:latin typeface="Courier New" panose="02070309020205020404" pitchFamily="49" charset="0"/>
-                <a:ea typeface="微软雅黑" panose="020B0503020204020204" pitchFamily="34" charset="-122"/>
-                <a:cs typeface="Courier New" panose="02070309020205020404" pitchFamily="49" charset="0"/>
-              </a:rPr>
-              <a:t>ID(8)</a:t>
-            </a:r>
-            <a:endParaRPr lang="zh-CN" altLang="en-US" sz="1100" b="1">
-              <a:solidFill>
-                <a:srgbClr val="0070C0"/>
-              </a:solidFill>
-              <a:latin typeface="Courier New" panose="02070309020205020404" pitchFamily="49" charset="0"/>
-              <a:ea typeface="微软雅黑" panose="020B0503020204020204" pitchFamily="34" charset="-122"/>
-              <a:cs typeface="Courier New" panose="02070309020205020404" pitchFamily="49" charset="0"/>
-            </a:endParaRPr>
-          </a:p>
-        </p:txBody>
-      </p:sp>
-      <p:sp>
-        <p:nvSpPr>
           <p:cNvPr id="163" name="矩形 162"/>
           <p:cNvSpPr/>
           <p:nvPr/>
         </p:nvSpPr>
         <p:spPr>
           <a:xfrm>
-            <a:off x="3625433" y="2068130"/>
+            <a:off x="3957930" y="2400634"/>
             <a:ext cx="491026" cy="172559"/>
           </a:xfrm>
           <a:prstGeom prst="rect">
@@ -6034,7 +5974,7 @@
         </p:nvSpPr>
         <p:spPr>
           <a:xfrm>
-            <a:off x="4754203" y="2071206"/>
+            <a:off x="5086700" y="2403710"/>
             <a:ext cx="491026" cy="172559"/>
           </a:xfrm>
           <a:prstGeom prst="rect">
@@ -6080,7 +6020,7 @@
         </p:nvSpPr>
         <p:spPr>
           <a:xfrm>
-            <a:off x="4181269" y="2068130"/>
+            <a:off x="4513766" y="2400634"/>
             <a:ext cx="491026" cy="172559"/>
           </a:xfrm>
           <a:prstGeom prst="rect">
@@ -6126,7 +6066,7 @@
         </p:nvCxnSpPr>
         <p:spPr>
           <a:xfrm flipV="1">
-            <a:off x="11452679" y="4101295"/>
+            <a:off x="10964177" y="4712745"/>
             <a:ext cx="31464" cy="649886"/>
           </a:xfrm>
           <a:prstGeom prst="straightConnector1">
@@ -6162,7 +6102,7 @@
         </p:nvCxnSpPr>
         <p:spPr>
           <a:xfrm flipV="1">
-            <a:off x="11605079" y="4253695"/>
+            <a:off x="11116577" y="4865145"/>
             <a:ext cx="31464" cy="649886"/>
           </a:xfrm>
           <a:prstGeom prst="straightConnector1">
@@ -6198,7 +6138,7 @@
         </p:nvCxnSpPr>
         <p:spPr>
           <a:xfrm flipV="1">
-            <a:off x="11757479" y="4406095"/>
+            <a:off x="11268977" y="5017545"/>
             <a:ext cx="31464" cy="649886"/>
           </a:xfrm>
           <a:prstGeom prst="straightConnector1">
@@ -6234,7 +6174,7 @@
         </p:nvCxnSpPr>
         <p:spPr>
           <a:xfrm flipV="1">
-            <a:off x="11909879" y="4558495"/>
+            <a:off x="11421377" y="5169945"/>
             <a:ext cx="31464" cy="649886"/>
           </a:xfrm>
           <a:prstGeom prst="straightConnector1">
@@ -6273,7 +6213,7 @@
         </p:nvCxnSpPr>
         <p:spPr>
           <a:xfrm flipV="1">
-            <a:off x="7617382" y="2020766"/>
+            <a:off x="7949879" y="2353270"/>
             <a:ext cx="2049098" cy="130805"/>
           </a:xfrm>
           <a:prstGeom prst="straightConnector1">
@@ -6309,7 +6249,7 @@
         </p:nvCxnSpPr>
         <p:spPr>
           <a:xfrm flipV="1">
-            <a:off x="10271984" y="2961106"/>
+            <a:off x="10604481" y="3293610"/>
             <a:ext cx="31464" cy="649886"/>
           </a:xfrm>
           <a:prstGeom prst="straightConnector1">
@@ -6345,7 +6285,7 @@
         </p:nvCxnSpPr>
         <p:spPr>
           <a:xfrm flipV="1">
-            <a:off x="10424384" y="3113506"/>
+            <a:off x="10756881" y="3446010"/>
             <a:ext cx="31464" cy="649886"/>
           </a:xfrm>
           <a:prstGeom prst="straightConnector1">
@@ -6381,7 +6321,7 @@
         </p:nvCxnSpPr>
         <p:spPr>
           <a:xfrm flipV="1">
-            <a:off x="10576784" y="3265906"/>
+            <a:off x="10909281" y="3598410"/>
             <a:ext cx="31464" cy="649886"/>
           </a:xfrm>
           <a:prstGeom prst="straightConnector1">
@@ -6417,7 +6357,7 @@
         </p:nvCxnSpPr>
         <p:spPr>
           <a:xfrm flipV="1">
-            <a:off x="10729184" y="3418306"/>
+            <a:off x="11061681" y="3750810"/>
             <a:ext cx="31464" cy="649886"/>
           </a:xfrm>
           <a:prstGeom prst="straightConnector1">
@@ -6453,7 +6393,7 @@
         </p:nvSpPr>
         <p:spPr>
           <a:xfrm>
-            <a:off x="3044881" y="2859576"/>
+            <a:off x="3377378" y="3192080"/>
             <a:ext cx="2200347" cy="179712"/>
           </a:xfrm>
           <a:prstGeom prst="rect">
@@ -6499,7 +6439,7 @@
         </p:nvSpPr>
         <p:spPr>
           <a:xfrm>
-            <a:off x="2676009" y="6178147"/>
+            <a:off x="3008506" y="6150434"/>
             <a:ext cx="1091242" cy="183915"/>
           </a:xfrm>
           <a:prstGeom prst="rect">
@@ -6545,7 +6485,7 @@
         </p:nvSpPr>
         <p:spPr>
           <a:xfrm>
-            <a:off x="2828409" y="6330547"/>
+            <a:off x="3160906" y="6302834"/>
             <a:ext cx="1091242" cy="183915"/>
           </a:xfrm>
           <a:prstGeom prst="rect">
@@ -6591,7 +6531,7 @@
         </p:nvSpPr>
         <p:spPr>
           <a:xfrm>
-            <a:off x="3041501" y="2675532"/>
+            <a:off x="3373998" y="3008036"/>
             <a:ext cx="4575879" cy="162352"/>
           </a:xfrm>
           <a:prstGeom prst="rect">
@@ -6637,7 +6577,7 @@
         </p:nvSpPr>
         <p:spPr>
           <a:xfrm>
-            <a:off x="4466670" y="6044852"/>
+            <a:off x="4799167" y="6017139"/>
             <a:ext cx="1075802" cy="183860"/>
           </a:xfrm>
           <a:prstGeom prst="rect">
@@ -6683,7 +6623,7 @@
         </p:nvSpPr>
         <p:spPr>
           <a:xfrm>
-            <a:off x="4619070" y="6197252"/>
+            <a:off x="4951567" y="6169539"/>
             <a:ext cx="1075802" cy="183860"/>
           </a:xfrm>
           <a:prstGeom prst="rect">
@@ -6729,7 +6669,7 @@
         </p:nvSpPr>
         <p:spPr>
           <a:xfrm>
-            <a:off x="4771470" y="6349652"/>
+            <a:off x="5103967" y="6321939"/>
             <a:ext cx="1075802" cy="183860"/>
           </a:xfrm>
           <a:prstGeom prst="rect">
@@ -6777,13 +6717,1609 @@
   <p:clrMapOvr>
     <a:masterClrMapping/>
   </p:clrMapOvr>
-  <p:timing>
-    <p:tnLst>
-      <p:par>
-        <p:cTn id="1" dur="indefinite" restart="never" nodeType="tmRoot"/>
-      </p:par>
-    </p:tnLst>
-  </p:timing>
+</p:sld>
+</file>
+
+<file path=ppt/slides/slide2.xml><?xml version="1.0" encoding="utf-8"?>
+<p:sld xmlns:a="http://schemas.openxmlformats.org/drawingml/2006/main" xmlns:r="http://schemas.openxmlformats.org/officeDocument/2006/relationships" xmlns:p="http://schemas.openxmlformats.org/presentationml/2006/main">
+  <p:cSld>
+    <p:spTree>
+      <p:nvGrpSpPr>
+        <p:cNvPr id="1" name=""/>
+        <p:cNvGrpSpPr/>
+        <p:nvPr/>
+      </p:nvGrpSpPr>
+      <p:grpSpPr>
+        <a:xfrm>
+          <a:off x="0" y="0"/>
+          <a:ext cx="0" cy="0"/>
+          <a:chOff x="0" y="0"/>
+          <a:chExt cx="0" cy="0"/>
+        </a:xfrm>
+      </p:grpSpPr>
+      <p:sp>
+        <p:nvSpPr>
+          <p:cNvPr id="4" name="矩形 3">
+            <a:extLst>
+              <a:ext uri="{FF2B5EF4-FFF2-40B4-BE49-F238E27FC236}">
+                <a16:creationId xmlns:a16="http://schemas.microsoft.com/office/drawing/2014/main" id="{0974C99B-15B1-41AF-A35D-D0BB93724448}"/>
+              </a:ext>
+            </a:extLst>
+          </p:cNvPr>
+          <p:cNvSpPr/>
+          <p:nvPr/>
+        </p:nvSpPr>
+        <p:spPr>
+          <a:xfrm>
+            <a:off x="753035" y="665021"/>
+            <a:ext cx="6707772" cy="5199529"/>
+          </a:xfrm>
+          <a:prstGeom prst="rect">
+            <a:avLst/>
+          </a:prstGeom>
+          <a:noFill/>
+        </p:spPr>
+        <p:style>
+          <a:lnRef idx="2">
+            <a:schemeClr val="accent1">
+              <a:shade val="50000"/>
+            </a:schemeClr>
+          </a:lnRef>
+          <a:fillRef idx="1">
+            <a:schemeClr val="accent1"/>
+          </a:fillRef>
+          <a:effectRef idx="0">
+            <a:schemeClr val="accent1"/>
+          </a:effectRef>
+          <a:fontRef idx="minor">
+            <a:schemeClr val="lt1"/>
+          </a:fontRef>
+        </p:style>
+        <p:txBody>
+          <a:bodyPr rtlCol="0" anchor="ctr"/>
+          <a:lstStyle/>
+          <a:p>
+            <a:pPr algn="ctr"/>
+            <a:endParaRPr lang="zh-CN" altLang="en-US"/>
+          </a:p>
+        </p:txBody>
+      </p:sp>
+      <p:sp>
+        <p:nvSpPr>
+          <p:cNvPr id="5" name="矩形 4">
+            <a:extLst>
+              <a:ext uri="{FF2B5EF4-FFF2-40B4-BE49-F238E27FC236}">
+                <a16:creationId xmlns:a16="http://schemas.microsoft.com/office/drawing/2014/main" id="{2230B3E9-A054-4E81-AC1B-0277C92AB241}"/>
+              </a:ext>
+            </a:extLst>
+          </p:cNvPr>
+          <p:cNvSpPr/>
+          <p:nvPr/>
+        </p:nvSpPr>
+        <p:spPr>
+          <a:xfrm>
+            <a:off x="7770362" y="665021"/>
+            <a:ext cx="2070847" cy="5199529"/>
+          </a:xfrm>
+          <a:prstGeom prst="rect">
+            <a:avLst/>
+          </a:prstGeom>
+          <a:noFill/>
+        </p:spPr>
+        <p:style>
+          <a:lnRef idx="2">
+            <a:schemeClr val="accent1">
+              <a:shade val="50000"/>
+            </a:schemeClr>
+          </a:lnRef>
+          <a:fillRef idx="1">
+            <a:schemeClr val="accent1"/>
+          </a:fillRef>
+          <a:effectRef idx="0">
+            <a:schemeClr val="accent1"/>
+          </a:effectRef>
+          <a:fontRef idx="minor">
+            <a:schemeClr val="lt1"/>
+          </a:fontRef>
+        </p:style>
+        <p:txBody>
+          <a:bodyPr rtlCol="0" anchor="ctr"/>
+          <a:lstStyle/>
+          <a:p>
+            <a:pPr algn="ctr"/>
+            <a:endParaRPr lang="zh-CN" altLang="en-US"/>
+          </a:p>
+        </p:txBody>
+      </p:sp>
+      <p:sp>
+        <p:nvSpPr>
+          <p:cNvPr id="6" name="矩形 5">
+            <a:extLst>
+              <a:ext uri="{FF2B5EF4-FFF2-40B4-BE49-F238E27FC236}">
+                <a16:creationId xmlns:a16="http://schemas.microsoft.com/office/drawing/2014/main" id="{23852356-AA5D-4B76-8E1E-49627888A0ED}"/>
+              </a:ext>
+            </a:extLst>
+          </p:cNvPr>
+          <p:cNvSpPr/>
+          <p:nvPr/>
+        </p:nvSpPr>
+        <p:spPr>
+          <a:xfrm>
+            <a:off x="10150764" y="665021"/>
+            <a:ext cx="1377847" cy="5199529"/>
+          </a:xfrm>
+          <a:prstGeom prst="rect">
+            <a:avLst/>
+          </a:prstGeom>
+          <a:noFill/>
+        </p:spPr>
+        <p:style>
+          <a:lnRef idx="2">
+            <a:schemeClr val="accent1">
+              <a:shade val="50000"/>
+            </a:schemeClr>
+          </a:lnRef>
+          <a:fillRef idx="1">
+            <a:schemeClr val="accent1"/>
+          </a:fillRef>
+          <a:effectRef idx="0">
+            <a:schemeClr val="accent1"/>
+          </a:effectRef>
+          <a:fontRef idx="minor">
+            <a:schemeClr val="lt1"/>
+          </a:fontRef>
+        </p:style>
+        <p:txBody>
+          <a:bodyPr rtlCol="0" anchor="ctr"/>
+          <a:lstStyle/>
+          <a:p>
+            <a:pPr algn="ctr"/>
+            <a:endParaRPr lang="zh-CN" altLang="en-US"/>
+          </a:p>
+        </p:txBody>
+      </p:sp>
+      <p:sp>
+        <p:nvSpPr>
+          <p:cNvPr id="7" name="矩形 6">
+            <a:extLst>
+              <a:ext uri="{FF2B5EF4-FFF2-40B4-BE49-F238E27FC236}">
+                <a16:creationId xmlns:a16="http://schemas.microsoft.com/office/drawing/2014/main" id="{FB54B91B-AC7C-4374-BA36-6CD8A911B478}"/>
+              </a:ext>
+            </a:extLst>
+          </p:cNvPr>
+          <p:cNvSpPr/>
+          <p:nvPr/>
+        </p:nvSpPr>
+        <p:spPr>
+          <a:xfrm>
+            <a:off x="4313242" y="1579890"/>
+            <a:ext cx="2807994" cy="3929876"/>
+          </a:xfrm>
+          <a:prstGeom prst="rect">
+            <a:avLst/>
+          </a:prstGeom>
+          <a:noFill/>
+          <a:ln>
+            <a:prstDash val="lgDashDot"/>
+          </a:ln>
+        </p:spPr>
+        <p:style>
+          <a:lnRef idx="2">
+            <a:schemeClr val="accent1">
+              <a:shade val="50000"/>
+            </a:schemeClr>
+          </a:lnRef>
+          <a:fillRef idx="1">
+            <a:schemeClr val="accent1"/>
+          </a:fillRef>
+          <a:effectRef idx="0">
+            <a:schemeClr val="accent1"/>
+          </a:effectRef>
+          <a:fontRef idx="minor">
+            <a:schemeClr val="lt1"/>
+          </a:fontRef>
+        </p:style>
+        <p:txBody>
+          <a:bodyPr rtlCol="0" anchor="ctr"/>
+          <a:lstStyle/>
+          <a:p>
+            <a:pPr algn="ctr"/>
+            <a:endParaRPr lang="zh-CN" altLang="en-US"/>
+          </a:p>
+        </p:txBody>
+      </p:sp>
+      <p:sp>
+        <p:nvSpPr>
+          <p:cNvPr id="8" name="矩形 7">
+            <a:extLst>
+              <a:ext uri="{FF2B5EF4-FFF2-40B4-BE49-F238E27FC236}">
+                <a16:creationId xmlns:a16="http://schemas.microsoft.com/office/drawing/2014/main" id="{3B1E47A7-E941-481B-86D9-A0DFC57EED97}"/>
+              </a:ext>
+            </a:extLst>
+          </p:cNvPr>
+          <p:cNvSpPr/>
+          <p:nvPr/>
+        </p:nvSpPr>
+        <p:spPr>
+          <a:xfrm>
+            <a:off x="1147007" y="1579890"/>
+            <a:ext cx="2807994" cy="3929876"/>
+          </a:xfrm>
+          <a:prstGeom prst="rect">
+            <a:avLst/>
+          </a:prstGeom>
+          <a:noFill/>
+          <a:ln>
+            <a:prstDash val="lgDashDot"/>
+          </a:ln>
+        </p:spPr>
+        <p:style>
+          <a:lnRef idx="2">
+            <a:schemeClr val="accent1">
+              <a:shade val="50000"/>
+            </a:schemeClr>
+          </a:lnRef>
+          <a:fillRef idx="1">
+            <a:schemeClr val="accent1"/>
+          </a:fillRef>
+          <a:effectRef idx="0">
+            <a:schemeClr val="accent1"/>
+          </a:effectRef>
+          <a:fontRef idx="minor">
+            <a:schemeClr val="lt1"/>
+          </a:fontRef>
+        </p:style>
+        <p:txBody>
+          <a:bodyPr rtlCol="0" anchor="ctr"/>
+          <a:lstStyle/>
+          <a:p>
+            <a:pPr algn="ctr"/>
+            <a:endParaRPr lang="zh-CN" altLang="en-US"/>
+          </a:p>
+        </p:txBody>
+      </p:sp>
+      <p:sp>
+        <p:nvSpPr>
+          <p:cNvPr id="9" name="文本框 8">
+            <a:extLst>
+              <a:ext uri="{FF2B5EF4-FFF2-40B4-BE49-F238E27FC236}">
+                <a16:creationId xmlns:a16="http://schemas.microsoft.com/office/drawing/2014/main" id="{CEF1F85D-58BE-4F3D-9C61-C3BD1B508EED}"/>
+              </a:ext>
+            </a:extLst>
+          </p:cNvPr>
+          <p:cNvSpPr txBox="1"/>
+          <p:nvPr/>
+        </p:nvSpPr>
+        <p:spPr>
+          <a:xfrm>
+            <a:off x="3807800" y="937790"/>
+            <a:ext cx="671979" cy="369332"/>
+          </a:xfrm>
+          <a:prstGeom prst="rect">
+            <a:avLst/>
+          </a:prstGeom>
+          <a:noFill/>
+        </p:spPr>
+        <p:txBody>
+          <a:bodyPr wrap="none" rtlCol="0">
+            <a:spAutoFit/>
+          </a:bodyPr>
+          <a:lstStyle/>
+          <a:p>
+            <a:r>
+              <a:rPr lang="en-US" altLang="zh-CN" b="1" dirty="0">
+                <a:latin typeface="微软雅黑" panose="020B0503020204020204" pitchFamily="34" charset="-122"/>
+                <a:ea typeface="微软雅黑" panose="020B0503020204020204" pitchFamily="34" charset="-122"/>
+                <a:cs typeface="Courier New" panose="02070309020205020404" pitchFamily="49" charset="0"/>
+              </a:rPr>
+              <a:t>CPU</a:t>
+            </a:r>
+            <a:endParaRPr lang="zh-CN" altLang="en-US" b="1" dirty="0">
+              <a:latin typeface="微软雅黑" panose="020B0503020204020204" pitchFamily="34" charset="-122"/>
+              <a:ea typeface="微软雅黑" panose="020B0503020204020204" pitchFamily="34" charset="-122"/>
+              <a:cs typeface="Courier New" panose="02070309020205020404" pitchFamily="49" charset="0"/>
+            </a:endParaRPr>
+          </a:p>
+        </p:txBody>
+      </p:sp>
+      <p:sp>
+        <p:nvSpPr>
+          <p:cNvPr id="10" name="文本框 9">
+            <a:extLst>
+              <a:ext uri="{FF2B5EF4-FFF2-40B4-BE49-F238E27FC236}">
+                <a16:creationId xmlns:a16="http://schemas.microsoft.com/office/drawing/2014/main" id="{E039700B-A5C6-4995-B17D-CC75BDB5DFBA}"/>
+              </a:ext>
+            </a:extLst>
+          </p:cNvPr>
+          <p:cNvSpPr txBox="1"/>
+          <p:nvPr/>
+        </p:nvSpPr>
+        <p:spPr>
+          <a:xfrm>
+            <a:off x="2162235" y="4852013"/>
+            <a:ext cx="805029" cy="338554"/>
+          </a:xfrm>
+          <a:prstGeom prst="rect">
+            <a:avLst/>
+          </a:prstGeom>
+          <a:noFill/>
+        </p:spPr>
+        <p:txBody>
+          <a:bodyPr wrap="none" rtlCol="0">
+            <a:spAutoFit/>
+          </a:bodyPr>
+          <a:lstStyle/>
+          <a:p>
+            <a:r>
+              <a:rPr lang="zh-CN" altLang="en-US" sz="1600" b="1" dirty="0">
+                <a:latin typeface="微软雅黑" panose="020B0503020204020204" pitchFamily="34" charset="-122"/>
+                <a:ea typeface="微软雅黑" panose="020B0503020204020204" pitchFamily="34" charset="-122"/>
+                <a:cs typeface="Courier New" panose="02070309020205020404" pitchFamily="49" charset="0"/>
+              </a:rPr>
+              <a:t>运算器</a:t>
+            </a:r>
+          </a:p>
+        </p:txBody>
+      </p:sp>
+      <p:sp>
+        <p:nvSpPr>
+          <p:cNvPr id="11" name="文本框 10">
+            <a:extLst>
+              <a:ext uri="{FF2B5EF4-FFF2-40B4-BE49-F238E27FC236}">
+                <a16:creationId xmlns:a16="http://schemas.microsoft.com/office/drawing/2014/main" id="{63839653-6BE0-4D49-9447-598BF7DB09ED}"/>
+              </a:ext>
+            </a:extLst>
+          </p:cNvPr>
+          <p:cNvSpPr txBox="1"/>
+          <p:nvPr/>
+        </p:nvSpPr>
+        <p:spPr>
+          <a:xfrm>
+            <a:off x="5314724" y="4852013"/>
+            <a:ext cx="805029" cy="338554"/>
+          </a:xfrm>
+          <a:prstGeom prst="rect">
+            <a:avLst/>
+          </a:prstGeom>
+          <a:noFill/>
+        </p:spPr>
+        <p:txBody>
+          <a:bodyPr wrap="none" rtlCol="0">
+            <a:spAutoFit/>
+          </a:bodyPr>
+          <a:lstStyle/>
+          <a:p>
+            <a:r>
+              <a:rPr lang="zh-CN" altLang="en-US" sz="1600" b="1" dirty="0">
+                <a:latin typeface="微软雅黑" panose="020B0503020204020204" pitchFamily="34" charset="-122"/>
+                <a:ea typeface="微软雅黑" panose="020B0503020204020204" pitchFamily="34" charset="-122"/>
+                <a:cs typeface="Courier New" panose="02070309020205020404" pitchFamily="49" charset="0"/>
+              </a:rPr>
+              <a:t>控制器</a:t>
+            </a:r>
+            <a:endParaRPr lang="zh-CN" altLang="en-US" b="1" dirty="0">
+              <a:latin typeface="微软雅黑" panose="020B0503020204020204" pitchFamily="34" charset="-122"/>
+              <a:ea typeface="微软雅黑" panose="020B0503020204020204" pitchFamily="34" charset="-122"/>
+              <a:cs typeface="Courier New" panose="02070309020205020404" pitchFamily="49" charset="0"/>
+            </a:endParaRPr>
+          </a:p>
+        </p:txBody>
+      </p:sp>
+      <p:sp>
+        <p:nvSpPr>
+          <p:cNvPr id="12" name="矩形 11">
+            <a:extLst>
+              <a:ext uri="{FF2B5EF4-FFF2-40B4-BE49-F238E27FC236}">
+                <a16:creationId xmlns:a16="http://schemas.microsoft.com/office/drawing/2014/main" id="{BA89F87B-A1FD-43C8-A1A4-3A5DC9946F65}"/>
+              </a:ext>
+            </a:extLst>
+          </p:cNvPr>
+          <p:cNvSpPr/>
+          <p:nvPr/>
+        </p:nvSpPr>
+        <p:spPr>
+          <a:xfrm>
+            <a:off x="8104113" y="937791"/>
+            <a:ext cx="1427814" cy="1870068"/>
+          </a:xfrm>
+          <a:prstGeom prst="rect">
+            <a:avLst/>
+          </a:prstGeom>
+        </p:spPr>
+        <p:style>
+          <a:lnRef idx="2">
+            <a:schemeClr val="accent1">
+              <a:shade val="50000"/>
+            </a:schemeClr>
+          </a:lnRef>
+          <a:fillRef idx="1">
+            <a:schemeClr val="accent1"/>
+          </a:fillRef>
+          <a:effectRef idx="0">
+            <a:schemeClr val="accent1"/>
+          </a:effectRef>
+          <a:fontRef idx="minor">
+            <a:schemeClr val="lt1"/>
+          </a:fontRef>
+        </p:style>
+        <p:txBody>
+          <a:bodyPr rtlCol="0" anchor="ctr"/>
+          <a:lstStyle/>
+          <a:p>
+            <a:pPr algn="ctr"/>
+            <a:r>
+              <a:rPr lang="zh-CN" altLang="en-US" b="1" dirty="0">
+                <a:latin typeface="微软雅黑" panose="020B0503020204020204" pitchFamily="34" charset="-122"/>
+                <a:ea typeface="微软雅黑" panose="020B0503020204020204" pitchFamily="34" charset="-122"/>
+                <a:cs typeface="Courier New" panose="02070309020205020404" pitchFamily="49" charset="0"/>
+              </a:rPr>
+              <a:t>存</a:t>
+            </a:r>
+            <a:endParaRPr lang="en-US" altLang="zh-CN" b="1" dirty="0">
+              <a:latin typeface="微软雅黑" panose="020B0503020204020204" pitchFamily="34" charset="-122"/>
+              <a:ea typeface="微软雅黑" panose="020B0503020204020204" pitchFamily="34" charset="-122"/>
+              <a:cs typeface="Courier New" panose="02070309020205020404" pitchFamily="49" charset="0"/>
+            </a:endParaRPr>
+          </a:p>
+          <a:p>
+            <a:pPr algn="ctr"/>
+            <a:r>
+              <a:rPr lang="zh-CN" altLang="en-US" b="1" dirty="0">
+                <a:latin typeface="微软雅黑" panose="020B0503020204020204" pitchFamily="34" charset="-122"/>
+                <a:ea typeface="微软雅黑" panose="020B0503020204020204" pitchFamily="34" charset="-122"/>
+                <a:cs typeface="Courier New" panose="02070309020205020404" pitchFamily="49" charset="0"/>
+              </a:rPr>
+              <a:t>储</a:t>
+            </a:r>
+            <a:endParaRPr lang="en-US" altLang="zh-CN" b="1" dirty="0">
+              <a:latin typeface="微软雅黑" panose="020B0503020204020204" pitchFamily="34" charset="-122"/>
+              <a:ea typeface="微软雅黑" panose="020B0503020204020204" pitchFamily="34" charset="-122"/>
+              <a:cs typeface="Courier New" panose="02070309020205020404" pitchFamily="49" charset="0"/>
+            </a:endParaRPr>
+          </a:p>
+          <a:p>
+            <a:pPr algn="ctr"/>
+            <a:r>
+              <a:rPr lang="zh-CN" altLang="en-US" b="1" dirty="0">
+                <a:latin typeface="微软雅黑" panose="020B0503020204020204" pitchFamily="34" charset="-122"/>
+                <a:ea typeface="微软雅黑" panose="020B0503020204020204" pitchFamily="34" charset="-122"/>
+                <a:cs typeface="Courier New" panose="02070309020205020404" pitchFamily="49" charset="0"/>
+              </a:rPr>
+              <a:t>体</a:t>
+            </a:r>
+            <a:endParaRPr lang="en-US" altLang="zh-CN" b="1" dirty="0">
+              <a:latin typeface="微软雅黑" panose="020B0503020204020204" pitchFamily="34" charset="-122"/>
+              <a:ea typeface="微软雅黑" panose="020B0503020204020204" pitchFamily="34" charset="-122"/>
+              <a:cs typeface="Courier New" panose="02070309020205020404" pitchFamily="49" charset="0"/>
+            </a:endParaRPr>
+          </a:p>
+          <a:p>
+            <a:pPr algn="ctr"/>
+            <a:r>
+              <a:rPr lang="en-US" altLang="zh-CN" b="1" dirty="0">
+                <a:latin typeface="微软雅黑" panose="020B0503020204020204" pitchFamily="34" charset="-122"/>
+                <a:ea typeface="微软雅黑" panose="020B0503020204020204" pitchFamily="34" charset="-122"/>
+                <a:cs typeface="Courier New" panose="02070309020205020404" pitchFamily="49" charset="0"/>
+              </a:rPr>
+              <a:t>M</a:t>
+            </a:r>
+            <a:endParaRPr lang="zh-CN" altLang="en-US" b="1" dirty="0">
+              <a:latin typeface="微软雅黑" panose="020B0503020204020204" pitchFamily="34" charset="-122"/>
+              <a:ea typeface="微软雅黑" panose="020B0503020204020204" pitchFamily="34" charset="-122"/>
+              <a:cs typeface="Courier New" panose="02070309020205020404" pitchFamily="49" charset="0"/>
+            </a:endParaRPr>
+          </a:p>
+        </p:txBody>
+      </p:sp>
+      <p:sp>
+        <p:nvSpPr>
+          <p:cNvPr id="13" name="文本框 12">
+            <a:extLst>
+              <a:ext uri="{FF2B5EF4-FFF2-40B4-BE49-F238E27FC236}">
+                <a16:creationId xmlns:a16="http://schemas.microsoft.com/office/drawing/2014/main" id="{3ACF6FBD-A782-47E2-814C-AA7BA61780FE}"/>
+              </a:ext>
+            </a:extLst>
+          </p:cNvPr>
+          <p:cNvSpPr txBox="1"/>
+          <p:nvPr/>
+        </p:nvSpPr>
+        <p:spPr>
+          <a:xfrm>
+            <a:off x="8260816" y="5005901"/>
+            <a:ext cx="1114408" cy="369332"/>
+          </a:xfrm>
+          <a:prstGeom prst="rect">
+            <a:avLst/>
+          </a:prstGeom>
+          <a:noFill/>
+        </p:spPr>
+        <p:txBody>
+          <a:bodyPr wrap="none" rtlCol="0">
+            <a:spAutoFit/>
+          </a:bodyPr>
+          <a:lstStyle/>
+          <a:p>
+            <a:r>
+              <a:rPr lang="zh-CN" altLang="en-US" b="1" dirty="0">
+                <a:latin typeface="微软雅黑" panose="020B0503020204020204" pitchFamily="34" charset="-122"/>
+                <a:ea typeface="微软雅黑" panose="020B0503020204020204" pitchFamily="34" charset="-122"/>
+                <a:cs typeface="Courier New" panose="02070309020205020404" pitchFamily="49" charset="0"/>
+              </a:rPr>
+              <a:t>主存储器</a:t>
+            </a:r>
+          </a:p>
+        </p:txBody>
+      </p:sp>
+      <p:sp>
+        <p:nvSpPr>
+          <p:cNvPr id="14" name="矩形 13">
+            <a:extLst>
+              <a:ext uri="{FF2B5EF4-FFF2-40B4-BE49-F238E27FC236}">
+                <a16:creationId xmlns:a16="http://schemas.microsoft.com/office/drawing/2014/main" id="{1F0C376D-C1C0-40C6-A56B-1AC80F2B29AA}"/>
+              </a:ext>
+            </a:extLst>
+          </p:cNvPr>
+          <p:cNvSpPr/>
+          <p:nvPr/>
+        </p:nvSpPr>
+        <p:spPr>
+          <a:xfrm>
+            <a:off x="8104113" y="2941509"/>
+            <a:ext cx="1427814" cy="720713"/>
+          </a:xfrm>
+          <a:prstGeom prst="rect">
+            <a:avLst/>
+          </a:prstGeom>
+        </p:spPr>
+        <p:style>
+          <a:lnRef idx="2">
+            <a:schemeClr val="accent1">
+              <a:shade val="50000"/>
+            </a:schemeClr>
+          </a:lnRef>
+          <a:fillRef idx="1">
+            <a:schemeClr val="accent1"/>
+          </a:fillRef>
+          <a:effectRef idx="0">
+            <a:schemeClr val="accent1"/>
+          </a:effectRef>
+          <a:fontRef idx="minor">
+            <a:schemeClr val="lt1"/>
+          </a:fontRef>
+        </p:style>
+        <p:txBody>
+          <a:bodyPr rtlCol="0" anchor="ctr"/>
+          <a:lstStyle/>
+          <a:p>
+            <a:pPr algn="ctr"/>
+            <a:r>
+              <a:rPr lang="en-US" altLang="zh-CN" b="1" dirty="0">
+                <a:latin typeface="微软雅黑" panose="020B0503020204020204" pitchFamily="34" charset="-122"/>
+                <a:ea typeface="微软雅黑" panose="020B0503020204020204" pitchFamily="34" charset="-122"/>
+                <a:cs typeface="Courier New" panose="02070309020205020404" pitchFamily="49" charset="0"/>
+              </a:rPr>
+              <a:t>MDR</a:t>
+            </a:r>
+            <a:endParaRPr lang="zh-CN" altLang="en-US" b="1" dirty="0">
+              <a:latin typeface="微软雅黑" panose="020B0503020204020204" pitchFamily="34" charset="-122"/>
+              <a:ea typeface="微软雅黑" panose="020B0503020204020204" pitchFamily="34" charset="-122"/>
+              <a:cs typeface="Courier New" panose="02070309020205020404" pitchFamily="49" charset="0"/>
+            </a:endParaRPr>
+          </a:p>
+        </p:txBody>
+      </p:sp>
+      <p:sp>
+        <p:nvSpPr>
+          <p:cNvPr id="15" name="矩形 14">
+            <a:extLst>
+              <a:ext uri="{FF2B5EF4-FFF2-40B4-BE49-F238E27FC236}">
+                <a16:creationId xmlns:a16="http://schemas.microsoft.com/office/drawing/2014/main" id="{0EA73DB5-2652-4BB8-99AE-A9C0B16B0F2D}"/>
+              </a:ext>
+            </a:extLst>
+          </p:cNvPr>
+          <p:cNvSpPr/>
+          <p:nvPr/>
+        </p:nvSpPr>
+        <p:spPr>
+          <a:xfrm>
+            <a:off x="8104113" y="3795872"/>
+            <a:ext cx="1427814" cy="720713"/>
+          </a:xfrm>
+          <a:prstGeom prst="rect">
+            <a:avLst/>
+          </a:prstGeom>
+        </p:spPr>
+        <p:style>
+          <a:lnRef idx="2">
+            <a:schemeClr val="accent1">
+              <a:shade val="50000"/>
+            </a:schemeClr>
+          </a:lnRef>
+          <a:fillRef idx="1">
+            <a:schemeClr val="accent1"/>
+          </a:fillRef>
+          <a:effectRef idx="0">
+            <a:schemeClr val="accent1"/>
+          </a:effectRef>
+          <a:fontRef idx="minor">
+            <a:schemeClr val="lt1"/>
+          </a:fontRef>
+        </p:style>
+        <p:txBody>
+          <a:bodyPr rtlCol="0" anchor="ctr"/>
+          <a:lstStyle/>
+          <a:p>
+            <a:pPr algn="ctr"/>
+            <a:r>
+              <a:rPr lang="en-US" altLang="zh-CN" b="1" dirty="0">
+                <a:latin typeface="微软雅黑" panose="020B0503020204020204" pitchFamily="34" charset="-122"/>
+                <a:ea typeface="微软雅黑" panose="020B0503020204020204" pitchFamily="34" charset="-122"/>
+                <a:cs typeface="Courier New" panose="02070309020205020404" pitchFamily="49" charset="0"/>
+              </a:rPr>
+              <a:t>MAR</a:t>
+            </a:r>
+            <a:endParaRPr lang="zh-CN" altLang="en-US" b="1" dirty="0">
+              <a:latin typeface="微软雅黑" panose="020B0503020204020204" pitchFamily="34" charset="-122"/>
+              <a:ea typeface="微软雅黑" panose="020B0503020204020204" pitchFamily="34" charset="-122"/>
+              <a:cs typeface="Courier New" panose="02070309020205020404" pitchFamily="49" charset="0"/>
+            </a:endParaRPr>
+          </a:p>
+        </p:txBody>
+      </p:sp>
+      <p:sp>
+        <p:nvSpPr>
+          <p:cNvPr id="16" name="矩形 15">
+            <a:extLst>
+              <a:ext uri="{FF2B5EF4-FFF2-40B4-BE49-F238E27FC236}">
+                <a16:creationId xmlns:a16="http://schemas.microsoft.com/office/drawing/2014/main" id="{ED644559-5AAF-401B-A2E7-24CB69899D4C}"/>
+              </a:ext>
+            </a:extLst>
+          </p:cNvPr>
+          <p:cNvSpPr/>
+          <p:nvPr/>
+        </p:nvSpPr>
+        <p:spPr>
+          <a:xfrm>
+            <a:off x="1442550" y="1863931"/>
+            <a:ext cx="875988" cy="537524"/>
+          </a:xfrm>
+          <a:prstGeom prst="rect">
+            <a:avLst/>
+          </a:prstGeom>
+          <a:solidFill>
+            <a:schemeClr val="accent2">
+              <a:lumMod val="60000"/>
+              <a:lumOff val="40000"/>
+            </a:schemeClr>
+          </a:solidFill>
+          <a:ln>
+            <a:solidFill>
+              <a:schemeClr val="accent2">
+                <a:lumMod val="75000"/>
+              </a:schemeClr>
+            </a:solidFill>
+          </a:ln>
+        </p:spPr>
+        <p:style>
+          <a:lnRef idx="2">
+            <a:schemeClr val="accent1">
+              <a:shade val="50000"/>
+            </a:schemeClr>
+          </a:lnRef>
+          <a:fillRef idx="1">
+            <a:schemeClr val="accent1"/>
+          </a:fillRef>
+          <a:effectRef idx="0">
+            <a:schemeClr val="accent1"/>
+          </a:effectRef>
+          <a:fontRef idx="minor">
+            <a:schemeClr val="lt1"/>
+          </a:fontRef>
+        </p:style>
+        <p:txBody>
+          <a:bodyPr rtlCol="0" anchor="ctr"/>
+          <a:lstStyle/>
+          <a:p>
+            <a:pPr algn="ctr"/>
+            <a:r>
+              <a:rPr lang="en-US" altLang="zh-CN" b="1" dirty="0">
+                <a:latin typeface="微软雅黑" panose="020B0503020204020204" pitchFamily="34" charset="-122"/>
+                <a:ea typeface="微软雅黑" panose="020B0503020204020204" pitchFamily="34" charset="-122"/>
+              </a:rPr>
+              <a:t>ACC</a:t>
+            </a:r>
+            <a:endParaRPr lang="zh-CN" altLang="en-US" b="1" dirty="0">
+              <a:latin typeface="微软雅黑" panose="020B0503020204020204" pitchFamily="34" charset="-122"/>
+              <a:ea typeface="微软雅黑" panose="020B0503020204020204" pitchFamily="34" charset="-122"/>
+            </a:endParaRPr>
+          </a:p>
+        </p:txBody>
+      </p:sp>
+      <p:sp>
+        <p:nvSpPr>
+          <p:cNvPr id="18" name="矩形 17">
+            <a:extLst>
+              <a:ext uri="{FF2B5EF4-FFF2-40B4-BE49-F238E27FC236}">
+                <a16:creationId xmlns:a16="http://schemas.microsoft.com/office/drawing/2014/main" id="{295B19F8-12C7-4970-B84A-65E923B96A14}"/>
+              </a:ext>
+            </a:extLst>
+          </p:cNvPr>
+          <p:cNvSpPr/>
+          <p:nvPr/>
+        </p:nvSpPr>
+        <p:spPr>
+          <a:xfrm>
+            <a:off x="2820140" y="1863931"/>
+            <a:ext cx="875988" cy="537524"/>
+          </a:xfrm>
+          <a:prstGeom prst="rect">
+            <a:avLst/>
+          </a:prstGeom>
+          <a:solidFill>
+            <a:schemeClr val="accent2">
+              <a:lumMod val="60000"/>
+              <a:lumOff val="40000"/>
+            </a:schemeClr>
+          </a:solidFill>
+          <a:ln>
+            <a:solidFill>
+              <a:schemeClr val="accent2">
+                <a:lumMod val="75000"/>
+              </a:schemeClr>
+            </a:solidFill>
+          </a:ln>
+        </p:spPr>
+        <p:style>
+          <a:lnRef idx="2">
+            <a:schemeClr val="accent1">
+              <a:shade val="50000"/>
+            </a:schemeClr>
+          </a:lnRef>
+          <a:fillRef idx="1">
+            <a:schemeClr val="accent1"/>
+          </a:fillRef>
+          <a:effectRef idx="0">
+            <a:schemeClr val="accent1"/>
+          </a:effectRef>
+          <a:fontRef idx="minor">
+            <a:schemeClr val="lt1"/>
+          </a:fontRef>
+        </p:style>
+        <p:txBody>
+          <a:bodyPr rtlCol="0" anchor="ctr"/>
+          <a:lstStyle/>
+          <a:p>
+            <a:pPr algn="ctr"/>
+            <a:r>
+              <a:rPr lang="en-US" altLang="zh-CN" b="1" dirty="0">
+                <a:latin typeface="微软雅黑" panose="020B0503020204020204" pitchFamily="34" charset="-122"/>
+                <a:ea typeface="微软雅黑" panose="020B0503020204020204" pitchFamily="34" charset="-122"/>
+              </a:rPr>
+              <a:t>MQ</a:t>
+            </a:r>
+            <a:endParaRPr lang="zh-CN" altLang="en-US" b="1" dirty="0">
+              <a:latin typeface="微软雅黑" panose="020B0503020204020204" pitchFamily="34" charset="-122"/>
+              <a:ea typeface="微软雅黑" panose="020B0503020204020204" pitchFamily="34" charset="-122"/>
+            </a:endParaRPr>
+          </a:p>
+        </p:txBody>
+      </p:sp>
+      <p:sp>
+        <p:nvSpPr>
+          <p:cNvPr id="19" name="矩形 18">
+            <a:extLst>
+              <a:ext uri="{FF2B5EF4-FFF2-40B4-BE49-F238E27FC236}">
+                <a16:creationId xmlns:a16="http://schemas.microsoft.com/office/drawing/2014/main" id="{9262BFB5-251D-4F88-814F-B1B392F1DE5B}"/>
+              </a:ext>
+            </a:extLst>
+          </p:cNvPr>
+          <p:cNvSpPr/>
+          <p:nvPr/>
+        </p:nvSpPr>
+        <p:spPr>
+          <a:xfrm>
+            <a:off x="1442550" y="2909455"/>
+            <a:ext cx="875988" cy="537524"/>
+          </a:xfrm>
+          <a:prstGeom prst="rect">
+            <a:avLst/>
+          </a:prstGeom>
+          <a:solidFill>
+            <a:schemeClr val="accent2">
+              <a:lumMod val="60000"/>
+              <a:lumOff val="40000"/>
+            </a:schemeClr>
+          </a:solidFill>
+          <a:ln>
+            <a:solidFill>
+              <a:schemeClr val="accent2">
+                <a:lumMod val="75000"/>
+              </a:schemeClr>
+            </a:solidFill>
+          </a:ln>
+        </p:spPr>
+        <p:style>
+          <a:lnRef idx="2">
+            <a:schemeClr val="accent1">
+              <a:shade val="50000"/>
+            </a:schemeClr>
+          </a:lnRef>
+          <a:fillRef idx="1">
+            <a:schemeClr val="accent1"/>
+          </a:fillRef>
+          <a:effectRef idx="0">
+            <a:schemeClr val="accent1"/>
+          </a:effectRef>
+          <a:fontRef idx="minor">
+            <a:schemeClr val="lt1"/>
+          </a:fontRef>
+        </p:style>
+        <p:txBody>
+          <a:bodyPr rtlCol="0" anchor="ctr"/>
+          <a:lstStyle/>
+          <a:p>
+            <a:pPr algn="ctr"/>
+            <a:r>
+              <a:rPr lang="en-US" altLang="zh-CN" b="1" dirty="0">
+                <a:latin typeface="微软雅黑" panose="020B0503020204020204" pitchFamily="34" charset="-122"/>
+                <a:ea typeface="微软雅黑" panose="020B0503020204020204" pitchFamily="34" charset="-122"/>
+              </a:rPr>
+              <a:t>ALU</a:t>
+            </a:r>
+            <a:endParaRPr lang="zh-CN" altLang="en-US" b="1" dirty="0">
+              <a:latin typeface="微软雅黑" panose="020B0503020204020204" pitchFamily="34" charset="-122"/>
+              <a:ea typeface="微软雅黑" panose="020B0503020204020204" pitchFamily="34" charset="-122"/>
+            </a:endParaRPr>
+          </a:p>
+        </p:txBody>
+      </p:sp>
+      <p:sp>
+        <p:nvSpPr>
+          <p:cNvPr id="20" name="矩形 19">
+            <a:extLst>
+              <a:ext uri="{FF2B5EF4-FFF2-40B4-BE49-F238E27FC236}">
+                <a16:creationId xmlns:a16="http://schemas.microsoft.com/office/drawing/2014/main" id="{D4F84F5A-DB75-48CF-AFDA-ADD906422BE2}"/>
+              </a:ext>
+            </a:extLst>
+          </p:cNvPr>
+          <p:cNvSpPr/>
+          <p:nvPr/>
+        </p:nvSpPr>
+        <p:spPr>
+          <a:xfrm>
+            <a:off x="1442550" y="3954979"/>
+            <a:ext cx="875988" cy="537524"/>
+          </a:xfrm>
+          <a:prstGeom prst="rect">
+            <a:avLst/>
+          </a:prstGeom>
+          <a:solidFill>
+            <a:schemeClr val="accent2">
+              <a:lumMod val="60000"/>
+              <a:lumOff val="40000"/>
+            </a:schemeClr>
+          </a:solidFill>
+          <a:ln>
+            <a:solidFill>
+              <a:schemeClr val="accent2">
+                <a:lumMod val="75000"/>
+              </a:schemeClr>
+            </a:solidFill>
+          </a:ln>
+        </p:spPr>
+        <p:style>
+          <a:lnRef idx="2">
+            <a:schemeClr val="accent1">
+              <a:shade val="50000"/>
+            </a:schemeClr>
+          </a:lnRef>
+          <a:fillRef idx="1">
+            <a:schemeClr val="accent1"/>
+          </a:fillRef>
+          <a:effectRef idx="0">
+            <a:schemeClr val="accent1"/>
+          </a:effectRef>
+          <a:fontRef idx="minor">
+            <a:schemeClr val="lt1"/>
+          </a:fontRef>
+        </p:style>
+        <p:txBody>
+          <a:bodyPr rtlCol="0" anchor="ctr"/>
+          <a:lstStyle/>
+          <a:p>
+            <a:pPr algn="ctr"/>
+            <a:r>
+              <a:rPr lang="en-US" altLang="zh-CN" b="1" dirty="0">
+                <a:latin typeface="微软雅黑" panose="020B0503020204020204" pitchFamily="34" charset="-122"/>
+                <a:ea typeface="微软雅黑" panose="020B0503020204020204" pitchFamily="34" charset="-122"/>
+              </a:rPr>
+              <a:t>X</a:t>
+            </a:r>
+            <a:endParaRPr lang="zh-CN" altLang="en-US" b="1" dirty="0">
+              <a:latin typeface="微软雅黑" panose="020B0503020204020204" pitchFamily="34" charset="-122"/>
+              <a:ea typeface="微软雅黑" panose="020B0503020204020204" pitchFamily="34" charset="-122"/>
+            </a:endParaRPr>
+          </a:p>
+        </p:txBody>
+      </p:sp>
+      <p:sp>
+        <p:nvSpPr>
+          <p:cNvPr id="21" name="箭头: 下 20">
+            <a:extLst>
+              <a:ext uri="{FF2B5EF4-FFF2-40B4-BE49-F238E27FC236}">
+                <a16:creationId xmlns:a16="http://schemas.microsoft.com/office/drawing/2014/main" id="{CE8C00AC-42FA-4DB3-9D0B-AD1DA3428275}"/>
+              </a:ext>
+            </a:extLst>
+          </p:cNvPr>
+          <p:cNvSpPr/>
+          <p:nvPr/>
+        </p:nvSpPr>
+        <p:spPr>
+          <a:xfrm>
+            <a:off x="1548036" y="2399172"/>
+            <a:ext cx="225346" cy="510283"/>
+          </a:xfrm>
+          <a:prstGeom prst="downArrow">
+            <a:avLst/>
+          </a:prstGeom>
+          <a:noFill/>
+          <a:ln>
+            <a:solidFill>
+              <a:schemeClr val="accent2">
+                <a:lumMod val="75000"/>
+              </a:schemeClr>
+            </a:solidFill>
+          </a:ln>
+        </p:spPr>
+        <p:style>
+          <a:lnRef idx="2">
+            <a:schemeClr val="accent1">
+              <a:shade val="50000"/>
+            </a:schemeClr>
+          </a:lnRef>
+          <a:fillRef idx="1">
+            <a:schemeClr val="accent1"/>
+          </a:fillRef>
+          <a:effectRef idx="0">
+            <a:schemeClr val="accent1"/>
+          </a:effectRef>
+          <a:fontRef idx="minor">
+            <a:schemeClr val="lt1"/>
+          </a:fontRef>
+        </p:style>
+        <p:txBody>
+          <a:bodyPr rtlCol="0" anchor="ctr"/>
+          <a:lstStyle/>
+          <a:p>
+            <a:pPr algn="ctr"/>
+            <a:endParaRPr lang="zh-CN" altLang="en-US" dirty="0"/>
+          </a:p>
+        </p:txBody>
+      </p:sp>
+      <p:sp>
+        <p:nvSpPr>
+          <p:cNvPr id="24" name="箭头: 下 23">
+            <a:extLst>
+              <a:ext uri="{FF2B5EF4-FFF2-40B4-BE49-F238E27FC236}">
+                <a16:creationId xmlns:a16="http://schemas.microsoft.com/office/drawing/2014/main" id="{C507F747-138C-4F1D-929D-E8CCF3FA1B61}"/>
+              </a:ext>
+            </a:extLst>
+          </p:cNvPr>
+          <p:cNvSpPr/>
+          <p:nvPr/>
+        </p:nvSpPr>
+        <p:spPr>
+          <a:xfrm rot="10800000">
+            <a:off x="1994460" y="2399171"/>
+            <a:ext cx="225346" cy="510283"/>
+          </a:xfrm>
+          <a:prstGeom prst="downArrow">
+            <a:avLst/>
+          </a:prstGeom>
+          <a:noFill/>
+          <a:ln>
+            <a:solidFill>
+              <a:schemeClr val="accent2">
+                <a:lumMod val="75000"/>
+              </a:schemeClr>
+            </a:solidFill>
+          </a:ln>
+        </p:spPr>
+        <p:style>
+          <a:lnRef idx="2">
+            <a:schemeClr val="accent1">
+              <a:shade val="50000"/>
+            </a:schemeClr>
+          </a:lnRef>
+          <a:fillRef idx="1">
+            <a:schemeClr val="accent1"/>
+          </a:fillRef>
+          <a:effectRef idx="0">
+            <a:schemeClr val="accent1"/>
+          </a:effectRef>
+          <a:fontRef idx="minor">
+            <a:schemeClr val="lt1"/>
+          </a:fontRef>
+        </p:style>
+        <p:txBody>
+          <a:bodyPr rtlCol="0" anchor="ctr"/>
+          <a:lstStyle/>
+          <a:p>
+            <a:pPr algn="ctr"/>
+            <a:endParaRPr lang="zh-CN" altLang="en-US" dirty="0"/>
+          </a:p>
+        </p:txBody>
+      </p:sp>
+      <p:sp>
+        <p:nvSpPr>
+          <p:cNvPr id="25" name="箭头: 下 24">
+            <a:extLst>
+              <a:ext uri="{FF2B5EF4-FFF2-40B4-BE49-F238E27FC236}">
+                <a16:creationId xmlns:a16="http://schemas.microsoft.com/office/drawing/2014/main" id="{AC3816D2-B30C-4CDD-9478-7EDC40CC3342}"/>
+              </a:ext>
+            </a:extLst>
+          </p:cNvPr>
+          <p:cNvSpPr/>
+          <p:nvPr/>
+        </p:nvSpPr>
+        <p:spPr>
+          <a:xfrm rot="10800000">
+            <a:off x="1767871" y="3444024"/>
+            <a:ext cx="225346" cy="510283"/>
+          </a:xfrm>
+          <a:prstGeom prst="downArrow">
+            <a:avLst/>
+          </a:prstGeom>
+          <a:noFill/>
+          <a:ln>
+            <a:solidFill>
+              <a:schemeClr val="accent2">
+                <a:lumMod val="75000"/>
+              </a:schemeClr>
+            </a:solidFill>
+          </a:ln>
+        </p:spPr>
+        <p:style>
+          <a:lnRef idx="2">
+            <a:schemeClr val="accent1">
+              <a:shade val="50000"/>
+            </a:schemeClr>
+          </a:lnRef>
+          <a:fillRef idx="1">
+            <a:schemeClr val="accent1"/>
+          </a:fillRef>
+          <a:effectRef idx="0">
+            <a:schemeClr val="accent1"/>
+          </a:effectRef>
+          <a:fontRef idx="minor">
+            <a:schemeClr val="lt1"/>
+          </a:fontRef>
+        </p:style>
+        <p:txBody>
+          <a:bodyPr rtlCol="0" anchor="ctr"/>
+          <a:lstStyle/>
+          <a:p>
+            <a:pPr algn="ctr"/>
+            <a:endParaRPr lang="zh-CN" altLang="en-US" dirty="0"/>
+          </a:p>
+        </p:txBody>
+      </p:sp>
+      <p:cxnSp>
+        <p:nvCxnSpPr>
+          <p:cNvPr id="27" name="直接箭头连接符 26">
+            <a:extLst>
+              <a:ext uri="{FF2B5EF4-FFF2-40B4-BE49-F238E27FC236}">
+                <a16:creationId xmlns:a16="http://schemas.microsoft.com/office/drawing/2014/main" id="{8942676A-E4CC-431B-8FDB-FF6C2963DB48}"/>
+              </a:ext>
+            </a:extLst>
+          </p:cNvPr>
+          <p:cNvCxnSpPr/>
+          <p:nvPr/>
+        </p:nvCxnSpPr>
+        <p:spPr>
+          <a:xfrm flipH="1">
+            <a:off x="2318538" y="2233040"/>
+            <a:ext cx="501602" cy="0"/>
+          </a:xfrm>
+          <a:prstGeom prst="straightConnector1">
+            <a:avLst/>
+          </a:prstGeom>
+          <a:ln>
+            <a:solidFill>
+              <a:schemeClr val="accent2">
+                <a:lumMod val="75000"/>
+              </a:schemeClr>
+            </a:solidFill>
+            <a:tailEnd type="triangle"/>
+          </a:ln>
+        </p:spPr>
+        <p:style>
+          <a:lnRef idx="1">
+            <a:schemeClr val="accent1"/>
+          </a:lnRef>
+          <a:fillRef idx="0">
+            <a:schemeClr val="accent1"/>
+          </a:fillRef>
+          <a:effectRef idx="0">
+            <a:schemeClr val="accent1"/>
+          </a:effectRef>
+          <a:fontRef idx="minor">
+            <a:schemeClr val="tx1"/>
+          </a:fontRef>
+        </p:style>
+      </p:cxnSp>
+      <p:cxnSp>
+        <p:nvCxnSpPr>
+          <p:cNvPr id="28" name="直接箭头连接符 27">
+            <a:extLst>
+              <a:ext uri="{FF2B5EF4-FFF2-40B4-BE49-F238E27FC236}">
+                <a16:creationId xmlns:a16="http://schemas.microsoft.com/office/drawing/2014/main" id="{F78668D7-40AA-4B13-B39F-72D84684326D}"/>
+              </a:ext>
+            </a:extLst>
+          </p:cNvPr>
+          <p:cNvCxnSpPr>
+            <a:cxnSpLocks/>
+          </p:cNvCxnSpPr>
+          <p:nvPr/>
+        </p:nvCxnSpPr>
+        <p:spPr>
+          <a:xfrm>
+            <a:off x="2318538" y="2012847"/>
+            <a:ext cx="515548" cy="0"/>
+          </a:xfrm>
+          <a:prstGeom prst="straightConnector1">
+            <a:avLst/>
+          </a:prstGeom>
+          <a:ln>
+            <a:solidFill>
+              <a:schemeClr val="accent2">
+                <a:lumMod val="75000"/>
+              </a:schemeClr>
+            </a:solidFill>
+            <a:tailEnd type="triangle"/>
+          </a:ln>
+        </p:spPr>
+        <p:style>
+          <a:lnRef idx="1">
+            <a:schemeClr val="accent1"/>
+          </a:lnRef>
+          <a:fillRef idx="0">
+            <a:schemeClr val="accent1"/>
+          </a:fillRef>
+          <a:effectRef idx="0">
+            <a:schemeClr val="accent1"/>
+          </a:effectRef>
+          <a:fontRef idx="minor">
+            <a:schemeClr val="tx1"/>
+          </a:fontRef>
+        </p:style>
+      </p:cxnSp>
+      <p:sp>
+        <p:nvSpPr>
+          <p:cNvPr id="32" name="矩形 31">
+            <a:extLst>
+              <a:ext uri="{FF2B5EF4-FFF2-40B4-BE49-F238E27FC236}">
+                <a16:creationId xmlns:a16="http://schemas.microsoft.com/office/drawing/2014/main" id="{DF325E54-78E9-4D37-A944-3C3AC4C62FB0}"/>
+              </a:ext>
+            </a:extLst>
+          </p:cNvPr>
+          <p:cNvSpPr/>
+          <p:nvPr/>
+        </p:nvSpPr>
+        <p:spPr>
+          <a:xfrm>
+            <a:off x="4479779" y="2012847"/>
+            <a:ext cx="1117457" cy="2346720"/>
+          </a:xfrm>
+          <a:prstGeom prst="rect">
+            <a:avLst/>
+          </a:prstGeom>
+          <a:solidFill>
+            <a:schemeClr val="accent2">
+              <a:lumMod val="60000"/>
+              <a:lumOff val="40000"/>
+            </a:schemeClr>
+          </a:solidFill>
+          <a:ln>
+            <a:solidFill>
+              <a:schemeClr val="accent2">
+                <a:lumMod val="75000"/>
+              </a:schemeClr>
+            </a:solidFill>
+          </a:ln>
+        </p:spPr>
+        <p:style>
+          <a:lnRef idx="2">
+            <a:schemeClr val="accent1">
+              <a:shade val="50000"/>
+            </a:schemeClr>
+          </a:lnRef>
+          <a:fillRef idx="1">
+            <a:schemeClr val="accent1"/>
+          </a:fillRef>
+          <a:effectRef idx="0">
+            <a:schemeClr val="accent1"/>
+          </a:effectRef>
+          <a:fontRef idx="minor">
+            <a:schemeClr val="lt1"/>
+          </a:fontRef>
+        </p:style>
+        <p:txBody>
+          <a:bodyPr rtlCol="0" anchor="ctr"/>
+          <a:lstStyle/>
+          <a:p>
+            <a:pPr algn="ctr"/>
+            <a:r>
+              <a:rPr lang="en-US" altLang="zh-CN" b="1" dirty="0">
+                <a:latin typeface="微软雅黑" panose="020B0503020204020204" pitchFamily="34" charset="-122"/>
+                <a:ea typeface="微软雅黑" panose="020B0503020204020204" pitchFamily="34" charset="-122"/>
+              </a:rPr>
+              <a:t>CU</a:t>
+            </a:r>
+            <a:endParaRPr lang="zh-CN" altLang="en-US" b="1" dirty="0">
+              <a:latin typeface="微软雅黑" panose="020B0503020204020204" pitchFamily="34" charset="-122"/>
+              <a:ea typeface="微软雅黑" panose="020B0503020204020204" pitchFamily="34" charset="-122"/>
+            </a:endParaRPr>
+          </a:p>
+        </p:txBody>
+      </p:sp>
+      <p:sp>
+        <p:nvSpPr>
+          <p:cNvPr id="34" name="矩形 33">
+            <a:extLst>
+              <a:ext uri="{FF2B5EF4-FFF2-40B4-BE49-F238E27FC236}">
+                <a16:creationId xmlns:a16="http://schemas.microsoft.com/office/drawing/2014/main" id="{EE26C346-8074-4BB3-9158-D521A2C24120}"/>
+              </a:ext>
+            </a:extLst>
+          </p:cNvPr>
+          <p:cNvSpPr/>
+          <p:nvPr/>
+        </p:nvSpPr>
+        <p:spPr>
+          <a:xfrm>
+            <a:off x="5833988" y="2233040"/>
+            <a:ext cx="1117457" cy="795012"/>
+          </a:xfrm>
+          <a:prstGeom prst="rect">
+            <a:avLst/>
+          </a:prstGeom>
+          <a:solidFill>
+            <a:schemeClr val="accent2">
+              <a:lumMod val="60000"/>
+              <a:lumOff val="40000"/>
+            </a:schemeClr>
+          </a:solidFill>
+          <a:ln>
+            <a:solidFill>
+              <a:schemeClr val="accent2">
+                <a:lumMod val="75000"/>
+              </a:schemeClr>
+            </a:solidFill>
+          </a:ln>
+        </p:spPr>
+        <p:style>
+          <a:lnRef idx="2">
+            <a:schemeClr val="accent1">
+              <a:shade val="50000"/>
+            </a:schemeClr>
+          </a:lnRef>
+          <a:fillRef idx="1">
+            <a:schemeClr val="accent1"/>
+          </a:fillRef>
+          <a:effectRef idx="0">
+            <a:schemeClr val="accent1"/>
+          </a:effectRef>
+          <a:fontRef idx="minor">
+            <a:schemeClr val="lt1"/>
+          </a:fontRef>
+        </p:style>
+        <p:txBody>
+          <a:bodyPr rtlCol="0" anchor="ctr"/>
+          <a:lstStyle/>
+          <a:p>
+            <a:pPr algn="ctr"/>
+            <a:r>
+              <a:rPr lang="en-US" altLang="zh-CN" b="1" dirty="0">
+                <a:latin typeface="微软雅黑" panose="020B0503020204020204" pitchFamily="34" charset="-122"/>
+                <a:ea typeface="微软雅黑" panose="020B0503020204020204" pitchFamily="34" charset="-122"/>
+              </a:rPr>
+              <a:t>IR</a:t>
+            </a:r>
+            <a:endParaRPr lang="zh-CN" altLang="en-US" b="1" dirty="0">
+              <a:latin typeface="微软雅黑" panose="020B0503020204020204" pitchFamily="34" charset="-122"/>
+              <a:ea typeface="微软雅黑" panose="020B0503020204020204" pitchFamily="34" charset="-122"/>
+            </a:endParaRPr>
+          </a:p>
+        </p:txBody>
+      </p:sp>
+      <p:sp>
+        <p:nvSpPr>
+          <p:cNvPr id="35" name="矩形 34">
+            <a:extLst>
+              <a:ext uri="{FF2B5EF4-FFF2-40B4-BE49-F238E27FC236}">
+                <a16:creationId xmlns:a16="http://schemas.microsoft.com/office/drawing/2014/main" id="{B41020C6-6CFB-434A-BCA9-B6DA9FFC26B6}"/>
+              </a:ext>
+            </a:extLst>
+          </p:cNvPr>
+          <p:cNvSpPr/>
+          <p:nvPr/>
+        </p:nvSpPr>
+        <p:spPr>
+          <a:xfrm>
+            <a:off x="5833988" y="3398366"/>
+            <a:ext cx="1117457" cy="795012"/>
+          </a:xfrm>
+          <a:prstGeom prst="rect">
+            <a:avLst/>
+          </a:prstGeom>
+          <a:solidFill>
+            <a:schemeClr val="accent2">
+              <a:lumMod val="60000"/>
+              <a:lumOff val="40000"/>
+            </a:schemeClr>
+          </a:solidFill>
+          <a:ln>
+            <a:solidFill>
+              <a:schemeClr val="accent2">
+                <a:lumMod val="75000"/>
+              </a:schemeClr>
+            </a:solidFill>
+          </a:ln>
+        </p:spPr>
+        <p:style>
+          <a:lnRef idx="2">
+            <a:schemeClr val="accent1">
+              <a:shade val="50000"/>
+            </a:schemeClr>
+          </a:lnRef>
+          <a:fillRef idx="1">
+            <a:schemeClr val="accent1"/>
+          </a:fillRef>
+          <a:effectRef idx="0">
+            <a:schemeClr val="accent1"/>
+          </a:effectRef>
+          <a:fontRef idx="minor">
+            <a:schemeClr val="lt1"/>
+          </a:fontRef>
+        </p:style>
+        <p:txBody>
+          <a:bodyPr rtlCol="0" anchor="ctr"/>
+          <a:lstStyle/>
+          <a:p>
+            <a:pPr algn="ctr"/>
+            <a:r>
+              <a:rPr lang="en-US" altLang="zh-CN" b="1" dirty="0">
+                <a:latin typeface="微软雅黑" panose="020B0503020204020204" pitchFamily="34" charset="-122"/>
+                <a:ea typeface="微软雅黑" panose="020B0503020204020204" pitchFamily="34" charset="-122"/>
+              </a:rPr>
+              <a:t>PC</a:t>
+            </a:r>
+            <a:endParaRPr lang="zh-CN" altLang="en-US" b="1" dirty="0">
+              <a:latin typeface="微软雅黑" panose="020B0503020204020204" pitchFamily="34" charset="-122"/>
+              <a:ea typeface="微软雅黑" panose="020B0503020204020204" pitchFamily="34" charset="-122"/>
+            </a:endParaRPr>
+          </a:p>
+        </p:txBody>
+      </p:sp>
+      <p:cxnSp>
+        <p:nvCxnSpPr>
+          <p:cNvPr id="36" name="直接箭头连接符 35">
+            <a:extLst>
+              <a:ext uri="{FF2B5EF4-FFF2-40B4-BE49-F238E27FC236}">
+                <a16:creationId xmlns:a16="http://schemas.microsoft.com/office/drawing/2014/main" id="{0857EC0D-45F5-4C80-B883-40B3B0C8C7F8}"/>
+              </a:ext>
+            </a:extLst>
+          </p:cNvPr>
+          <p:cNvCxnSpPr>
+            <a:cxnSpLocks/>
+          </p:cNvCxnSpPr>
+          <p:nvPr/>
+        </p:nvCxnSpPr>
+        <p:spPr>
+          <a:xfrm flipV="1">
+            <a:off x="4759254" y="1579891"/>
+            <a:ext cx="0" cy="432956"/>
+          </a:xfrm>
+          <a:prstGeom prst="straightConnector1">
+            <a:avLst/>
+          </a:prstGeom>
+          <a:ln>
+            <a:solidFill>
+              <a:schemeClr val="accent2">
+                <a:lumMod val="75000"/>
+              </a:schemeClr>
+            </a:solidFill>
+            <a:tailEnd type="triangle"/>
+          </a:ln>
+        </p:spPr>
+        <p:style>
+          <a:lnRef idx="1">
+            <a:schemeClr val="accent1"/>
+          </a:lnRef>
+          <a:fillRef idx="0">
+            <a:schemeClr val="accent1"/>
+          </a:fillRef>
+          <a:effectRef idx="0">
+            <a:schemeClr val="accent1"/>
+          </a:effectRef>
+          <a:fontRef idx="minor">
+            <a:schemeClr val="tx1"/>
+          </a:fontRef>
+        </p:style>
+      </p:cxnSp>
+      <p:cxnSp>
+        <p:nvCxnSpPr>
+          <p:cNvPr id="39" name="直接箭头连接符 38">
+            <a:extLst>
+              <a:ext uri="{FF2B5EF4-FFF2-40B4-BE49-F238E27FC236}">
+                <a16:creationId xmlns:a16="http://schemas.microsoft.com/office/drawing/2014/main" id="{1B55C4E2-901C-4582-8264-720B30D760BF}"/>
+              </a:ext>
+            </a:extLst>
+          </p:cNvPr>
+          <p:cNvCxnSpPr>
+            <a:cxnSpLocks/>
+          </p:cNvCxnSpPr>
+          <p:nvPr/>
+        </p:nvCxnSpPr>
+        <p:spPr>
+          <a:xfrm flipV="1">
+            <a:off x="5314724" y="1579891"/>
+            <a:ext cx="0" cy="432956"/>
+          </a:xfrm>
+          <a:prstGeom prst="straightConnector1">
+            <a:avLst/>
+          </a:prstGeom>
+          <a:ln>
+            <a:solidFill>
+              <a:schemeClr val="accent2">
+                <a:lumMod val="75000"/>
+              </a:schemeClr>
+            </a:solidFill>
+            <a:tailEnd type="triangle"/>
+          </a:ln>
+        </p:spPr>
+        <p:style>
+          <a:lnRef idx="1">
+            <a:schemeClr val="accent1"/>
+          </a:lnRef>
+          <a:fillRef idx="0">
+            <a:schemeClr val="accent1"/>
+          </a:fillRef>
+          <a:effectRef idx="0">
+            <a:schemeClr val="accent1"/>
+          </a:effectRef>
+          <a:fontRef idx="minor">
+            <a:schemeClr val="tx1"/>
+          </a:fontRef>
+        </p:style>
+      </p:cxnSp>
+      <p:sp>
+        <p:nvSpPr>
+          <p:cNvPr id="41" name="文本框 40">
+            <a:extLst>
+              <a:ext uri="{FF2B5EF4-FFF2-40B4-BE49-F238E27FC236}">
+                <a16:creationId xmlns:a16="http://schemas.microsoft.com/office/drawing/2014/main" id="{66398C59-8636-45BE-8A0F-6D5F51B015A1}"/>
+              </a:ext>
+            </a:extLst>
+          </p:cNvPr>
+          <p:cNvSpPr txBox="1"/>
+          <p:nvPr/>
+        </p:nvSpPr>
+        <p:spPr>
+          <a:xfrm>
+            <a:off x="10559802" y="2447543"/>
+            <a:ext cx="559769" cy="1477328"/>
+          </a:xfrm>
+          <a:prstGeom prst="rect">
+            <a:avLst/>
+          </a:prstGeom>
+          <a:noFill/>
+        </p:spPr>
+        <p:txBody>
+          <a:bodyPr wrap="none" rtlCol="0">
+            <a:spAutoFit/>
+          </a:bodyPr>
+          <a:lstStyle/>
+          <a:p>
+            <a:r>
+              <a:rPr lang="en-US" altLang="zh-CN" b="1" dirty="0">
+                <a:latin typeface="微软雅黑" panose="020B0503020204020204" pitchFamily="34" charset="-122"/>
+                <a:ea typeface="微软雅黑" panose="020B0503020204020204" pitchFamily="34" charset="-122"/>
+                <a:cs typeface="Courier New" panose="02070309020205020404" pitchFamily="49" charset="0"/>
+              </a:rPr>
+              <a:t>I/O</a:t>
+            </a:r>
+          </a:p>
+          <a:p>
+            <a:endParaRPr lang="en-US" altLang="zh-CN" b="1" dirty="0">
+              <a:latin typeface="微软雅黑" panose="020B0503020204020204" pitchFamily="34" charset="-122"/>
+              <a:ea typeface="微软雅黑" panose="020B0503020204020204" pitchFamily="34" charset="-122"/>
+              <a:cs typeface="Courier New" panose="02070309020205020404" pitchFamily="49" charset="0"/>
+            </a:endParaRPr>
+          </a:p>
+          <a:p>
+            <a:r>
+              <a:rPr lang="zh-CN" altLang="en-US" b="1" dirty="0">
+                <a:latin typeface="微软雅黑" panose="020B0503020204020204" pitchFamily="34" charset="-122"/>
+                <a:ea typeface="微软雅黑" panose="020B0503020204020204" pitchFamily="34" charset="-122"/>
+                <a:cs typeface="Courier New" panose="02070309020205020404" pitchFamily="49" charset="0"/>
+              </a:rPr>
+              <a:t>设</a:t>
+            </a:r>
+            <a:endParaRPr lang="en-US" altLang="zh-CN" b="1" dirty="0">
+              <a:latin typeface="微软雅黑" panose="020B0503020204020204" pitchFamily="34" charset="-122"/>
+              <a:ea typeface="微软雅黑" panose="020B0503020204020204" pitchFamily="34" charset="-122"/>
+              <a:cs typeface="Courier New" panose="02070309020205020404" pitchFamily="49" charset="0"/>
+            </a:endParaRPr>
+          </a:p>
+          <a:p>
+            <a:endParaRPr lang="en-US" altLang="zh-CN" b="1" dirty="0">
+              <a:latin typeface="微软雅黑" panose="020B0503020204020204" pitchFamily="34" charset="-122"/>
+              <a:ea typeface="微软雅黑" panose="020B0503020204020204" pitchFamily="34" charset="-122"/>
+              <a:cs typeface="Courier New" panose="02070309020205020404" pitchFamily="49" charset="0"/>
+            </a:endParaRPr>
+          </a:p>
+          <a:p>
+            <a:r>
+              <a:rPr lang="zh-CN" altLang="en-US" b="1" dirty="0">
+                <a:latin typeface="微软雅黑" panose="020B0503020204020204" pitchFamily="34" charset="-122"/>
+                <a:ea typeface="微软雅黑" panose="020B0503020204020204" pitchFamily="34" charset="-122"/>
+                <a:cs typeface="Courier New" panose="02070309020205020404" pitchFamily="49" charset="0"/>
+              </a:rPr>
+              <a:t>备</a:t>
+            </a:r>
+          </a:p>
+        </p:txBody>
+      </p:sp>
+      <p:sp>
+        <p:nvSpPr>
+          <p:cNvPr id="42" name="文本框 41">
+            <a:extLst>
+              <a:ext uri="{FF2B5EF4-FFF2-40B4-BE49-F238E27FC236}">
+                <a16:creationId xmlns:a16="http://schemas.microsoft.com/office/drawing/2014/main" id="{7E61175E-79BA-4714-822B-427AE07BA27D}"/>
+              </a:ext>
+            </a:extLst>
+          </p:cNvPr>
+          <p:cNvSpPr txBox="1"/>
+          <p:nvPr/>
+        </p:nvSpPr>
+        <p:spPr>
+          <a:xfrm>
+            <a:off x="4849505" y="6129128"/>
+            <a:ext cx="2492990" cy="369332"/>
+          </a:xfrm>
+          <a:prstGeom prst="rect">
+            <a:avLst/>
+          </a:prstGeom>
+          <a:noFill/>
+        </p:spPr>
+        <p:txBody>
+          <a:bodyPr wrap="none" rtlCol="0">
+            <a:spAutoFit/>
+          </a:bodyPr>
+          <a:lstStyle/>
+          <a:p>
+            <a:r>
+              <a:rPr lang="zh-CN" altLang="en-US" b="1" dirty="0">
+                <a:latin typeface="微软雅黑" panose="020B0503020204020204" pitchFamily="34" charset="-122"/>
+                <a:ea typeface="微软雅黑" panose="020B0503020204020204" pitchFamily="34" charset="-122"/>
+                <a:cs typeface="Courier New" panose="02070309020205020404" pitchFamily="49" charset="0"/>
+              </a:rPr>
+              <a:t>细化的计算机组成框图</a:t>
+            </a:r>
+          </a:p>
+        </p:txBody>
+      </p:sp>
+    </p:spTree>
+    <p:extLst>
+      <p:ext uri="{BB962C8B-B14F-4D97-AF65-F5344CB8AC3E}">
+        <p14:creationId xmlns:p14="http://schemas.microsoft.com/office/powerpoint/2010/main" val="2975761195"/>
+      </p:ext>
+    </p:extLst>
+  </p:cSld>
+  <p:clrMapOvr>
+    <a:masterClrMapping/>
+  </p:clrMapOvr>
 </p:sld>
 </file>
 
